--- a/lecture_regression/presentation/lecture_regression.pptx
+++ b/lecture_regression/presentation/lecture_regression.pptx
@@ -23,17 +23,17 @@
     <p:sldId id="344" r:id="rId11"/>
     <p:sldId id="372" r:id="rId12"/>
     <p:sldId id="373" r:id="rId13"/>
-    <p:sldId id="374" r:id="rId14"/>
-    <p:sldId id="375" r:id="rId15"/>
-    <p:sldId id="371" r:id="rId16"/>
-    <p:sldId id="376" r:id="rId17"/>
-    <p:sldId id="377" r:id="rId18"/>
-    <p:sldId id="378" r:id="rId19"/>
-    <p:sldId id="379" r:id="rId20"/>
-    <p:sldId id="381" r:id="rId21"/>
-    <p:sldId id="382" r:id="rId22"/>
-    <p:sldId id="384" r:id="rId23"/>
-    <p:sldId id="380" r:id="rId24"/>
+    <p:sldId id="371" r:id="rId14"/>
+    <p:sldId id="376" r:id="rId15"/>
+    <p:sldId id="377" r:id="rId16"/>
+    <p:sldId id="378" r:id="rId17"/>
+    <p:sldId id="379" r:id="rId18"/>
+    <p:sldId id="381" r:id="rId19"/>
+    <p:sldId id="382" r:id="rId20"/>
+    <p:sldId id="384" r:id="rId21"/>
+    <p:sldId id="380" r:id="rId22"/>
+    <p:sldId id="385" r:id="rId23"/>
+    <p:sldId id="386" r:id="rId24"/>
     <p:sldId id="383" r:id="rId25"/>
     <p:sldId id="294" r:id="rId26"/>
   </p:sldIdLst>
@@ -235,7 +235,7 @@
           <a:p>
             <a:fld id="{8CCD710B-DBEB-48B9-BE37-6CC35DC50D83}" type="datetimeFigureOut">
               <a:rPr lang="ru-RU" smtClean="0"/>
-              <a:t>30.04.2018</a:t>
+              <a:t>21.05.2018</a:t>
             </a:fld>
             <a:endParaRPr lang="ru-RU"/>
           </a:p>
@@ -400,7 +400,7 @@
           <a:p>
             <a:fld id="{599FBC4C-1749-4424-9522-1B6D127EF272}" type="datetimeFigureOut">
               <a:rPr lang="ru-RU" smtClean="0"/>
-              <a:t>30.04.2018</a:t>
+              <a:t>21.05.2018</a:t>
             </a:fld>
             <a:endParaRPr lang="ru-RU" dirty="0"/>
           </a:p>
@@ -733,7 +733,7 @@
           <a:p>
             <a:fld id="{4DFC6225-C8ED-4E9F-A34F-711DD8E7E2B6}" type="slidenum">
               <a:rPr lang="ru-RU" smtClean="0"/>
-              <a:t>17</a:t>
+              <a:t>15</a:t>
             </a:fld>
             <a:endParaRPr lang="ru-RU" dirty="0"/>
           </a:p>
@@ -817,7 +817,7 @@
           <a:p>
             <a:fld id="{4DFC6225-C8ED-4E9F-A34F-711DD8E7E2B6}" type="slidenum">
               <a:rPr lang="ru-RU" smtClean="0"/>
-              <a:t>20</a:t>
+              <a:t>18</a:t>
             </a:fld>
             <a:endParaRPr lang="ru-RU" dirty="0"/>
           </a:p>
@@ -901,7 +901,7 @@
           <a:p>
             <a:fld id="{4DFC6225-C8ED-4E9F-A34F-711DD8E7E2B6}" type="slidenum">
               <a:rPr lang="ru-RU" smtClean="0"/>
-              <a:t>21</a:t>
+              <a:t>19</a:t>
             </a:fld>
             <a:endParaRPr lang="ru-RU" dirty="0"/>
           </a:p>
@@ -985,7 +985,7 @@
           <a:p>
             <a:fld id="{4DFC6225-C8ED-4E9F-A34F-711DD8E7E2B6}" type="slidenum">
               <a:rPr lang="ru-RU" smtClean="0"/>
-              <a:t>22</a:t>
+              <a:t>20</a:t>
             </a:fld>
             <a:endParaRPr lang="ru-RU" dirty="0"/>
           </a:p>
@@ -1069,7 +1069,7 @@
           <a:p>
             <a:fld id="{4DFC6225-C8ED-4E9F-A34F-711DD8E7E2B6}" type="slidenum">
               <a:rPr lang="ru-RU" smtClean="0"/>
-              <a:t>23</a:t>
+              <a:t>21</a:t>
             </a:fld>
             <a:endParaRPr lang="ru-RU" dirty="0"/>
           </a:p>
@@ -4951,11 +4951,7 @@
             </a:br>
             <a:r>
               <a:rPr lang="en-US" sz="4000" b="1" dirty="0" smtClean="0"/>
-              <a:t>2. Regression </a:t>
-            </a:r>
-            <a:r>
-              <a:rPr lang="en-US" sz="4000" b="1" dirty="0" smtClean="0"/>
-              <a:t>in </a:t>
+              <a:t>2. Regression in </a:t>
             </a:r>
             <a:r>
               <a:rPr lang="en-US" sz="4000" b="1" dirty="0"/>
@@ -5039,11 +5035,7 @@
           <a:p>
             <a:r>
               <a:rPr lang="en-US" b="1" dirty="0" smtClean="0"/>
-              <a:t>ML-course.   </a:t>
-            </a:r>
-            <a:r>
-              <a:rPr lang="en-US" b="1" dirty="0" smtClean="0"/>
-              <a:t>Regression</a:t>
+              <a:t>ML-course.   Regression</a:t>
             </a:r>
             <a:endParaRPr lang="ru-RU" dirty="0"/>
           </a:p>
@@ -5156,7 +5148,7 @@
           <a:p>
             <a:r>
               <a:rPr lang="en-US" dirty="0" smtClean="0"/>
-              <a:t>17</a:t>
+              <a:t>10</a:t>
             </a:r>
             <a:endParaRPr lang="ru-RU" dirty="0"/>
           </a:p>
@@ -5558,7 +5550,7 @@
           <a:p>
             <a:r>
               <a:rPr lang="en-US" dirty="0" smtClean="0"/>
-              <a:t>18</a:t>
+              <a:t>11</a:t>
             </a:r>
             <a:endParaRPr lang="ru-RU" dirty="0"/>
           </a:p>
@@ -5583,7 +5575,7 @@
         </p:spPr>
         <p:txBody>
           <a:bodyPr vert="horz" lIns="91440" tIns="45720" rIns="91440" bIns="45720" rtlCol="0">
-            <a:normAutofit lnSpcReduction="10000"/>
+            <a:normAutofit fontScale="92500" lnSpcReduction="10000"/>
           </a:bodyPr>
           <a:lstStyle>
             <a:lvl1pPr marL="342900" indent="-342900" algn="l" defTabSz="914400" rtl="0" eaLnBrk="1" latinLnBrk="0" hangingPunct="1">
@@ -5738,19 +5730,64 @@
             <a:pPr lvl="1"/>
             <a:r>
               <a:rPr lang="en-US" dirty="0"/>
-              <a:t>t</a:t>
+              <a:t>train + </a:t>
             </a:r>
             <a:r>
               <a:rPr lang="en-US" dirty="0" smtClean="0"/>
-              <a:t>rain + test (e.g. 75% + 25%)</a:t>
-            </a:r>
+              <a:t>test </a:t>
+            </a:r>
+            <a:r>
+              <a:rPr lang="en-US" sz="2400" dirty="0"/>
+              <a:t>(e.g. </a:t>
+            </a:r>
+            <a:r>
+              <a:rPr lang="en-US" sz="2400" dirty="0" smtClean="0"/>
+              <a:t>75% </a:t>
+            </a:r>
+            <a:r>
+              <a:rPr lang="en-US" sz="2400" dirty="0"/>
+              <a:t>+ </a:t>
+            </a:r>
+            <a:r>
+              <a:rPr lang="en-US" sz="2400" dirty="0" smtClean="0"/>
+              <a:t>25%)</a:t>
+            </a:r>
+            <a:endParaRPr lang="en-US" sz="2400" dirty="0"/>
           </a:p>
           <a:p>
             <a:pPr lvl="1"/>
             <a:r>
               <a:rPr lang="en-US" dirty="0" smtClean="0"/>
-              <a:t>cross-validation</a:t>
-            </a:r>
+              <a:t>train + valid + test </a:t>
+            </a:r>
+            <a:r>
+              <a:rPr lang="en-US" sz="2400" dirty="0" smtClean="0"/>
+              <a:t>(e.g. 60% + 20% + 20%)</a:t>
+            </a:r>
+          </a:p>
+          <a:p>
+            <a:pPr lvl="1"/>
+            <a:r>
+              <a:rPr lang="en-US" dirty="0" smtClean="0"/>
+              <a:t>train with cross-validation + </a:t>
+            </a:r>
+            <a:r>
+              <a:rPr lang="en-US" dirty="0"/>
+              <a:t>test </a:t>
+            </a:r>
+            <a:r>
+              <a:rPr lang="en-US" sz="2200" dirty="0"/>
+              <a:t>(e.g. </a:t>
+            </a:r>
+            <a:r>
+              <a:rPr lang="en-US" sz="2200" dirty="0" smtClean="0"/>
+              <a:t>80</a:t>
+            </a:r>
+            <a:r>
+              <a:rPr lang="en-US" sz="2200" dirty="0"/>
+              <a:t>% + 20% )</a:t>
+            </a:r>
+            <a:endParaRPr lang="en-US" sz="2200" dirty="0" smtClean="0"/>
           </a:p>
           <a:p>
             <a:pPr marL="457200" lvl="1" indent="0">
@@ -5784,11 +5821,7 @@
             </a:r>
             <a:r>
               <a:rPr lang="en-US" dirty="0" smtClean="0"/>
-              <a:t>, MSE, MAE</a:t>
-            </a:r>
-            <a:r>
-              <a:rPr lang="en-US" dirty="0" smtClean="0"/>
-              <a:t>,…</a:t>
+              <a:t>, MSE, MAE,…</a:t>
             </a:r>
           </a:p>
           <a:p>
@@ -5985,7 +6018,7 @@
           <a:p>
             <a:r>
               <a:rPr lang="en-US" dirty="0" smtClean="0"/>
-              <a:t>19</a:t>
+              <a:t>12</a:t>
             </a:r>
             <a:endParaRPr lang="ru-RU" dirty="0"/>
           </a:p>
@@ -6099,552 +6132,6 @@
       </p:grpSpPr>
       <p:sp>
         <p:nvSpPr>
-          <p:cNvPr id="2" name="Заголовок 1"/>
-          <p:cNvSpPr>
-            <a:spLocks noGrp="1"/>
-          </p:cNvSpPr>
-          <p:nvPr>
-            <p:ph type="title"/>
-          </p:nvPr>
-        </p:nvSpPr>
-        <p:spPr/>
-        <p:txBody>
-          <a:bodyPr/>
-          <a:lstStyle/>
-          <a:p>
-            <a:r>
-              <a:rPr lang="en-US" b="1" dirty="0"/>
-              <a:t>Bias-Variance Trade-Off</a:t>
-            </a:r>
-            <a:endParaRPr lang="ru-RU" dirty="0"/>
-          </a:p>
-        </p:txBody>
-      </p:sp>
-      <p:sp>
-        <p:nvSpPr>
-          <p:cNvPr id="4" name="Номер слайда 3"/>
-          <p:cNvSpPr>
-            <a:spLocks noGrp="1"/>
-          </p:cNvSpPr>
-          <p:nvPr>
-            <p:ph type="sldNum" sz="quarter" idx="12"/>
-          </p:nvPr>
-        </p:nvSpPr>
-        <p:spPr/>
-        <p:txBody>
-          <a:bodyPr/>
-          <a:lstStyle/>
-          <a:p>
-            <a:fld id="{B491C8E4-965C-47C5-86B5-2FEC2000E3F4}" type="slidenum">
-              <a:rPr lang="ru-RU" smtClean="0"/>
-              <a:pPr/>
-              <a:t>13</a:t>
-            </a:fld>
-            <a:endParaRPr lang="ru-RU" dirty="0"/>
-          </a:p>
-        </p:txBody>
-      </p:sp>
-      <p:pic>
-        <p:nvPicPr>
-          <p:cNvPr id="6" name="Рисунок 5"/>
-          <p:cNvPicPr>
-            <a:picLocks noChangeAspect="1"/>
-          </p:cNvPicPr>
-          <p:nvPr/>
-        </p:nvPicPr>
-        <p:blipFill>
-          <a:blip r:embed="rId2"/>
-          <a:stretch>
-            <a:fillRect/>
-          </a:stretch>
-        </p:blipFill>
-        <p:spPr>
-          <a:xfrm>
-            <a:off x="0" y="1371600"/>
-            <a:ext cx="9060942" cy="3241167"/>
-          </a:xfrm>
-          <a:prstGeom prst="rect">
-            <a:avLst/>
-          </a:prstGeom>
-        </p:spPr>
-      </p:pic>
-      <p:sp>
-        <p:nvSpPr>
-          <p:cNvPr id="7" name="TextBox 6"/>
-          <p:cNvSpPr txBox="1"/>
-          <p:nvPr/>
-        </p:nvSpPr>
-        <p:spPr>
-          <a:xfrm>
-            <a:off x="152400" y="4876800"/>
-            <a:ext cx="8908542" cy="1754326"/>
-          </a:xfrm>
-          <a:prstGeom prst="rect">
-            <a:avLst/>
-          </a:prstGeom>
-          <a:noFill/>
-        </p:spPr>
-        <p:txBody>
-          <a:bodyPr wrap="square" rtlCol="0">
-            <a:spAutoFit/>
-          </a:bodyPr>
-          <a:lstStyle/>
-          <a:p>
-            <a:pPr marL="285750" indent="-285750">
-              <a:buFont typeface="Arial" panose="020B0604020202020204" pitchFamily="34" charset="0"/>
-              <a:buChar char="•"/>
-            </a:pPr>
-            <a:r>
-              <a:rPr lang="en-US" dirty="0"/>
-              <a:t>For </a:t>
-            </a:r>
-            <a:r>
-              <a:rPr lang="en-US" b="1" dirty="0">
-                <a:solidFill>
-                  <a:srgbClr val="FF0000"/>
-                </a:solidFill>
-              </a:rPr>
-              <a:t>high-bias </a:t>
-            </a:r>
-            <a:r>
-              <a:rPr lang="en-US" dirty="0"/>
-              <a:t>models, the </a:t>
-            </a:r>
-            <a:r>
-              <a:rPr lang="en-US" b="1" dirty="0">
-                <a:solidFill>
-                  <a:srgbClr val="FF0000"/>
-                </a:solidFill>
-              </a:rPr>
-              <a:t>performance</a:t>
-            </a:r>
-            <a:r>
-              <a:rPr lang="en-US" dirty="0"/>
-              <a:t> of the model on the </a:t>
-            </a:r>
-            <a:r>
-              <a:rPr lang="en-US" b="1" dirty="0">
-                <a:solidFill>
-                  <a:srgbClr val="FF0000"/>
-                </a:solidFill>
-              </a:rPr>
-              <a:t>validation </a:t>
-            </a:r>
-            <a:r>
-              <a:rPr lang="en-US" dirty="0"/>
-              <a:t>set is </a:t>
-            </a:r>
-            <a:r>
-              <a:rPr lang="en-US" b="1" dirty="0">
-                <a:solidFill>
-                  <a:srgbClr val="FF0000"/>
-                </a:solidFill>
-              </a:rPr>
-              <a:t>similar </a:t>
-            </a:r>
-            <a:r>
-              <a:rPr lang="en-US" dirty="0"/>
-              <a:t>to the performance on the </a:t>
-            </a:r>
-            <a:r>
-              <a:rPr lang="en-US" b="1" dirty="0">
-                <a:solidFill>
-                  <a:srgbClr val="FF0000"/>
-                </a:solidFill>
-              </a:rPr>
-              <a:t>training set</a:t>
-            </a:r>
-            <a:r>
-              <a:rPr lang="en-US" dirty="0" smtClean="0"/>
-              <a:t>.</a:t>
-            </a:r>
-          </a:p>
-          <a:p>
-            <a:pPr marL="285750" indent="-285750">
-              <a:buFont typeface="Arial" panose="020B0604020202020204" pitchFamily="34" charset="0"/>
-              <a:buChar char="•"/>
-            </a:pPr>
-            <a:endParaRPr lang="en-US" dirty="0"/>
-          </a:p>
-          <a:p>
-            <a:pPr marL="285750" indent="-285750">
-              <a:buFont typeface="Arial" panose="020B0604020202020204" pitchFamily="34" charset="0"/>
-              <a:buChar char="•"/>
-            </a:pPr>
-            <a:r>
-              <a:rPr lang="en-US" dirty="0"/>
-              <a:t>For </a:t>
-            </a:r>
-            <a:r>
-              <a:rPr lang="en-US" b="1" dirty="0">
-                <a:solidFill>
-                  <a:srgbClr val="FF0000"/>
-                </a:solidFill>
-              </a:rPr>
-              <a:t>high-variance</a:t>
-            </a:r>
-            <a:r>
-              <a:rPr lang="en-US" dirty="0"/>
-              <a:t> models, the </a:t>
-            </a:r>
-            <a:r>
-              <a:rPr lang="en-US" b="1" dirty="0">
-                <a:solidFill>
-                  <a:srgbClr val="FF0000"/>
-                </a:solidFill>
-              </a:rPr>
-              <a:t>performance</a:t>
-            </a:r>
-            <a:r>
-              <a:rPr lang="en-US" dirty="0"/>
-              <a:t> of the model on the </a:t>
-            </a:r>
-            <a:r>
-              <a:rPr lang="en-US" b="1" dirty="0">
-                <a:solidFill>
-                  <a:srgbClr val="FF0000"/>
-                </a:solidFill>
-              </a:rPr>
-              <a:t>validation</a:t>
-            </a:r>
-            <a:r>
-              <a:rPr lang="en-US" dirty="0"/>
-              <a:t> set is </a:t>
-            </a:r>
-            <a:r>
-              <a:rPr lang="en-US" b="1" dirty="0">
-                <a:solidFill>
-                  <a:srgbClr val="FF0000"/>
-                </a:solidFill>
-              </a:rPr>
-              <a:t>far worse </a:t>
-            </a:r>
-            <a:r>
-              <a:rPr lang="en-US" dirty="0"/>
-              <a:t>than the performance on the </a:t>
-            </a:r>
-            <a:r>
-              <a:rPr lang="en-US" b="1" dirty="0">
-                <a:solidFill>
-                  <a:srgbClr val="FF0000"/>
-                </a:solidFill>
-              </a:rPr>
-              <a:t>training</a:t>
-            </a:r>
-            <a:r>
-              <a:rPr lang="en-US" dirty="0"/>
-              <a:t> set.</a:t>
-            </a:r>
-          </a:p>
-          <a:p>
-            <a:endParaRPr lang="ru-RU" dirty="0"/>
-          </a:p>
-        </p:txBody>
-      </p:sp>
-      <p:sp>
-        <p:nvSpPr>
-          <p:cNvPr id="8" name="Прямоугольник 7"/>
-          <p:cNvSpPr/>
-          <p:nvPr/>
-        </p:nvSpPr>
-        <p:spPr>
-          <a:xfrm>
-            <a:off x="685800" y="6608433"/>
-            <a:ext cx="1726563" cy="276999"/>
-          </a:xfrm>
-          <a:prstGeom prst="rect">
-            <a:avLst/>
-          </a:prstGeom>
-        </p:spPr>
-        <p:txBody>
-          <a:bodyPr wrap="none">
-            <a:spAutoFit/>
-          </a:bodyPr>
-          <a:lstStyle/>
-          <a:p>
-            <a:r>
-              <a:rPr lang="en-US" sz="1200" b="1" dirty="0">
-                <a:solidFill>
-                  <a:schemeClr val="bg1"/>
-                </a:solidFill>
-              </a:rPr>
-              <a:t>ML-course.   </a:t>
-            </a:r>
-            <a:r>
-              <a:rPr lang="en-US" sz="1200" b="1" dirty="0" smtClean="0">
-                <a:solidFill>
-                  <a:schemeClr val="bg1"/>
-                </a:solidFill>
-              </a:rPr>
-              <a:t>Regression</a:t>
-            </a:r>
-            <a:endParaRPr lang="ru-RU" sz="1200" dirty="0">
-              <a:solidFill>
-                <a:schemeClr val="bg1"/>
-              </a:solidFill>
-            </a:endParaRPr>
-          </a:p>
-        </p:txBody>
-      </p:sp>
-    </p:spTree>
-    <p:extLst>
-      <p:ext uri="{BB962C8B-B14F-4D97-AF65-F5344CB8AC3E}">
-        <p14:creationId xmlns:p14="http://schemas.microsoft.com/office/powerpoint/2010/main" val="564405760"/>
-      </p:ext>
-    </p:extLst>
-  </p:cSld>
-  <p:clrMapOvr>
-    <a:masterClrMapping/>
-  </p:clrMapOvr>
-</p:sld>
-</file>
-
-<file path=ppt/slides/slide14.xml><?xml version="1.0" encoding="utf-8"?>
-<p:sld xmlns:a="http://schemas.openxmlformats.org/drawingml/2006/main" xmlns:r="http://schemas.openxmlformats.org/officeDocument/2006/relationships" xmlns:p="http://schemas.openxmlformats.org/presentationml/2006/main">
-  <p:cSld>
-    <p:spTree>
-      <p:nvGrpSpPr>
-        <p:cNvPr id="1" name=""/>
-        <p:cNvGrpSpPr/>
-        <p:nvPr/>
-      </p:nvGrpSpPr>
-      <p:grpSpPr>
-        <a:xfrm>
-          <a:off x="0" y="0"/>
-          <a:ext cx="0" cy="0"/>
-          <a:chOff x="0" y="0"/>
-          <a:chExt cx="0" cy="0"/>
-        </a:xfrm>
-      </p:grpSpPr>
-      <p:sp>
-        <p:nvSpPr>
-          <p:cNvPr id="2" name="Заголовок 1"/>
-          <p:cNvSpPr>
-            <a:spLocks noGrp="1"/>
-          </p:cNvSpPr>
-          <p:nvPr>
-            <p:ph type="title"/>
-          </p:nvPr>
-        </p:nvSpPr>
-        <p:spPr/>
-        <p:txBody>
-          <a:bodyPr/>
-          <a:lstStyle/>
-          <a:p>
-            <a:r>
-              <a:rPr lang="en-US" b="1" dirty="0"/>
-              <a:t>Bias-Variance Trade-Off</a:t>
-            </a:r>
-            <a:endParaRPr lang="ru-RU" dirty="0"/>
-          </a:p>
-        </p:txBody>
-      </p:sp>
-      <p:sp>
-        <p:nvSpPr>
-          <p:cNvPr id="3" name="Объект 2"/>
-          <p:cNvSpPr>
-            <a:spLocks noGrp="1"/>
-          </p:cNvSpPr>
-          <p:nvPr>
-            <p:ph idx="1"/>
-          </p:nvPr>
-        </p:nvSpPr>
-        <p:spPr/>
-        <p:txBody>
-          <a:bodyPr>
-            <a:normAutofit/>
-          </a:bodyPr>
-          <a:lstStyle/>
-          <a:p>
-            <a:pPr marL="0" indent="0" algn="ctr">
-              <a:buNone/>
-            </a:pPr>
-            <a:r>
-              <a:rPr lang="en-US" b="1" dirty="0" smtClean="0"/>
-              <a:t>What to do in case of high-bias or high variance?</a:t>
-            </a:r>
-          </a:p>
-          <a:p>
-            <a:pPr marL="0" indent="0">
-              <a:buNone/>
-            </a:pPr>
-            <a:r>
-              <a:rPr lang="en-US" dirty="0" smtClean="0"/>
-              <a:t>Change</a:t>
-            </a:r>
-          </a:p>
-          <a:p>
-            <a:r>
-              <a:rPr lang="en-US" dirty="0" smtClean="0"/>
-              <a:t>Model complexity (e.g. via regularization)</a:t>
-            </a:r>
-          </a:p>
-          <a:p>
-            <a:r>
-              <a:rPr lang="en-US" dirty="0" smtClean="0"/>
-              <a:t>Quantity of training samples</a:t>
-            </a:r>
-          </a:p>
-          <a:p>
-            <a:r>
-              <a:rPr lang="en-US" dirty="0" smtClean="0"/>
-              <a:t>Set of features</a:t>
-            </a:r>
-          </a:p>
-          <a:p>
-            <a:endParaRPr lang="en-US" dirty="0"/>
-          </a:p>
-          <a:p>
-            <a:pPr marL="0" indent="0">
-              <a:buNone/>
-            </a:pPr>
-            <a:r>
-              <a:rPr lang="en-US" sz="2000" b="1" dirty="0" smtClean="0"/>
-              <a:t>Reading</a:t>
-            </a:r>
-          </a:p>
-          <a:p>
-            <a:pPr marL="0" indent="0">
-              <a:buNone/>
-            </a:pPr>
-            <a:r>
-              <a:rPr lang="en-US" sz="1800" i="1" dirty="0"/>
-              <a:t>Jake </a:t>
-            </a:r>
-            <a:r>
-              <a:rPr lang="en-US" sz="1800" i="1" dirty="0" err="1"/>
-              <a:t>VanderPlas</a:t>
-            </a:r>
-            <a:r>
-              <a:rPr lang="en-US" sz="1800" i="1" dirty="0"/>
-              <a:t> </a:t>
-            </a:r>
-            <a:r>
-              <a:rPr lang="en-US" sz="1800" b="1" i="1" dirty="0"/>
-              <a:t>Python Data Science Handbook </a:t>
-            </a:r>
-            <a:r>
-              <a:rPr lang="en-US" sz="1800" i="1" dirty="0" smtClean="0"/>
-              <a:t>(05.03-Hyperparameters-and-Model-Validation)</a:t>
-            </a:r>
-          </a:p>
-          <a:p>
-            <a:pPr marL="0" indent="0">
-              <a:buNone/>
-            </a:pPr>
-            <a:r>
-              <a:rPr lang="en-US" sz="1800" i="1" dirty="0" smtClean="0"/>
-              <a:t>Andrew Ng </a:t>
-            </a:r>
-            <a:r>
-              <a:rPr lang="en-US" sz="1800" b="1" i="1" dirty="0" smtClean="0"/>
-              <a:t>ML: Advice for Applying Machine Learning</a:t>
-            </a:r>
-            <a:endParaRPr lang="ru-RU" sz="1800" b="1" i="1" dirty="0"/>
-          </a:p>
-        </p:txBody>
-      </p:sp>
-      <p:sp>
-        <p:nvSpPr>
-          <p:cNvPr id="4" name="Номер слайда 3"/>
-          <p:cNvSpPr>
-            <a:spLocks noGrp="1"/>
-          </p:cNvSpPr>
-          <p:nvPr>
-            <p:ph type="sldNum" sz="quarter" idx="12"/>
-          </p:nvPr>
-        </p:nvSpPr>
-        <p:spPr/>
-        <p:txBody>
-          <a:bodyPr/>
-          <a:lstStyle/>
-          <a:p>
-            <a:fld id="{B491C8E4-965C-47C5-86B5-2FEC2000E3F4}" type="slidenum">
-              <a:rPr lang="ru-RU" smtClean="0"/>
-              <a:pPr/>
-              <a:t>14</a:t>
-            </a:fld>
-            <a:endParaRPr lang="ru-RU" dirty="0"/>
-          </a:p>
-        </p:txBody>
-      </p:sp>
-      <p:sp>
-        <p:nvSpPr>
-          <p:cNvPr id="6" name="Прямоугольник 5"/>
-          <p:cNvSpPr/>
-          <p:nvPr/>
-        </p:nvSpPr>
-        <p:spPr>
-          <a:xfrm>
-            <a:off x="685800" y="6608433"/>
-            <a:ext cx="1726563" cy="276999"/>
-          </a:xfrm>
-          <a:prstGeom prst="rect">
-            <a:avLst/>
-          </a:prstGeom>
-        </p:spPr>
-        <p:txBody>
-          <a:bodyPr wrap="none">
-            <a:spAutoFit/>
-          </a:bodyPr>
-          <a:lstStyle/>
-          <a:p>
-            <a:r>
-              <a:rPr lang="en-US" sz="1200" b="1" dirty="0">
-                <a:solidFill>
-                  <a:schemeClr val="bg1"/>
-                </a:solidFill>
-              </a:rPr>
-              <a:t>ML-course.   </a:t>
-            </a:r>
-            <a:r>
-              <a:rPr lang="en-US" sz="1200" b="1" dirty="0" smtClean="0">
-                <a:solidFill>
-                  <a:schemeClr val="bg1"/>
-                </a:solidFill>
-              </a:rPr>
-              <a:t>Regression</a:t>
-            </a:r>
-            <a:endParaRPr lang="ru-RU" sz="1200" dirty="0">
-              <a:solidFill>
-                <a:schemeClr val="bg1"/>
-              </a:solidFill>
-            </a:endParaRPr>
-          </a:p>
-        </p:txBody>
-      </p:sp>
-    </p:spTree>
-    <p:extLst>
-      <p:ext uri="{BB962C8B-B14F-4D97-AF65-F5344CB8AC3E}">
-        <p14:creationId xmlns:p14="http://schemas.microsoft.com/office/powerpoint/2010/main" val="3215997257"/>
-      </p:ext>
-    </p:extLst>
-  </p:cSld>
-  <p:clrMapOvr>
-    <a:masterClrMapping/>
-  </p:clrMapOvr>
-</p:sld>
-</file>
-
-<file path=ppt/slides/slide15.xml><?xml version="1.0" encoding="utf-8"?>
-<p:sld xmlns:a="http://schemas.openxmlformats.org/drawingml/2006/main" xmlns:r="http://schemas.openxmlformats.org/officeDocument/2006/relationships" xmlns:p="http://schemas.openxmlformats.org/presentationml/2006/main">
-  <p:cSld>
-    <p:spTree>
-      <p:nvGrpSpPr>
-        <p:cNvPr id="1" name=""/>
-        <p:cNvGrpSpPr/>
-        <p:nvPr/>
-      </p:nvGrpSpPr>
-      <p:grpSpPr>
-        <a:xfrm>
-          <a:off x="0" y="0"/>
-          <a:ext cx="0" cy="0"/>
-          <a:chOff x="0" y="0"/>
-          <a:chExt cx="0" cy="0"/>
-        </a:xfrm>
-      </p:grpSpPr>
-      <p:sp>
-        <p:nvSpPr>
           <p:cNvPr id="8" name="Rectangle 2"/>
           <p:cNvSpPr txBox="1">
             <a:spLocks noGrp="1" noChangeArrowheads="1"/>
@@ -6729,7 +6216,7 @@
           <a:p>
             <a:r>
               <a:rPr lang="en-US" dirty="0" smtClean="0"/>
-              <a:t>22</a:t>
+              <a:t>13</a:t>
             </a:r>
             <a:endParaRPr lang="ru-RU" dirty="0"/>
           </a:p>
@@ -7063,7 +6550,7 @@
 </p:sld>
 </file>
 
-<file path=ppt/slides/slide16.xml><?xml version="1.0" encoding="utf-8"?>
+<file path=ppt/slides/slide14.xml><?xml version="1.0" encoding="utf-8"?>
 <p:sld xmlns:a="http://schemas.openxmlformats.org/drawingml/2006/main" xmlns:r="http://schemas.openxmlformats.org/officeDocument/2006/relationships" xmlns:p="http://schemas.openxmlformats.org/presentationml/2006/main">
   <p:cSld>
     <p:spTree>
@@ -7155,7 +6642,7 @@
           <a:p>
             <a:r>
               <a:rPr lang="en-US" dirty="0" smtClean="0"/>
-              <a:t>23</a:t>
+              <a:t>14</a:t>
             </a:r>
             <a:endParaRPr lang="ru-RU" dirty="0"/>
           </a:p>
@@ -7205,7 +6692,7 @@
             <p:spPr>
               <a:xfrm>
                 <a:off x="4343400" y="1371600"/>
-                <a:ext cx="4648200" cy="2215991"/>
+                <a:ext cx="4648200" cy="2554545"/>
               </a:xfrm>
               <a:prstGeom prst="rect">
                 <a:avLst/>
@@ -7219,7 +6706,7 @@
               <a:lstStyle/>
               <a:p>
                 <a:r>
-                  <a:rPr lang="en-US" sz="2000" i="1" dirty="0">
+                  <a:rPr lang="en-US" sz="2000" i="1" dirty="0" smtClean="0">
                     <a:latin typeface="Trebuchet MS" panose="020B0603020202020204" pitchFamily="34" charset="0"/>
                   </a:rPr>
                   <a:t>(</a:t>
@@ -7610,12 +7097,109 @@
                     </m:r>
                   </m:oMath>
                 </a14:m>
-                <a:endParaRPr lang="ru-RU" sz="2000" dirty="0"/>
+                <a:endParaRPr lang="en-US" sz="2000" i="1" dirty="0" smtClean="0"/>
               </a:p>
               <a:p>
+                <a:endParaRPr lang="en-US" sz="2000" dirty="0" smtClean="0"/>
+              </a:p>
+              <a:p>
+                <a14:m>
+                  <m:oMath xmlns:m="http://schemas.openxmlformats.org/officeDocument/2006/math">
+                    <m:sSub>
+                      <m:sSubPr>
+                        <m:ctrlPr>
+                          <a:rPr lang="ru-RU" sz="2000" i="1">
+                            <a:latin typeface="Cambria Math" panose="02040503050406030204" pitchFamily="18" charset="0"/>
+                          </a:rPr>
+                        </m:ctrlPr>
+                      </m:sSubPr>
+                      <m:e>
+                        <m:r>
+                          <a:rPr lang="en-US" sz="2000" i="1">
+                            <a:latin typeface="Cambria Math" panose="02040503050406030204" pitchFamily="18" charset="0"/>
+                          </a:rPr>
+                          <m:t>𝜃</m:t>
+                        </m:r>
+                      </m:e>
+                      <m:sub>
+                        <m:r>
+                          <a:rPr lang="en-US" sz="2000" i="1">
+                            <a:latin typeface="Cambria Math" panose="02040503050406030204" pitchFamily="18" charset="0"/>
+                          </a:rPr>
+                          <m:t>0</m:t>
+                        </m:r>
+                      </m:sub>
+                    </m:sSub>
+                  </m:oMath>
+                </a14:m>
                 <a:r>
-                  <a:rPr lang="en-US" i="1" dirty="0"/>
-                  <a:t> </a:t>
+                  <a:rPr lang="en-US" sz="2000" dirty="0" smtClean="0"/>
+                  <a:t> </a:t>
+                </a:r>
+                <a:r>
+                  <a:rPr lang="en-US" sz="2000" i="1" dirty="0">
+                    <a:latin typeface="Trebuchet MS" panose="020B0603020202020204" pitchFamily="34" charset="0"/>
+                  </a:rPr>
+                  <a:t>-</a:t>
+                </a:r>
+                <a:r>
+                  <a:rPr lang="en-US" sz="2000" i="1" dirty="0" smtClean="0"/>
+                  <a:t> </a:t>
+                </a:r>
+                <a:r>
+                  <a:rPr lang="en-US" sz="2000" i="1" dirty="0" smtClean="0">
+                    <a:latin typeface="Trebuchet MS" panose="020B0603020202020204" pitchFamily="34" charset="0"/>
+                  </a:rPr>
+                  <a:t>intercept,</a:t>
+                </a:r>
+                <a:r>
+                  <a:rPr lang="en-US" sz="2000" i="1" dirty="0" smtClean="0"/>
+                  <a:t> 	</a:t>
+                </a:r>
+                <a14:m>
+                  <m:oMath xmlns:m="http://schemas.openxmlformats.org/officeDocument/2006/math">
+                    <m:sSub>
+                      <m:sSubPr>
+                        <m:ctrlPr>
+                          <a:rPr lang="ru-RU" sz="2000" i="1">
+                            <a:latin typeface="Cambria Math" panose="02040503050406030204" pitchFamily="18" charset="0"/>
+                          </a:rPr>
+                        </m:ctrlPr>
+                      </m:sSubPr>
+                      <m:e>
+                        <m:r>
+                          <a:rPr lang="en-US" sz="2000" i="1">
+                            <a:latin typeface="Cambria Math" panose="02040503050406030204" pitchFamily="18" charset="0"/>
+                          </a:rPr>
+                          <m:t>𝜃</m:t>
+                        </m:r>
+                      </m:e>
+                      <m:sub>
+                        <m:r>
+                          <a:rPr lang="en-US" sz="2000" i="1">
+                            <a:latin typeface="Cambria Math" panose="02040503050406030204" pitchFamily="18" charset="0"/>
+                          </a:rPr>
+                          <m:t>1</m:t>
+                        </m:r>
+                      </m:sub>
+                    </m:sSub>
+                  </m:oMath>
+                </a14:m>
+                <a:r>
+                  <a:rPr lang="en-US" sz="2000" dirty="0" smtClean="0"/>
+                  <a:t> </a:t>
+                </a:r>
+                <a:r>
+                  <a:rPr lang="en-US" sz="2000" i="1" dirty="0">
+                    <a:latin typeface="Trebuchet MS" panose="020B0603020202020204" pitchFamily="34" charset="0"/>
+                  </a:rPr>
+                  <a:t>- </a:t>
+                </a:r>
+                <a:r>
+                  <a:rPr lang="en-US" i="1" dirty="0" smtClean="0">
+                    <a:latin typeface="Trebuchet MS" panose="020B0603020202020204" pitchFamily="34" charset="0"/>
+                  </a:rPr>
+                  <a:t>slope</a:t>
                 </a:r>
                 <a:endParaRPr lang="ru-RU" dirty="0"/>
               </a:p>
@@ -7634,7 +7218,7 @@
             <p:spPr>
               <a:xfrm>
                 <a:off x="4343400" y="1371600"/>
-                <a:ext cx="4648200" cy="2215991"/>
+                <a:ext cx="4648200" cy="2554545"/>
               </a:xfrm>
               <a:prstGeom prst="rect">
                 <a:avLst/>
@@ -7642,7 +7226,7 @@
               <a:blipFill rotWithShape="0">
                 <a:blip r:embed="rId3"/>
                 <a:stretch>
-                  <a:fillRect l="-1444" t="-1648" r="-1181"/>
+                  <a:fillRect l="-1444" t="-1432" r="-1181" b="-2864"/>
                 </a:stretch>
               </a:blipFill>
             </p:spPr>
@@ -8469,7 +8053,7 @@
 </p:sld>
 </file>
 
-<file path=ppt/slides/slide17.xml><?xml version="1.0" encoding="utf-8"?>
+<file path=ppt/slides/slide15.xml><?xml version="1.0" encoding="utf-8"?>
 <p:sld xmlns:a="http://schemas.openxmlformats.org/drawingml/2006/main" xmlns:r="http://schemas.openxmlformats.org/officeDocument/2006/relationships" xmlns:p="http://schemas.openxmlformats.org/presentationml/2006/main">
   <p:cSld>
     <p:spTree>
@@ -8769,14 +8353,14 @@
           <a:p>
             <a:r>
               <a:rPr lang="en-US" dirty="0" smtClean="0"/>
-              <a:t>24</a:t>
+              <a:t>15</a:t>
             </a:r>
             <a:endParaRPr lang="ru-RU" dirty="0"/>
           </a:p>
         </p:txBody>
       </p:sp>
-      <mc:AlternateContent xmlns:mc="http://schemas.openxmlformats.org/markup-compatibility/2006">
-        <mc:Choice xmlns:a14="http://schemas.microsoft.com/office/drawing/2010/main" Requires="a14">
+      <mc:AlternateContent xmlns:mc="http://schemas.openxmlformats.org/markup-compatibility/2006" xmlns:a14="http://schemas.microsoft.com/office/drawing/2010/main">
+        <mc:Choice Requires="a14">
           <p:sp>
             <p:nvSpPr>
               <p:cNvPr id="3" name="TextBox 2"/>
@@ -9777,7 +9361,7 @@
             </p:txBody>
           </p:sp>
         </mc:Choice>
-        <mc:Fallback>
+        <mc:Fallback xmlns="">
           <p:sp>
             <p:nvSpPr>
               <p:cNvPr id="3" name="TextBox 2"/>
@@ -10169,7 +9753,7 @@
 </p:sld>
 </file>
 
-<file path=ppt/slides/slide18.xml><?xml version="1.0" encoding="utf-8"?>
+<file path=ppt/slides/slide16.xml><?xml version="1.0" encoding="utf-8"?>
 <p:sld xmlns:a="http://schemas.openxmlformats.org/drawingml/2006/main" xmlns:r="http://schemas.openxmlformats.org/officeDocument/2006/relationships" xmlns:p="http://schemas.openxmlformats.org/presentationml/2006/main">
   <p:cSld>
     <p:spTree>
@@ -10369,7 +9953,7 @@
 </p:sld>
 </file>
 
-<file path=ppt/slides/slide19.xml><?xml version="1.0" encoding="utf-8"?>
+<file path=ppt/slides/slide17.xml><?xml version="1.0" encoding="utf-8"?>
 <p:sld xmlns:a="http://schemas.openxmlformats.org/drawingml/2006/main" xmlns:r="http://schemas.openxmlformats.org/officeDocument/2006/relationships" xmlns:p="http://schemas.openxmlformats.org/presentationml/2006/main">
   <p:cSld>
     <p:spTree>
@@ -10462,7 +10046,7 @@
                 </a:solidFill>
                 <a:latin typeface="Trebuchet MS" panose="020B0603020202020204" pitchFamily="34" charset="0"/>
               </a:rPr>
-              <a:t>26</a:t>
+              <a:t>17</a:t>
             </a:r>
             <a:endParaRPr lang="ru-RU" b="1" dirty="0">
               <a:solidFill>
@@ -10571,218 +10155,7 @@
 </p:sld>
 </file>
 
-<file path=ppt/slides/slide2.xml><?xml version="1.0" encoding="utf-8"?>
-<p:sld xmlns:a="http://schemas.openxmlformats.org/drawingml/2006/main" xmlns:r="http://schemas.openxmlformats.org/officeDocument/2006/relationships" xmlns:p="http://schemas.openxmlformats.org/presentationml/2006/main">
-  <p:cSld>
-    <p:spTree>
-      <p:nvGrpSpPr>
-        <p:cNvPr id="1" name=""/>
-        <p:cNvGrpSpPr/>
-        <p:nvPr/>
-      </p:nvGrpSpPr>
-      <p:grpSpPr>
-        <a:xfrm>
-          <a:off x="0" y="0"/>
-          <a:ext cx="0" cy="0"/>
-          <a:chOff x="0" y="0"/>
-          <a:chExt cx="0" cy="0"/>
-        </a:xfrm>
-      </p:grpSpPr>
-      <p:sp>
-        <p:nvSpPr>
-          <p:cNvPr id="2" name="Заголовок 1"/>
-          <p:cNvSpPr>
-            <a:spLocks noGrp="1"/>
-          </p:cNvSpPr>
-          <p:nvPr>
-            <p:ph type="title"/>
-          </p:nvPr>
-        </p:nvSpPr>
-        <p:spPr/>
-        <p:txBody>
-          <a:bodyPr/>
-          <a:lstStyle/>
-          <a:p>
-            <a:r>
-              <a:rPr lang="en-US" dirty="0" smtClean="0"/>
-              <a:t>Reference</a:t>
-            </a:r>
-            <a:endParaRPr lang="ru-RU" dirty="0"/>
-          </a:p>
-        </p:txBody>
-      </p:sp>
-      <p:sp>
-        <p:nvSpPr>
-          <p:cNvPr id="3" name="Объект 2"/>
-          <p:cNvSpPr>
-            <a:spLocks noGrp="1"/>
-          </p:cNvSpPr>
-          <p:nvPr>
-            <p:ph idx="1"/>
-          </p:nvPr>
-        </p:nvSpPr>
-        <p:spPr>
-          <a:xfrm>
-            <a:off x="228600" y="1219200"/>
-            <a:ext cx="8686800" cy="2590800"/>
-          </a:xfrm>
-        </p:spPr>
-        <p:txBody>
-          <a:bodyPr/>
-          <a:lstStyle/>
-          <a:p>
-            <a:pPr marL="0" indent="0">
-              <a:buNone/>
-            </a:pPr>
-            <a:r>
-              <a:rPr lang="en-US" i="1" dirty="0"/>
-              <a:t>An Introduction to Statistical Learning</a:t>
-            </a:r>
-            <a:r>
-              <a:rPr lang="en-US" dirty="0"/>
-              <a:t> by Gareth James, Daniela Witten, Trevor Hastie, and Robert </a:t>
-            </a:r>
-            <a:r>
-              <a:rPr lang="en-US" dirty="0" err="1"/>
-              <a:t>Tibshirani</a:t>
-            </a:r>
-            <a:r>
-              <a:rPr lang="en-US" dirty="0"/>
-              <a:t>, </a:t>
-            </a:r>
-            <a:r>
-              <a:rPr lang="en-US" dirty="0">
-                <a:hlinkClick r:id="rId2"/>
-              </a:rPr>
-              <a:t>http://www-bcf.usc.edu/~gareth/ISL/</a:t>
-            </a:r>
-            <a:r>
-              <a:rPr lang="en-US" dirty="0"/>
-              <a:t> </a:t>
-            </a:r>
-            <a:br>
-              <a:rPr lang="en-US" dirty="0"/>
-            </a:br>
-            <a:r>
-              <a:rPr lang="en-US" dirty="0"/>
-              <a:t>(available online for free)</a:t>
-            </a:r>
-            <a:endParaRPr lang="ru-RU" dirty="0"/>
-          </a:p>
-          <a:p>
-            <a:pPr marL="0" indent="0">
-              <a:buNone/>
-            </a:pPr>
-            <a:endParaRPr lang="ru-RU" dirty="0"/>
-          </a:p>
-        </p:txBody>
-      </p:sp>
-      <p:sp>
-        <p:nvSpPr>
-          <p:cNvPr id="4" name="Номер слайда 3"/>
-          <p:cNvSpPr>
-            <a:spLocks noGrp="1"/>
-          </p:cNvSpPr>
-          <p:nvPr>
-            <p:ph type="sldNum" sz="quarter" idx="12"/>
-          </p:nvPr>
-        </p:nvSpPr>
-        <p:spPr/>
-        <p:txBody>
-          <a:bodyPr/>
-          <a:lstStyle/>
-          <a:p>
-            <a:fld id="{B491C8E4-965C-47C5-86B5-2FEC2000E3F4}" type="slidenum">
-              <a:rPr lang="ru-RU" smtClean="0"/>
-              <a:pPr/>
-              <a:t>2</a:t>
-            </a:fld>
-            <a:endParaRPr lang="ru-RU" dirty="0"/>
-          </a:p>
-        </p:txBody>
-      </p:sp>
-      <p:sp>
-        <p:nvSpPr>
-          <p:cNvPr id="5" name="Нижний колонтитул 4"/>
-          <p:cNvSpPr>
-            <a:spLocks noGrp="1"/>
-          </p:cNvSpPr>
-          <p:nvPr>
-            <p:ph type="ftr" sz="quarter" idx="11"/>
-          </p:nvPr>
-        </p:nvSpPr>
-        <p:spPr/>
-        <p:txBody>
-          <a:bodyPr/>
-          <a:lstStyle/>
-          <a:p>
-            <a:r>
-              <a:rPr lang="en-US" b="1" dirty="0"/>
-              <a:t>ML-course.   </a:t>
-            </a:r>
-            <a:r>
-              <a:rPr lang="en-US" b="1" dirty="0" smtClean="0"/>
-              <a:t>Regression</a:t>
-            </a:r>
-            <a:endParaRPr lang="ru-RU" dirty="0"/>
-          </a:p>
-        </p:txBody>
-      </p:sp>
-      <p:pic>
-        <p:nvPicPr>
-          <p:cNvPr id="1028" name="Picture 4" descr="http://www-bcf.usc.edu/~gareth/ISL/ISL%20Cover%202.jpg"/>
-          <p:cNvPicPr>
-            <a:picLocks noChangeAspect="1" noChangeArrowheads="1"/>
-          </p:cNvPicPr>
-          <p:nvPr/>
-        </p:nvPicPr>
-        <p:blipFill>
-          <a:blip r:embed="rId3" cstate="print">
-            <a:extLst>
-              <a:ext uri="{28A0092B-C50C-407E-A947-70E740481C1C}">
-                <a14:useLocalDpi xmlns:a14="http://schemas.microsoft.com/office/drawing/2010/main" val="0"/>
-              </a:ext>
-            </a:extLst>
-          </a:blip>
-          <a:srcRect/>
-          <a:stretch>
-            <a:fillRect/>
-          </a:stretch>
-        </p:blipFill>
-        <p:spPr bwMode="auto">
-          <a:xfrm>
-            <a:off x="6324600" y="3048000"/>
-            <a:ext cx="1764487" cy="2658466"/>
-          </a:xfrm>
-          <a:prstGeom prst="rect">
-            <a:avLst/>
-          </a:prstGeom>
-          <a:noFill/>
-          <a:extLst>
-            <a:ext uri="{909E8E84-426E-40DD-AFC4-6F175D3DCCD1}">
-              <a14:hiddenFill xmlns:a14="http://schemas.microsoft.com/office/drawing/2010/main">
-                <a:solidFill>
-                  <a:srgbClr val="FFFFFF"/>
-                </a:solidFill>
-              </a14:hiddenFill>
-            </a:ext>
-          </a:extLst>
-        </p:spPr>
-      </p:pic>
-    </p:spTree>
-    <p:extLst>
-      <p:ext uri="{BB962C8B-B14F-4D97-AF65-F5344CB8AC3E}">
-        <p14:creationId xmlns:p14="http://schemas.microsoft.com/office/powerpoint/2010/main" val="481121156"/>
-      </p:ext>
-    </p:extLst>
-  </p:cSld>
-  <p:clrMapOvr>
-    <a:masterClrMapping/>
-  </p:clrMapOvr>
-</p:sld>
-</file>
-
-<file path=ppt/slides/slide20.xml><?xml version="1.0" encoding="utf-8"?>
+<file path=ppt/slides/slide18.xml><?xml version="1.0" encoding="utf-8"?>
 <p:sld xmlns:a="http://schemas.openxmlformats.org/drawingml/2006/main" xmlns:r="http://schemas.openxmlformats.org/officeDocument/2006/relationships" xmlns:p="http://schemas.openxmlformats.org/presentationml/2006/main">
   <p:cSld>
     <p:spTree>
@@ -10878,7 +10251,7 @@
           <a:p>
             <a:r>
               <a:rPr lang="en-US" dirty="0" smtClean="0"/>
-              <a:t>27</a:t>
+              <a:t>18</a:t>
             </a:r>
             <a:endParaRPr lang="ru-RU" dirty="0"/>
           </a:p>
@@ -11429,7 +10802,7 @@
                                   <a:rPr lang="en-US" sz="2000" i="1">
                                     <a:latin typeface="Cambria Math" panose="02040503050406030204" pitchFamily="18" charset="0"/>
                                   </a:rPr>
-                                  <m:t>01</m:t>
+                                  <m:t>1</m:t>
                                 </m:r>
                               </m:sub>
                             </m:sSub>
@@ -12651,7 +12024,7 @@
 </p:sld>
 </file>
 
-<file path=ppt/slides/slide21.xml><?xml version="1.0" encoding="utf-8"?>
+<file path=ppt/slides/slide19.xml><?xml version="1.0" encoding="utf-8"?>
 <p:sld xmlns:a="http://schemas.openxmlformats.org/drawingml/2006/main" xmlns:r="http://schemas.openxmlformats.org/officeDocument/2006/relationships" xmlns:p="http://schemas.openxmlformats.org/presentationml/2006/main">
   <p:cSld>
     <p:spTree>
@@ -12755,7 +12128,7 @@
           <a:p>
             <a:r>
               <a:rPr lang="en-US" dirty="0" smtClean="0"/>
-              <a:t>28</a:t>
+              <a:t>19</a:t>
             </a:r>
             <a:endParaRPr lang="ru-RU" dirty="0"/>
           </a:p>
@@ -14353,7 +13726,218 @@
 </p:sld>
 </file>
 
-<file path=ppt/slides/slide22.xml><?xml version="1.0" encoding="utf-8"?>
+<file path=ppt/slides/slide2.xml><?xml version="1.0" encoding="utf-8"?>
+<p:sld xmlns:a="http://schemas.openxmlformats.org/drawingml/2006/main" xmlns:r="http://schemas.openxmlformats.org/officeDocument/2006/relationships" xmlns:p="http://schemas.openxmlformats.org/presentationml/2006/main">
+  <p:cSld>
+    <p:spTree>
+      <p:nvGrpSpPr>
+        <p:cNvPr id="1" name=""/>
+        <p:cNvGrpSpPr/>
+        <p:nvPr/>
+      </p:nvGrpSpPr>
+      <p:grpSpPr>
+        <a:xfrm>
+          <a:off x="0" y="0"/>
+          <a:ext cx="0" cy="0"/>
+          <a:chOff x="0" y="0"/>
+          <a:chExt cx="0" cy="0"/>
+        </a:xfrm>
+      </p:grpSpPr>
+      <p:sp>
+        <p:nvSpPr>
+          <p:cNvPr id="2" name="Заголовок 1"/>
+          <p:cNvSpPr>
+            <a:spLocks noGrp="1"/>
+          </p:cNvSpPr>
+          <p:nvPr>
+            <p:ph type="title"/>
+          </p:nvPr>
+        </p:nvSpPr>
+        <p:spPr/>
+        <p:txBody>
+          <a:bodyPr/>
+          <a:lstStyle/>
+          <a:p>
+            <a:r>
+              <a:rPr lang="en-US" dirty="0" smtClean="0"/>
+              <a:t>Reference</a:t>
+            </a:r>
+            <a:endParaRPr lang="ru-RU" dirty="0"/>
+          </a:p>
+        </p:txBody>
+      </p:sp>
+      <p:sp>
+        <p:nvSpPr>
+          <p:cNvPr id="3" name="Объект 2"/>
+          <p:cNvSpPr>
+            <a:spLocks noGrp="1"/>
+          </p:cNvSpPr>
+          <p:nvPr>
+            <p:ph idx="1"/>
+          </p:nvPr>
+        </p:nvSpPr>
+        <p:spPr>
+          <a:xfrm>
+            <a:off x="228600" y="1219200"/>
+            <a:ext cx="8686800" cy="2590800"/>
+          </a:xfrm>
+        </p:spPr>
+        <p:txBody>
+          <a:bodyPr/>
+          <a:lstStyle/>
+          <a:p>
+            <a:pPr marL="0" indent="0">
+              <a:buNone/>
+            </a:pPr>
+            <a:r>
+              <a:rPr lang="en-US" i="1" dirty="0"/>
+              <a:t>An Introduction to Statistical Learning</a:t>
+            </a:r>
+            <a:r>
+              <a:rPr lang="en-US" dirty="0"/>
+              <a:t> by Gareth James, Daniela Witten, Trevor Hastie, and Robert </a:t>
+            </a:r>
+            <a:r>
+              <a:rPr lang="en-US" dirty="0" err="1"/>
+              <a:t>Tibshirani</a:t>
+            </a:r>
+            <a:r>
+              <a:rPr lang="en-US" dirty="0"/>
+              <a:t>, </a:t>
+            </a:r>
+            <a:r>
+              <a:rPr lang="en-US" dirty="0">
+                <a:hlinkClick r:id="rId2"/>
+              </a:rPr>
+              <a:t>http://www-bcf.usc.edu/~gareth/ISL/</a:t>
+            </a:r>
+            <a:r>
+              <a:rPr lang="en-US" dirty="0"/>
+              <a:t> </a:t>
+            </a:r>
+            <a:br>
+              <a:rPr lang="en-US" dirty="0"/>
+            </a:br>
+            <a:r>
+              <a:rPr lang="en-US" dirty="0"/>
+              <a:t>(available online for free)</a:t>
+            </a:r>
+            <a:endParaRPr lang="ru-RU" dirty="0"/>
+          </a:p>
+          <a:p>
+            <a:pPr marL="0" indent="0">
+              <a:buNone/>
+            </a:pPr>
+            <a:endParaRPr lang="ru-RU" dirty="0"/>
+          </a:p>
+        </p:txBody>
+      </p:sp>
+      <p:sp>
+        <p:nvSpPr>
+          <p:cNvPr id="4" name="Номер слайда 3"/>
+          <p:cNvSpPr>
+            <a:spLocks noGrp="1"/>
+          </p:cNvSpPr>
+          <p:nvPr>
+            <p:ph type="sldNum" sz="quarter" idx="12"/>
+          </p:nvPr>
+        </p:nvSpPr>
+        <p:spPr/>
+        <p:txBody>
+          <a:bodyPr/>
+          <a:lstStyle/>
+          <a:p>
+            <a:fld id="{B491C8E4-965C-47C5-86B5-2FEC2000E3F4}" type="slidenum">
+              <a:rPr lang="ru-RU" smtClean="0"/>
+              <a:pPr/>
+              <a:t>2</a:t>
+            </a:fld>
+            <a:endParaRPr lang="ru-RU" dirty="0"/>
+          </a:p>
+        </p:txBody>
+      </p:sp>
+      <p:sp>
+        <p:nvSpPr>
+          <p:cNvPr id="5" name="Нижний колонтитул 4"/>
+          <p:cNvSpPr>
+            <a:spLocks noGrp="1"/>
+          </p:cNvSpPr>
+          <p:nvPr>
+            <p:ph type="ftr" sz="quarter" idx="11"/>
+          </p:nvPr>
+        </p:nvSpPr>
+        <p:spPr/>
+        <p:txBody>
+          <a:bodyPr/>
+          <a:lstStyle/>
+          <a:p>
+            <a:r>
+              <a:rPr lang="en-US" b="1" dirty="0"/>
+              <a:t>ML-course.   </a:t>
+            </a:r>
+            <a:r>
+              <a:rPr lang="en-US" b="1" dirty="0" smtClean="0"/>
+              <a:t>Regression</a:t>
+            </a:r>
+            <a:endParaRPr lang="ru-RU" dirty="0"/>
+          </a:p>
+        </p:txBody>
+      </p:sp>
+      <p:pic>
+        <p:nvPicPr>
+          <p:cNvPr id="1028" name="Picture 4" descr="http://www-bcf.usc.edu/~gareth/ISL/ISL%20Cover%202.jpg"/>
+          <p:cNvPicPr>
+            <a:picLocks noChangeAspect="1" noChangeArrowheads="1"/>
+          </p:cNvPicPr>
+          <p:nvPr/>
+        </p:nvPicPr>
+        <p:blipFill>
+          <a:blip r:embed="rId3" cstate="print">
+            <a:extLst>
+              <a:ext uri="{28A0092B-C50C-407E-A947-70E740481C1C}">
+                <a14:useLocalDpi xmlns:a14="http://schemas.microsoft.com/office/drawing/2010/main" val="0"/>
+              </a:ext>
+            </a:extLst>
+          </a:blip>
+          <a:srcRect/>
+          <a:stretch>
+            <a:fillRect/>
+          </a:stretch>
+        </p:blipFill>
+        <p:spPr bwMode="auto">
+          <a:xfrm>
+            <a:off x="6324600" y="3048000"/>
+            <a:ext cx="1764487" cy="2658466"/>
+          </a:xfrm>
+          <a:prstGeom prst="rect">
+            <a:avLst/>
+          </a:prstGeom>
+          <a:noFill/>
+          <a:extLst>
+            <a:ext uri="{909E8E84-426E-40DD-AFC4-6F175D3DCCD1}">
+              <a14:hiddenFill xmlns:a14="http://schemas.microsoft.com/office/drawing/2010/main">
+                <a:solidFill>
+                  <a:srgbClr val="FFFFFF"/>
+                </a:solidFill>
+              </a14:hiddenFill>
+            </a:ext>
+          </a:extLst>
+        </p:spPr>
+      </p:pic>
+    </p:spTree>
+    <p:extLst>
+      <p:ext uri="{BB962C8B-B14F-4D97-AF65-F5344CB8AC3E}">
+        <p14:creationId xmlns:p14="http://schemas.microsoft.com/office/powerpoint/2010/main" val="481121156"/>
+      </p:ext>
+    </p:extLst>
+  </p:cSld>
+  <p:clrMapOvr>
+    <a:masterClrMapping/>
+  </p:clrMapOvr>
+</p:sld>
+</file>
+
+<file path=ppt/slides/slide20.xml><?xml version="1.0" encoding="utf-8"?>
 <p:sld xmlns:a="http://schemas.openxmlformats.org/drawingml/2006/main" xmlns:r="http://schemas.openxmlformats.org/officeDocument/2006/relationships" xmlns:p="http://schemas.openxmlformats.org/presentationml/2006/main">
   <p:cSld>
     <p:spTree>
@@ -14442,7 +14026,7 @@
           <a:p>
             <a:r>
               <a:rPr lang="en-US" dirty="0" smtClean="0"/>
-              <a:t>29</a:t>
+              <a:t>20</a:t>
             </a:r>
             <a:endParaRPr lang="ru-RU" dirty="0"/>
           </a:p>
@@ -15657,7 +15241,7 @@
 </p:sld>
 </file>
 
-<file path=ppt/slides/slide23.xml><?xml version="1.0" encoding="utf-8"?>
+<file path=ppt/slides/slide21.xml><?xml version="1.0" encoding="utf-8"?>
 <p:sld xmlns:a="http://schemas.openxmlformats.org/drawingml/2006/main" xmlns:r="http://schemas.openxmlformats.org/officeDocument/2006/relationships" xmlns:p="http://schemas.openxmlformats.org/presentationml/2006/main">
   <p:cSld>
     <p:spTree>
@@ -15749,7 +15333,7 @@
           <a:p>
             <a:r>
               <a:rPr lang="en-US" dirty="0" smtClean="0"/>
-              <a:t>30</a:t>
+              <a:t>21</a:t>
             </a:r>
             <a:endParaRPr lang="ru-RU" dirty="0"/>
           </a:p>
@@ -15764,7 +15348,7 @@
           <p:nvPr>
             <p:extLst>
               <p:ext uri="{D42A27DB-BD31-4B8C-83A1-F6EECF244321}">
-                <p14:modId xmlns:p14="http://schemas.microsoft.com/office/powerpoint/2010/main" val="1931943566"/>
+                <p14:modId xmlns:p14="http://schemas.microsoft.com/office/powerpoint/2010/main" val="84764560"/>
               </p:ext>
             </p:extLst>
           </p:nvPr>
@@ -16156,14 +15740,7 @@
                           <a:spcPts val="0"/>
                         </a:spcAft>
                       </a:pPr>
-                      <a:r>
-                        <a:rPr lang="en-US" sz="1400">
-                          <a:effectLst/>
-                          <a:latin typeface="Trebuchet MS" panose="020B0603020202020204" pitchFamily="34" charset="0"/>
-                        </a:rPr>
-                        <a:t>0.73</a:t>
-                      </a:r>
-                      <a:endParaRPr lang="ru-RU" sz="1400">
+                      <a:endParaRPr lang="ru-RU" sz="1400" dirty="0">
                         <a:effectLst/>
                         <a:latin typeface="Trebuchet MS" panose="020B0603020202020204" pitchFamily="34" charset="0"/>
                         <a:ea typeface="Calibri" panose="020F0502020204030204" pitchFamily="34" charset="0"/>
@@ -16186,13 +15763,6 @@
                           <a:spcPts val="0"/>
                         </a:spcAft>
                       </a:pPr>
-                      <a:r>
-                        <a:rPr lang="en-US" sz="1400">
-                          <a:effectLst/>
-                          <a:latin typeface="Trebuchet MS" panose="020B0603020202020204" pitchFamily="34" charset="0"/>
-                        </a:rPr>
-                        <a:t>0.75</a:t>
-                      </a:r>
                       <a:endParaRPr lang="ru-RU" sz="1400">
                         <a:effectLst/>
                         <a:latin typeface="Trebuchet MS" panose="020B0603020202020204" pitchFamily="34" charset="0"/>
@@ -16248,14 +15818,7 @@
                           <a:spcPts val="0"/>
                         </a:spcAft>
                       </a:pPr>
-                      <a:r>
-                        <a:rPr lang="en-US" sz="1400">
-                          <a:effectLst/>
-                          <a:latin typeface="Trebuchet MS" panose="020B0603020202020204" pitchFamily="34" charset="0"/>
-                        </a:rPr>
-                        <a:t> </a:t>
-                      </a:r>
-                      <a:endParaRPr lang="ru-RU" sz="1400">
+                      <a:endParaRPr lang="ru-RU" sz="1400" dirty="0">
                         <a:effectLst/>
                         <a:latin typeface="Trebuchet MS" panose="020B0603020202020204" pitchFamily="34" charset="0"/>
                         <a:ea typeface="Calibri" panose="020F0502020204030204" pitchFamily="34" charset="0"/>
@@ -16278,14 +15841,7 @@
                           <a:spcPts val="0"/>
                         </a:spcAft>
                       </a:pPr>
-                      <a:r>
-                        <a:rPr lang="en-US" sz="1400">
-                          <a:effectLst/>
-                          <a:latin typeface="Trebuchet MS" panose="020B0603020202020204" pitchFamily="34" charset="0"/>
-                        </a:rPr>
-                        <a:t> </a:t>
-                      </a:r>
-                      <a:endParaRPr lang="ru-RU" sz="1400">
+                      <a:endParaRPr lang="ru-RU" sz="1400" dirty="0">
                         <a:effectLst/>
                         <a:latin typeface="Trebuchet MS" panose="020B0603020202020204" pitchFamily="34" charset="0"/>
                         <a:ea typeface="Calibri" panose="020F0502020204030204" pitchFamily="34" charset="0"/>
@@ -16340,13 +15896,6 @@
                           <a:spcPts val="0"/>
                         </a:spcAft>
                       </a:pPr>
-                      <a:r>
-                        <a:rPr lang="en-US" sz="1400">
-                          <a:effectLst/>
-                          <a:latin typeface="Trebuchet MS" panose="020B0603020202020204" pitchFamily="34" charset="0"/>
-                        </a:rPr>
-                        <a:t> </a:t>
-                      </a:r>
                       <a:endParaRPr lang="ru-RU" sz="1400">
                         <a:effectLst/>
                         <a:latin typeface="Trebuchet MS" panose="020B0603020202020204" pitchFamily="34" charset="0"/>
@@ -16370,14 +15919,7 @@
                           <a:spcPts val="0"/>
                         </a:spcAft>
                       </a:pPr>
-                      <a:r>
-                        <a:rPr lang="en-US" sz="1400">
-                          <a:effectLst/>
-                          <a:latin typeface="Trebuchet MS" panose="020B0603020202020204" pitchFamily="34" charset="0"/>
-                        </a:rPr>
-                        <a:t> </a:t>
-                      </a:r>
-                      <a:endParaRPr lang="ru-RU" sz="1400">
+                      <a:endParaRPr lang="ru-RU" sz="1400" dirty="0">
                         <a:effectLst/>
                         <a:latin typeface="Trebuchet MS" panose="020B0603020202020204" pitchFamily="34" charset="0"/>
                         <a:ea typeface="Calibri" panose="020F0502020204030204" pitchFamily="34" charset="0"/>
@@ -16432,13 +15974,6 @@
                           <a:spcPts val="0"/>
                         </a:spcAft>
                       </a:pPr>
-                      <a:r>
-                        <a:rPr lang="en-US" sz="1400">
-                          <a:effectLst/>
-                          <a:latin typeface="Trebuchet MS" panose="020B0603020202020204" pitchFamily="34" charset="0"/>
-                        </a:rPr>
-                        <a:t>0.95</a:t>
-                      </a:r>
                       <a:endParaRPr lang="ru-RU" sz="1400">
                         <a:effectLst/>
                         <a:latin typeface="Trebuchet MS" panose="020B0603020202020204" pitchFamily="34" charset="0"/>
@@ -16462,14 +15997,7 @@
                           <a:spcPts val="0"/>
                         </a:spcAft>
                       </a:pPr>
-                      <a:r>
-                        <a:rPr lang="en-US" sz="1400">
-                          <a:effectLst/>
-                          <a:latin typeface="Trebuchet MS" panose="020B0603020202020204" pitchFamily="34" charset="0"/>
-                        </a:rPr>
-                        <a:t>0.81</a:t>
-                      </a:r>
-                      <a:endParaRPr lang="ru-RU" sz="1400">
+                      <a:endParaRPr lang="ru-RU" sz="1400" dirty="0">
                         <a:effectLst/>
                         <a:latin typeface="Trebuchet MS" panose="020B0603020202020204" pitchFamily="34" charset="0"/>
                         <a:ea typeface="Calibri" panose="020F0502020204030204" pitchFamily="34" charset="0"/>
@@ -16524,13 +16052,6 @@
                           <a:spcPts val="0"/>
                         </a:spcAft>
                       </a:pPr>
-                      <a:r>
-                        <a:rPr lang="en-US" sz="1400">
-                          <a:effectLst/>
-                          <a:latin typeface="Trebuchet MS" panose="020B0603020202020204" pitchFamily="34" charset="0"/>
-                        </a:rPr>
-                        <a:t>1</a:t>
-                      </a:r>
                       <a:endParaRPr lang="ru-RU" sz="1400">
                         <a:effectLst/>
                         <a:latin typeface="Trebuchet MS" panose="020B0603020202020204" pitchFamily="34" charset="0"/>
@@ -16554,14 +16075,7 @@
                           <a:spcPts val="0"/>
                         </a:spcAft>
                       </a:pPr>
-                      <a:r>
-                        <a:rPr lang="en-US" sz="1400">
-                          <a:effectLst/>
-                          <a:latin typeface="Trebuchet MS" panose="020B0603020202020204" pitchFamily="34" charset="0"/>
-                        </a:rPr>
-                        <a:t>-2395</a:t>
-                      </a:r>
-                      <a:endParaRPr lang="ru-RU" sz="1400">
+                      <a:endParaRPr lang="ru-RU" sz="1400" dirty="0">
                         <a:effectLst/>
                         <a:latin typeface="Trebuchet MS" panose="020B0603020202020204" pitchFamily="34" charset="0"/>
                         <a:ea typeface="Calibri" panose="020F0502020204030204" pitchFamily="34" charset="0"/>
@@ -16616,13 +16130,6 @@
                           <a:spcPts val="0"/>
                         </a:spcAft>
                       </a:pPr>
-                      <a:r>
-                        <a:rPr lang="en-US" sz="1400">
-                          <a:effectLst/>
-                          <a:latin typeface="Trebuchet MS" panose="020B0603020202020204" pitchFamily="34" charset="0"/>
-                        </a:rPr>
-                        <a:t> </a:t>
-                      </a:r>
                       <a:endParaRPr lang="ru-RU" sz="1400">
                         <a:effectLst/>
                         <a:latin typeface="Trebuchet MS" panose="020B0603020202020204" pitchFamily="34" charset="0"/>
@@ -16646,14 +16153,7 @@
                           <a:spcPts val="0"/>
                         </a:spcAft>
                       </a:pPr>
-                      <a:r>
-                        <a:rPr lang="en-US" sz="1400">
-                          <a:effectLst/>
-                          <a:latin typeface="Trebuchet MS" panose="020B0603020202020204" pitchFamily="34" charset="0"/>
-                        </a:rPr>
-                        <a:t> </a:t>
-                      </a:r>
-                      <a:endParaRPr lang="ru-RU" sz="1400">
+                      <a:endParaRPr lang="ru-RU" sz="1400" dirty="0">
                         <a:effectLst/>
                         <a:latin typeface="Trebuchet MS" panose="020B0603020202020204" pitchFamily="34" charset="0"/>
                         <a:ea typeface="Calibri" panose="020F0502020204030204" pitchFamily="34" charset="0"/>
@@ -16708,13 +16208,6 @@
                           <a:spcPts val="0"/>
                         </a:spcAft>
                       </a:pPr>
-                      <a:r>
-                        <a:rPr lang="en-US" sz="1400">
-                          <a:effectLst/>
-                          <a:latin typeface="Trebuchet MS" panose="020B0603020202020204" pitchFamily="34" charset="0"/>
-                        </a:rPr>
-                        <a:t> </a:t>
-                      </a:r>
                       <a:endParaRPr lang="ru-RU" sz="1400">
                         <a:effectLst/>
                         <a:latin typeface="Trebuchet MS" panose="020B0603020202020204" pitchFamily="34" charset="0"/>
@@ -16738,14 +16231,7 @@
                           <a:spcPts val="0"/>
                         </a:spcAft>
                       </a:pPr>
-                      <a:r>
-                        <a:rPr lang="en-US" sz="1400">
-                          <a:effectLst/>
-                          <a:latin typeface="Trebuchet MS" panose="020B0603020202020204" pitchFamily="34" charset="0"/>
-                        </a:rPr>
-                        <a:t> </a:t>
-                      </a:r>
-                      <a:endParaRPr lang="ru-RU" sz="1400">
+                      <a:endParaRPr lang="ru-RU" sz="1400" dirty="0">
                         <a:effectLst/>
                         <a:latin typeface="Trebuchet MS" panose="020B0603020202020204" pitchFamily="34" charset="0"/>
                         <a:ea typeface="Calibri" panose="020F0502020204030204" pitchFamily="34" charset="0"/>
@@ -16800,13 +16286,6 @@
                           <a:spcPts val="0"/>
                         </a:spcAft>
                       </a:pPr>
-                      <a:r>
-                        <a:rPr lang="en-US" sz="1400">
-                          <a:effectLst/>
-                          <a:latin typeface="Trebuchet MS" panose="020B0603020202020204" pitchFamily="34" charset="0"/>
-                        </a:rPr>
-                        <a:t>0.94</a:t>
-                      </a:r>
                       <a:endParaRPr lang="ru-RU" sz="1400">
                         <a:effectLst/>
                         <a:latin typeface="Trebuchet MS" panose="020B0603020202020204" pitchFamily="34" charset="0"/>
@@ -16830,14 +16309,7 @@
                           <a:spcPts val="0"/>
                         </a:spcAft>
                       </a:pPr>
-                      <a:r>
-                        <a:rPr lang="en-US" sz="1400">
-                          <a:effectLst/>
-                          <a:latin typeface="Trebuchet MS" panose="020B0603020202020204" pitchFamily="34" charset="0"/>
-                        </a:rPr>
-                        <a:t>0.84</a:t>
-                      </a:r>
-                      <a:endParaRPr lang="ru-RU" sz="1400">
+                      <a:endParaRPr lang="ru-RU" sz="1400" dirty="0">
                         <a:effectLst/>
                         <a:latin typeface="Trebuchet MS" panose="020B0603020202020204" pitchFamily="34" charset="0"/>
                         <a:ea typeface="Calibri" panose="020F0502020204030204" pitchFamily="34" charset="0"/>
@@ -16892,13 +16364,6 @@
                           <a:spcPts val="0"/>
                         </a:spcAft>
                       </a:pPr>
-                      <a:r>
-                        <a:rPr lang="en-US" sz="1400">
-                          <a:effectLst/>
-                          <a:latin typeface="Trebuchet MS" panose="020B0603020202020204" pitchFamily="34" charset="0"/>
-                        </a:rPr>
-                        <a:t>-1898</a:t>
-                      </a:r>
                       <a:endParaRPr lang="ru-RU" sz="1400">
                         <a:effectLst/>
                         <a:latin typeface="Trebuchet MS" panose="020B0603020202020204" pitchFamily="34" charset="0"/>
@@ -16922,14 +16387,7 @@
                           <a:spcPts val="0"/>
                         </a:spcAft>
                       </a:pPr>
-                      <a:r>
-                        <a:rPr lang="en-US" sz="1400">
-                          <a:effectLst/>
-                          <a:latin typeface="Trebuchet MS" panose="020B0603020202020204" pitchFamily="34" charset="0"/>
-                        </a:rPr>
-                        <a:t>-285964</a:t>
-                      </a:r>
-                      <a:endParaRPr lang="ru-RU" sz="1400">
+                      <a:endParaRPr lang="ru-RU" sz="1400" dirty="0">
                         <a:effectLst/>
                         <a:latin typeface="Trebuchet MS" panose="020B0603020202020204" pitchFamily="34" charset="0"/>
                         <a:ea typeface="Calibri" panose="020F0502020204030204" pitchFamily="34" charset="0"/>
@@ -16984,13 +16442,6 @@
                           <a:spcPts val="0"/>
                         </a:spcAft>
                       </a:pPr>
-                      <a:r>
-                        <a:rPr lang="en-US" sz="1400">
-                          <a:effectLst/>
-                          <a:latin typeface="Trebuchet MS" panose="020B0603020202020204" pitchFamily="34" charset="0"/>
-                        </a:rPr>
-                        <a:t>0.93</a:t>
-                      </a:r>
                       <a:endParaRPr lang="ru-RU" sz="1400">
                         <a:effectLst/>
                         <a:latin typeface="Trebuchet MS" panose="020B0603020202020204" pitchFamily="34" charset="0"/>
@@ -17014,14 +16465,7 @@
                           <a:spcPts val="0"/>
                         </a:spcAft>
                       </a:pPr>
-                      <a:r>
-                        <a:rPr lang="en-US" sz="1400">
-                          <a:effectLst/>
-                          <a:latin typeface="Trebuchet MS" panose="020B0603020202020204" pitchFamily="34" charset="0"/>
-                        </a:rPr>
-                        <a:t>0.82</a:t>
-                      </a:r>
-                      <a:endParaRPr lang="ru-RU" sz="1400">
+                      <a:endParaRPr lang="ru-RU" sz="1400" dirty="0">
                         <a:effectLst/>
                         <a:latin typeface="Trebuchet MS" panose="020B0603020202020204" pitchFamily="34" charset="0"/>
                         <a:ea typeface="Calibri" panose="020F0502020204030204" pitchFamily="34" charset="0"/>
@@ -17076,13 +16520,6 @@
                           <a:spcPts val="0"/>
                         </a:spcAft>
                       </a:pPr>
-                      <a:r>
-                        <a:rPr lang="en-US" sz="1400">
-                          <a:effectLst/>
-                          <a:latin typeface="Trebuchet MS" panose="020B0603020202020204" pitchFamily="34" charset="0"/>
-                        </a:rPr>
-                        <a:t> </a:t>
-                      </a:r>
                       <a:endParaRPr lang="ru-RU" sz="1400">
                         <a:effectLst/>
                         <a:latin typeface="Trebuchet MS" panose="020B0603020202020204" pitchFamily="34" charset="0"/>
@@ -17106,14 +16543,7 @@
                           <a:spcPts val="0"/>
                         </a:spcAft>
                       </a:pPr>
-                      <a:r>
-                        <a:rPr lang="en-US" sz="1400">
-                          <a:effectLst/>
-                          <a:latin typeface="Trebuchet MS" panose="020B0603020202020204" pitchFamily="34" charset="0"/>
-                        </a:rPr>
-                        <a:t> </a:t>
-                      </a:r>
-                      <a:endParaRPr lang="ru-RU" sz="1400">
+                      <a:endParaRPr lang="ru-RU" sz="1400" dirty="0">
                         <a:effectLst/>
                         <a:latin typeface="Trebuchet MS" panose="020B0603020202020204" pitchFamily="34" charset="0"/>
                         <a:ea typeface="Calibri" panose="020F0502020204030204" pitchFamily="34" charset="0"/>
@@ -17168,13 +16598,6 @@
                           <a:spcPts val="0"/>
                         </a:spcAft>
                       </a:pPr>
-                      <a:r>
-                        <a:rPr lang="en-US" sz="1400">
-                          <a:effectLst/>
-                          <a:latin typeface="Trebuchet MS" panose="020B0603020202020204" pitchFamily="34" charset="0"/>
-                        </a:rPr>
-                        <a:t> </a:t>
-                      </a:r>
                       <a:endParaRPr lang="ru-RU" sz="1400">
                         <a:effectLst/>
                         <a:latin typeface="Trebuchet MS" panose="020B0603020202020204" pitchFamily="34" charset="0"/>
@@ -17198,14 +16621,7 @@
                           <a:spcPts val="0"/>
                         </a:spcAft>
                       </a:pPr>
-                      <a:r>
-                        <a:rPr lang="en-US" sz="1400">
-                          <a:effectLst/>
-                          <a:latin typeface="Trebuchet MS" panose="020B0603020202020204" pitchFamily="34" charset="0"/>
-                        </a:rPr>
-                        <a:t> </a:t>
-                      </a:r>
-                      <a:endParaRPr lang="ru-RU" sz="1400">
+                      <a:endParaRPr lang="ru-RU" sz="1400" dirty="0">
                         <a:effectLst/>
                         <a:latin typeface="Trebuchet MS" panose="020B0603020202020204" pitchFamily="34" charset="0"/>
                         <a:ea typeface="Calibri" panose="020F0502020204030204" pitchFamily="34" charset="0"/>
@@ -17260,13 +16676,6 @@
                           <a:spcPts val="0"/>
                         </a:spcAft>
                       </a:pPr>
-                      <a:r>
-                        <a:rPr lang="en-US" sz="1400">
-                          <a:effectLst/>
-                          <a:latin typeface="Trebuchet MS" panose="020B0603020202020204" pitchFamily="34" charset="0"/>
-                        </a:rPr>
-                        <a:t> </a:t>
-                      </a:r>
                       <a:endParaRPr lang="ru-RU" sz="1400">
                         <a:effectLst/>
                         <a:latin typeface="Trebuchet MS" panose="020B0603020202020204" pitchFamily="34" charset="0"/>
@@ -17290,14 +16699,7 @@
                           <a:spcPts val="0"/>
                         </a:spcAft>
                       </a:pPr>
-                      <a:r>
-                        <a:rPr lang="en-US" sz="1400">
-                          <a:effectLst/>
-                          <a:latin typeface="Trebuchet MS" panose="020B0603020202020204" pitchFamily="34" charset="0"/>
-                        </a:rPr>
-                        <a:t> </a:t>
-                      </a:r>
-                      <a:endParaRPr lang="ru-RU" sz="1400">
+                      <a:endParaRPr lang="ru-RU" sz="1400" dirty="0">
                         <a:effectLst/>
                         <a:latin typeface="Trebuchet MS" panose="020B0603020202020204" pitchFamily="34" charset="0"/>
                         <a:ea typeface="Calibri" panose="020F0502020204030204" pitchFamily="34" charset="0"/>
@@ -17352,13 +16754,6 @@
                           <a:spcPts val="0"/>
                         </a:spcAft>
                       </a:pPr>
-                      <a:r>
-                        <a:rPr lang="en-US" sz="1400">
-                          <a:effectLst/>
-                          <a:latin typeface="Trebuchet MS" panose="020B0603020202020204" pitchFamily="34" charset="0"/>
-                        </a:rPr>
-                        <a:t>0.93</a:t>
-                      </a:r>
                       <a:endParaRPr lang="ru-RU" sz="1400">
                         <a:effectLst/>
                         <a:latin typeface="Trebuchet MS" panose="020B0603020202020204" pitchFamily="34" charset="0"/>
@@ -17382,14 +16777,7 @@
                           <a:spcPts val="0"/>
                         </a:spcAft>
                       </a:pPr>
-                      <a:r>
-                        <a:rPr lang="en-US" sz="1400">
-                          <a:effectLst/>
-                          <a:latin typeface="Trebuchet MS" panose="020B0603020202020204" pitchFamily="34" charset="0"/>
-                        </a:rPr>
-                        <a:t>0.83</a:t>
-                      </a:r>
-                      <a:endParaRPr lang="ru-RU" sz="1400">
+                      <a:endParaRPr lang="ru-RU" sz="1400" dirty="0">
                         <a:effectLst/>
                         <a:latin typeface="Trebuchet MS" panose="020B0603020202020204" pitchFamily="34" charset="0"/>
                         <a:ea typeface="Calibri" panose="020F0502020204030204" pitchFamily="34" charset="0"/>
@@ -17444,13 +16832,6 @@
                           <a:spcPts val="0"/>
                         </a:spcAft>
                       </a:pPr>
-                      <a:r>
-                        <a:rPr lang="en-US" sz="1400">
-                          <a:effectLst/>
-                          <a:latin typeface="Trebuchet MS" panose="020B0603020202020204" pitchFamily="34" charset="0"/>
-                        </a:rPr>
-                        <a:t>0.89</a:t>
-                      </a:r>
                       <a:endParaRPr lang="ru-RU" sz="1400">
                         <a:effectLst/>
                         <a:latin typeface="Trebuchet MS" panose="020B0603020202020204" pitchFamily="34" charset="0"/>
@@ -17474,14 +16855,7 @@
                           <a:spcPts val="0"/>
                         </a:spcAft>
                       </a:pPr>
-                      <a:r>
-                        <a:rPr lang="en-US" sz="1400">
-                          <a:effectLst/>
-                          <a:latin typeface="Trebuchet MS" panose="020B0603020202020204" pitchFamily="34" charset="0"/>
-                        </a:rPr>
-                        <a:t>0.86</a:t>
-                      </a:r>
-                      <a:endParaRPr lang="ru-RU" sz="1400">
+                      <a:endParaRPr lang="ru-RU" sz="1400" dirty="0">
                         <a:effectLst/>
                         <a:latin typeface="Trebuchet MS" panose="020B0603020202020204" pitchFamily="34" charset="0"/>
                         <a:ea typeface="Calibri" panose="020F0502020204030204" pitchFamily="34" charset="0"/>
@@ -17536,13 +16910,6 @@
                           <a:spcPts val="0"/>
                         </a:spcAft>
                       </a:pPr>
-                      <a:r>
-                        <a:rPr lang="en-US" sz="1400">
-                          <a:effectLst/>
-                          <a:latin typeface="Trebuchet MS" panose="020B0603020202020204" pitchFamily="34" charset="0"/>
-                        </a:rPr>
-                        <a:t> </a:t>
-                      </a:r>
                       <a:endParaRPr lang="ru-RU" sz="1400">
                         <a:effectLst/>
                         <a:latin typeface="Trebuchet MS" panose="020B0603020202020204" pitchFamily="34" charset="0"/>
@@ -17566,14 +16933,7 @@
                           <a:spcPts val="0"/>
                         </a:spcAft>
                       </a:pPr>
-                      <a:r>
-                        <a:rPr lang="en-US" sz="1400">
-                          <a:effectLst/>
-                          <a:latin typeface="Trebuchet MS" panose="020B0603020202020204" pitchFamily="34" charset="0"/>
-                        </a:rPr>
-                        <a:t> </a:t>
-                      </a:r>
-                      <a:endParaRPr lang="ru-RU" sz="1400">
+                      <a:endParaRPr lang="ru-RU" sz="1400" dirty="0">
                         <a:effectLst/>
                         <a:latin typeface="Trebuchet MS" panose="020B0603020202020204" pitchFamily="34" charset="0"/>
                         <a:ea typeface="Calibri" panose="020F0502020204030204" pitchFamily="34" charset="0"/>
@@ -17628,13 +16988,6 @@
                           <a:spcPts val="0"/>
                         </a:spcAft>
                       </a:pPr>
-                      <a:r>
-                        <a:rPr lang="en-US" sz="1400">
-                          <a:effectLst/>
-                          <a:latin typeface="Trebuchet MS" panose="020B0603020202020204" pitchFamily="34" charset="0"/>
-                        </a:rPr>
-                        <a:t>0.97</a:t>
-                      </a:r>
                       <a:endParaRPr lang="ru-RU" sz="1400">
                         <a:effectLst/>
                         <a:latin typeface="Trebuchet MS" panose="020B0603020202020204" pitchFamily="34" charset="0"/>
@@ -17658,14 +17011,7 @@
                           <a:spcPts val="0"/>
                         </a:spcAft>
                       </a:pPr>
-                      <a:r>
-                        <a:rPr lang="en-US" sz="1400">
-                          <a:effectLst/>
-                          <a:latin typeface="Trebuchet MS" panose="020B0603020202020204" pitchFamily="34" charset="0"/>
-                        </a:rPr>
-                        <a:t>0.81</a:t>
-                      </a:r>
-                      <a:endParaRPr lang="ru-RU" sz="1400">
+                      <a:endParaRPr lang="ru-RU" sz="1400" dirty="0">
                         <a:effectLst/>
                         <a:latin typeface="Trebuchet MS" panose="020B0603020202020204" pitchFamily="34" charset="0"/>
                         <a:ea typeface="Calibri" panose="020F0502020204030204" pitchFamily="34" charset="0"/>
@@ -17720,13 +17066,6 @@
                           <a:spcPts val="0"/>
                         </a:spcAft>
                       </a:pPr>
-                      <a:r>
-                        <a:rPr lang="en-US" sz="1400">
-                          <a:effectLst/>
-                          <a:latin typeface="Trebuchet MS" panose="020B0603020202020204" pitchFamily="34" charset="0"/>
-                        </a:rPr>
-                        <a:t>0.96</a:t>
-                      </a:r>
                       <a:endParaRPr lang="ru-RU" sz="1400">
                         <a:effectLst/>
                         <a:latin typeface="Trebuchet MS" panose="020B0603020202020204" pitchFamily="34" charset="0"/>
@@ -17750,14 +17089,7 @@
                           <a:spcPts val="0"/>
                         </a:spcAft>
                       </a:pPr>
-                      <a:r>
-                        <a:rPr lang="en-US" sz="1400">
-                          <a:effectLst/>
-                          <a:latin typeface="Trebuchet MS" panose="020B0603020202020204" pitchFamily="34" charset="0"/>
-                        </a:rPr>
-                        <a:t>0.84</a:t>
-                      </a:r>
-                      <a:endParaRPr lang="ru-RU" sz="1400">
+                      <a:endParaRPr lang="ru-RU" sz="1400" dirty="0">
                         <a:effectLst/>
                         <a:latin typeface="Trebuchet MS" panose="020B0603020202020204" pitchFamily="34" charset="0"/>
                         <a:ea typeface="Calibri" panose="020F0502020204030204" pitchFamily="34" charset="0"/>
@@ -17812,13 +17144,6 @@
                           <a:spcPts val="0"/>
                         </a:spcAft>
                       </a:pPr>
-                      <a:r>
-                        <a:rPr lang="en-US" sz="1400">
-                          <a:effectLst/>
-                          <a:latin typeface="Trebuchet MS" panose="020B0603020202020204" pitchFamily="34" charset="0"/>
-                        </a:rPr>
-                        <a:t>0.92</a:t>
-                      </a:r>
                       <a:endParaRPr lang="ru-RU" sz="1400">
                         <a:effectLst/>
                         <a:latin typeface="Trebuchet MS" panose="020B0603020202020204" pitchFamily="34" charset="0"/>
@@ -17842,14 +17167,7 @@
                           <a:spcPts val="0"/>
                         </a:spcAft>
                       </a:pPr>
-                      <a:r>
-                        <a:rPr lang="en-US" sz="1400">
-                          <a:effectLst/>
-                          <a:latin typeface="Trebuchet MS" panose="020B0603020202020204" pitchFamily="34" charset="0"/>
-                        </a:rPr>
-                        <a:t>0.87</a:t>
-                      </a:r>
-                      <a:endParaRPr lang="ru-RU" sz="1400">
+                      <a:endParaRPr lang="ru-RU" sz="1400" dirty="0">
                         <a:effectLst/>
                         <a:latin typeface="Trebuchet MS" panose="020B0603020202020204" pitchFamily="34" charset="0"/>
                         <a:ea typeface="Calibri" panose="020F0502020204030204" pitchFamily="34" charset="0"/>
@@ -17926,6 +17244,568 @@
       </p:par>
     </p:tnLst>
   </p:timing>
+</p:sld>
+</file>
+
+<file path=ppt/slides/slide22.xml><?xml version="1.0" encoding="utf-8"?>
+<p:sld xmlns:a="http://schemas.openxmlformats.org/drawingml/2006/main" xmlns:r="http://schemas.openxmlformats.org/officeDocument/2006/relationships" xmlns:p="http://schemas.openxmlformats.org/presentationml/2006/main">
+  <p:cSld>
+    <p:spTree>
+      <p:nvGrpSpPr>
+        <p:cNvPr id="1" name=""/>
+        <p:cNvGrpSpPr/>
+        <p:nvPr/>
+      </p:nvGrpSpPr>
+      <p:grpSpPr>
+        <a:xfrm>
+          <a:off x="0" y="0"/>
+          <a:ext cx="0" cy="0"/>
+          <a:chOff x="0" y="0"/>
+          <a:chExt cx="0" cy="0"/>
+        </a:xfrm>
+      </p:grpSpPr>
+      <p:sp>
+        <p:nvSpPr>
+          <p:cNvPr id="2" name="Заголовок 1"/>
+          <p:cNvSpPr>
+            <a:spLocks noGrp="1"/>
+          </p:cNvSpPr>
+          <p:nvPr>
+            <p:ph type="title"/>
+          </p:nvPr>
+        </p:nvSpPr>
+        <p:spPr/>
+        <p:txBody>
+          <a:bodyPr/>
+          <a:lstStyle/>
+          <a:p>
+            <a:r>
+              <a:rPr lang="en-US" b="1" dirty="0"/>
+              <a:t>Bias-Variance Trade-Off</a:t>
+            </a:r>
+            <a:endParaRPr lang="ru-RU" dirty="0"/>
+          </a:p>
+        </p:txBody>
+      </p:sp>
+      <p:sp>
+        <p:nvSpPr>
+          <p:cNvPr id="4" name="Номер слайда 3"/>
+          <p:cNvSpPr>
+            <a:spLocks noGrp="1"/>
+          </p:cNvSpPr>
+          <p:nvPr>
+            <p:ph type="sldNum" sz="quarter" idx="12"/>
+          </p:nvPr>
+        </p:nvSpPr>
+        <p:spPr/>
+        <p:txBody>
+          <a:bodyPr/>
+          <a:lstStyle/>
+          <a:p>
+            <a:fld id="{B491C8E4-965C-47C5-86B5-2FEC2000E3F4}" type="slidenum">
+              <a:rPr lang="ru-RU" smtClean="0"/>
+              <a:pPr/>
+              <a:t>22</a:t>
+            </a:fld>
+            <a:endParaRPr lang="ru-RU" dirty="0"/>
+          </a:p>
+        </p:txBody>
+      </p:sp>
+      <p:pic>
+        <p:nvPicPr>
+          <p:cNvPr id="6" name="Рисунок 5"/>
+          <p:cNvPicPr>
+            <a:picLocks noChangeAspect="1"/>
+          </p:cNvPicPr>
+          <p:nvPr/>
+        </p:nvPicPr>
+        <p:blipFill>
+          <a:blip r:embed="rId2"/>
+          <a:stretch>
+            <a:fillRect/>
+          </a:stretch>
+        </p:blipFill>
+        <p:spPr>
+          <a:xfrm>
+            <a:off x="0" y="1371600"/>
+            <a:ext cx="9060942" cy="3241167"/>
+          </a:xfrm>
+          <a:prstGeom prst="rect">
+            <a:avLst/>
+          </a:prstGeom>
+        </p:spPr>
+      </p:pic>
+      <p:sp>
+        <p:nvSpPr>
+          <p:cNvPr id="7" name="TextBox 6"/>
+          <p:cNvSpPr txBox="1"/>
+          <p:nvPr/>
+        </p:nvSpPr>
+        <p:spPr>
+          <a:xfrm>
+            <a:off x="152400" y="4876800"/>
+            <a:ext cx="8908542" cy="2031325"/>
+          </a:xfrm>
+          <a:prstGeom prst="rect">
+            <a:avLst/>
+          </a:prstGeom>
+          <a:noFill/>
+        </p:spPr>
+        <p:txBody>
+          <a:bodyPr wrap="square" rtlCol="0">
+            <a:spAutoFit/>
+          </a:bodyPr>
+          <a:lstStyle/>
+          <a:p>
+            <a:pPr marL="285750" indent="-285750">
+              <a:buFont typeface="Arial" panose="020B0604020202020204" pitchFamily="34" charset="0"/>
+              <a:buChar char="•"/>
+            </a:pPr>
+            <a:r>
+              <a:rPr lang="en-US" dirty="0"/>
+              <a:t>For </a:t>
+            </a:r>
+            <a:r>
+              <a:rPr lang="en-US" b="1" dirty="0">
+                <a:solidFill>
+                  <a:srgbClr val="FF0000"/>
+                </a:solidFill>
+              </a:rPr>
+              <a:t>high-bias </a:t>
+            </a:r>
+            <a:r>
+              <a:rPr lang="en-US" dirty="0" smtClean="0"/>
+              <a:t>models</a:t>
+            </a:r>
+            <a:r>
+              <a:rPr lang="en-US" dirty="0"/>
+              <a:t>, the </a:t>
+            </a:r>
+            <a:r>
+              <a:rPr lang="en-US" b="1" dirty="0">
+                <a:solidFill>
+                  <a:srgbClr val="FF0000"/>
+                </a:solidFill>
+              </a:rPr>
+              <a:t>performance</a:t>
+            </a:r>
+            <a:r>
+              <a:rPr lang="en-US" dirty="0"/>
+              <a:t> of the model on the </a:t>
+            </a:r>
+            <a:r>
+              <a:rPr lang="en-US" b="1" dirty="0">
+                <a:solidFill>
+                  <a:srgbClr val="FF0000"/>
+                </a:solidFill>
+              </a:rPr>
+              <a:t>validation </a:t>
+            </a:r>
+            <a:r>
+              <a:rPr lang="en-US" dirty="0"/>
+              <a:t>set is </a:t>
+            </a:r>
+            <a:r>
+              <a:rPr lang="en-US" b="1" dirty="0">
+                <a:solidFill>
+                  <a:srgbClr val="FF0000"/>
+                </a:solidFill>
+              </a:rPr>
+              <a:t>similar </a:t>
+            </a:r>
+            <a:r>
+              <a:rPr lang="en-US" dirty="0"/>
+              <a:t>to the performance on the </a:t>
+            </a:r>
+            <a:r>
+              <a:rPr lang="en-US" b="1" dirty="0">
+                <a:solidFill>
+                  <a:srgbClr val="FF0000"/>
+                </a:solidFill>
+              </a:rPr>
+              <a:t>training </a:t>
+            </a:r>
+            <a:r>
+              <a:rPr lang="en-US" b="1" dirty="0" smtClean="0">
+                <a:solidFill>
+                  <a:srgbClr val="FF0000"/>
+                </a:solidFill>
+              </a:rPr>
+              <a:t>set </a:t>
+            </a:r>
+            <a:r>
+              <a:rPr lang="en-US" i="1" dirty="0" smtClean="0"/>
+              <a:t>(but the performance is worse than for appropriate fitting)</a:t>
+            </a:r>
+            <a:r>
+              <a:rPr lang="en-US" dirty="0" smtClean="0"/>
+              <a:t>.</a:t>
+            </a:r>
+          </a:p>
+          <a:p>
+            <a:pPr marL="285750" indent="-285750">
+              <a:buFont typeface="Arial" panose="020B0604020202020204" pitchFamily="34" charset="0"/>
+              <a:buChar char="•"/>
+            </a:pPr>
+            <a:endParaRPr lang="en-US" dirty="0"/>
+          </a:p>
+          <a:p>
+            <a:pPr marL="285750" indent="-285750">
+              <a:buFont typeface="Arial" panose="020B0604020202020204" pitchFamily="34" charset="0"/>
+              <a:buChar char="•"/>
+            </a:pPr>
+            <a:r>
+              <a:rPr lang="en-US" dirty="0"/>
+              <a:t>For </a:t>
+            </a:r>
+            <a:r>
+              <a:rPr lang="en-US" b="1" dirty="0">
+                <a:solidFill>
+                  <a:srgbClr val="FF0000"/>
+                </a:solidFill>
+              </a:rPr>
+              <a:t>high-variance</a:t>
+            </a:r>
+            <a:r>
+              <a:rPr lang="en-US" dirty="0"/>
+              <a:t> models, the </a:t>
+            </a:r>
+            <a:r>
+              <a:rPr lang="en-US" b="1" dirty="0">
+                <a:solidFill>
+                  <a:srgbClr val="FF0000"/>
+                </a:solidFill>
+              </a:rPr>
+              <a:t>performance</a:t>
+            </a:r>
+            <a:r>
+              <a:rPr lang="en-US" dirty="0"/>
+              <a:t> of the model on the </a:t>
+            </a:r>
+            <a:r>
+              <a:rPr lang="en-US" b="1" dirty="0">
+                <a:solidFill>
+                  <a:srgbClr val="FF0000"/>
+                </a:solidFill>
+              </a:rPr>
+              <a:t>validation</a:t>
+            </a:r>
+            <a:r>
+              <a:rPr lang="en-US" dirty="0"/>
+              <a:t> set is </a:t>
+            </a:r>
+            <a:r>
+              <a:rPr lang="en-US" b="1" dirty="0">
+                <a:solidFill>
+                  <a:srgbClr val="FF0000"/>
+                </a:solidFill>
+              </a:rPr>
+              <a:t>far worse </a:t>
+            </a:r>
+            <a:r>
+              <a:rPr lang="en-US" dirty="0"/>
+              <a:t>than the performance on the </a:t>
+            </a:r>
+            <a:r>
+              <a:rPr lang="en-US" b="1" dirty="0">
+                <a:solidFill>
+                  <a:srgbClr val="FF0000"/>
+                </a:solidFill>
+              </a:rPr>
+              <a:t>training</a:t>
+            </a:r>
+            <a:r>
+              <a:rPr lang="en-US" dirty="0"/>
+              <a:t> set.</a:t>
+            </a:r>
+          </a:p>
+          <a:p>
+            <a:endParaRPr lang="ru-RU" dirty="0"/>
+          </a:p>
+        </p:txBody>
+      </p:sp>
+      <p:sp>
+        <p:nvSpPr>
+          <p:cNvPr id="8" name="Прямоугольник 7"/>
+          <p:cNvSpPr/>
+          <p:nvPr/>
+        </p:nvSpPr>
+        <p:spPr>
+          <a:xfrm>
+            <a:off x="685800" y="6608433"/>
+            <a:ext cx="1726563" cy="276999"/>
+          </a:xfrm>
+          <a:prstGeom prst="rect">
+            <a:avLst/>
+          </a:prstGeom>
+        </p:spPr>
+        <p:txBody>
+          <a:bodyPr wrap="none">
+            <a:spAutoFit/>
+          </a:bodyPr>
+          <a:lstStyle/>
+          <a:p>
+            <a:r>
+              <a:rPr lang="en-US" sz="1200" b="1" dirty="0">
+                <a:solidFill>
+                  <a:schemeClr val="bg1"/>
+                </a:solidFill>
+              </a:rPr>
+              <a:t>ML-course.   </a:t>
+            </a:r>
+            <a:r>
+              <a:rPr lang="en-US" sz="1200" b="1" dirty="0" smtClean="0">
+                <a:solidFill>
+                  <a:schemeClr val="bg1"/>
+                </a:solidFill>
+              </a:rPr>
+              <a:t>Regression</a:t>
+            </a:r>
+            <a:endParaRPr lang="ru-RU" sz="1200" dirty="0">
+              <a:solidFill>
+                <a:schemeClr val="bg1"/>
+              </a:solidFill>
+            </a:endParaRPr>
+          </a:p>
+        </p:txBody>
+      </p:sp>
+    </p:spTree>
+    <p:extLst>
+      <p:ext uri="{BB962C8B-B14F-4D97-AF65-F5344CB8AC3E}">
+        <p14:creationId xmlns:p14="http://schemas.microsoft.com/office/powerpoint/2010/main" val="1047073889"/>
+      </p:ext>
+    </p:extLst>
+  </p:cSld>
+  <p:clrMapOvr>
+    <a:masterClrMapping/>
+  </p:clrMapOvr>
+</p:sld>
+</file>
+
+<file path=ppt/slides/slide23.xml><?xml version="1.0" encoding="utf-8"?>
+<p:sld xmlns:a="http://schemas.openxmlformats.org/drawingml/2006/main" xmlns:r="http://schemas.openxmlformats.org/officeDocument/2006/relationships" xmlns:p="http://schemas.openxmlformats.org/presentationml/2006/main">
+  <p:cSld>
+    <p:spTree>
+      <p:nvGrpSpPr>
+        <p:cNvPr id="1" name=""/>
+        <p:cNvGrpSpPr/>
+        <p:nvPr/>
+      </p:nvGrpSpPr>
+      <p:grpSpPr>
+        <a:xfrm>
+          <a:off x="0" y="0"/>
+          <a:ext cx="0" cy="0"/>
+          <a:chOff x="0" y="0"/>
+          <a:chExt cx="0" cy="0"/>
+        </a:xfrm>
+      </p:grpSpPr>
+      <p:sp>
+        <p:nvSpPr>
+          <p:cNvPr id="2" name="Заголовок 1"/>
+          <p:cNvSpPr>
+            <a:spLocks noGrp="1"/>
+          </p:cNvSpPr>
+          <p:nvPr>
+            <p:ph type="title"/>
+          </p:nvPr>
+        </p:nvSpPr>
+        <p:spPr/>
+        <p:txBody>
+          <a:bodyPr/>
+          <a:lstStyle/>
+          <a:p>
+            <a:r>
+              <a:rPr lang="en-US" b="1" dirty="0"/>
+              <a:t>Bias-Variance Trade-Off</a:t>
+            </a:r>
+            <a:endParaRPr lang="ru-RU" dirty="0"/>
+          </a:p>
+        </p:txBody>
+      </p:sp>
+      <p:sp>
+        <p:nvSpPr>
+          <p:cNvPr id="3" name="Объект 2"/>
+          <p:cNvSpPr>
+            <a:spLocks noGrp="1"/>
+          </p:cNvSpPr>
+          <p:nvPr>
+            <p:ph idx="1"/>
+          </p:nvPr>
+        </p:nvSpPr>
+        <p:spPr/>
+        <p:txBody>
+          <a:bodyPr>
+            <a:normAutofit/>
+          </a:bodyPr>
+          <a:lstStyle/>
+          <a:p>
+            <a:pPr marL="0" indent="0" algn="ctr">
+              <a:buNone/>
+            </a:pPr>
+            <a:r>
+              <a:rPr lang="en-US" b="1" dirty="0" smtClean="0"/>
+              <a:t>What to do in case of high-bias or high variance?</a:t>
+            </a:r>
+          </a:p>
+          <a:p>
+            <a:pPr marL="0" indent="0">
+              <a:buNone/>
+            </a:pPr>
+            <a:r>
+              <a:rPr lang="en-US" dirty="0" smtClean="0"/>
+              <a:t>Change</a:t>
+            </a:r>
+          </a:p>
+          <a:p>
+            <a:r>
+              <a:rPr lang="en-US" dirty="0" smtClean="0"/>
+              <a:t>Model complexity (e.g. via regularization)</a:t>
+            </a:r>
+          </a:p>
+          <a:p>
+            <a:r>
+              <a:rPr lang="en-US" dirty="0" smtClean="0"/>
+              <a:t>Quantity of training samples</a:t>
+            </a:r>
+          </a:p>
+          <a:p>
+            <a:r>
+              <a:rPr lang="en-US" dirty="0" smtClean="0"/>
+              <a:t>Set of features</a:t>
+            </a:r>
+          </a:p>
+          <a:p>
+            <a:endParaRPr lang="en-US" dirty="0"/>
+          </a:p>
+          <a:p>
+            <a:pPr marL="0" indent="0">
+              <a:buNone/>
+            </a:pPr>
+            <a:r>
+              <a:rPr lang="en-US" sz="2000" b="1" dirty="0" smtClean="0"/>
+              <a:t>Reading</a:t>
+            </a:r>
+          </a:p>
+          <a:p>
+            <a:pPr marL="0" indent="0">
+              <a:buNone/>
+            </a:pPr>
+            <a:r>
+              <a:rPr lang="en-US" sz="1800" i="1" dirty="0"/>
+              <a:t>Jake </a:t>
+            </a:r>
+            <a:r>
+              <a:rPr lang="en-US" sz="1800" i="1" dirty="0" err="1"/>
+              <a:t>VanderPlas</a:t>
+            </a:r>
+            <a:r>
+              <a:rPr lang="en-US" sz="1800" i="1" dirty="0"/>
+              <a:t> </a:t>
+            </a:r>
+            <a:r>
+              <a:rPr lang="en-US" sz="1800" b="1" i="1" dirty="0"/>
+              <a:t>Python Data Science Handbook </a:t>
+            </a:r>
+            <a:r>
+              <a:rPr lang="en-US" sz="1800" i="1" dirty="0" smtClean="0"/>
+              <a:t>(05.03-Hyperparameters-and-Model-Validation)</a:t>
+            </a:r>
+          </a:p>
+          <a:p>
+            <a:pPr marL="0" indent="0">
+              <a:buNone/>
+            </a:pPr>
+            <a:r>
+              <a:rPr lang="en-US" sz="1800" i="1" dirty="0" smtClean="0"/>
+              <a:t>Andrew Ng </a:t>
+            </a:r>
+            <a:r>
+              <a:rPr lang="en-US" sz="1800" b="1" i="1" dirty="0" smtClean="0"/>
+              <a:t>ML: Advice for Applying Machine Learning</a:t>
+            </a:r>
+            <a:endParaRPr lang="ru-RU" sz="1800" b="1" i="1" dirty="0"/>
+          </a:p>
+        </p:txBody>
+      </p:sp>
+      <p:sp>
+        <p:nvSpPr>
+          <p:cNvPr id="4" name="Номер слайда 3"/>
+          <p:cNvSpPr>
+            <a:spLocks noGrp="1"/>
+          </p:cNvSpPr>
+          <p:nvPr>
+            <p:ph type="sldNum" sz="quarter" idx="12"/>
+          </p:nvPr>
+        </p:nvSpPr>
+        <p:spPr/>
+        <p:txBody>
+          <a:bodyPr/>
+          <a:lstStyle/>
+          <a:p>
+            <a:fld id="{B491C8E4-965C-47C5-86B5-2FEC2000E3F4}" type="slidenum">
+              <a:rPr lang="ru-RU" smtClean="0"/>
+              <a:pPr/>
+              <a:t>23</a:t>
+            </a:fld>
+            <a:endParaRPr lang="ru-RU" dirty="0"/>
+          </a:p>
+        </p:txBody>
+      </p:sp>
+      <p:sp>
+        <p:nvSpPr>
+          <p:cNvPr id="6" name="Прямоугольник 5"/>
+          <p:cNvSpPr/>
+          <p:nvPr/>
+        </p:nvSpPr>
+        <p:spPr>
+          <a:xfrm>
+            <a:off x="685800" y="6608433"/>
+            <a:ext cx="1726563" cy="276999"/>
+          </a:xfrm>
+          <a:prstGeom prst="rect">
+            <a:avLst/>
+          </a:prstGeom>
+        </p:spPr>
+        <p:txBody>
+          <a:bodyPr wrap="none">
+            <a:spAutoFit/>
+          </a:bodyPr>
+          <a:lstStyle/>
+          <a:p>
+            <a:r>
+              <a:rPr lang="en-US" sz="1200" b="1" dirty="0">
+                <a:solidFill>
+                  <a:schemeClr val="bg1"/>
+                </a:solidFill>
+              </a:rPr>
+              <a:t>ML-course.   </a:t>
+            </a:r>
+            <a:r>
+              <a:rPr lang="en-US" sz="1200" b="1" dirty="0" smtClean="0">
+                <a:solidFill>
+                  <a:schemeClr val="bg1"/>
+                </a:solidFill>
+              </a:rPr>
+              <a:t>Regression</a:t>
+            </a:r>
+            <a:endParaRPr lang="ru-RU" sz="1200" dirty="0">
+              <a:solidFill>
+                <a:schemeClr val="bg1"/>
+              </a:solidFill>
+            </a:endParaRPr>
+          </a:p>
+        </p:txBody>
+      </p:sp>
+    </p:spTree>
+    <p:extLst>
+      <p:ext uri="{BB962C8B-B14F-4D97-AF65-F5344CB8AC3E}">
+        <p14:creationId xmlns:p14="http://schemas.microsoft.com/office/powerpoint/2010/main" val="4248675537"/>
+      </p:ext>
+    </p:extLst>
+  </p:cSld>
+  <p:clrMapOvr>
+    <a:masterClrMapping/>
+  </p:clrMapOvr>
 </p:sld>
 </file>
 
@@ -19981,7 +19861,7 @@
           <a:p>
             <a:r>
               <a:rPr lang="en-US" dirty="0" smtClean="0"/>
-              <a:t>7</a:t>
+              <a:t>6</a:t>
             </a:r>
             <a:endParaRPr lang="ru-RU" dirty="0"/>
           </a:p>
@@ -20280,7 +20160,7 @@
           <a:p>
             <a:r>
               <a:rPr lang="en-US" dirty="0" smtClean="0"/>
-              <a:t>13</a:t>
+              <a:t>7</a:t>
             </a:r>
             <a:endParaRPr lang="ru-RU" dirty="0"/>
           </a:p>
@@ -20777,7 +20657,7 @@
           <a:p>
             <a:r>
               <a:rPr lang="en-US" dirty="0" smtClean="0"/>
-              <a:t>15</a:t>
+              <a:t>8</a:t>
             </a:r>
             <a:endParaRPr lang="ru-RU" dirty="0"/>
           </a:p>
@@ -21156,7 +21036,7 @@
           <a:p>
             <a:r>
               <a:rPr lang="en-US" dirty="0" smtClean="0"/>
-              <a:t>16</a:t>
+              <a:t>9</a:t>
             </a:r>
             <a:endParaRPr lang="ru-RU" dirty="0"/>
           </a:p>

--- a/lecture_regression/presentation/lecture_regression.pptx
+++ b/lecture_regression/presentation/lecture_regression.pptx
@@ -31,7 +31,7 @@
     <p:sldId id="381" r:id="rId19"/>
     <p:sldId id="382" r:id="rId20"/>
     <p:sldId id="384" r:id="rId21"/>
-    <p:sldId id="380" r:id="rId22"/>
+    <p:sldId id="387" r:id="rId22"/>
     <p:sldId id="385" r:id="rId23"/>
     <p:sldId id="386" r:id="rId24"/>
     <p:sldId id="383" r:id="rId25"/>
@@ -235,7 +235,7 @@
           <a:p>
             <a:fld id="{8CCD710B-DBEB-48B9-BE37-6CC35DC50D83}" type="datetimeFigureOut">
               <a:rPr lang="ru-RU" smtClean="0"/>
-              <a:t>21.05.2018</a:t>
+              <a:t>23.05.2018</a:t>
             </a:fld>
             <a:endParaRPr lang="ru-RU"/>
           </a:p>
@@ -400,7 +400,7 @@
           <a:p>
             <a:fld id="{599FBC4C-1749-4424-9522-1B6D127EF272}" type="datetimeFigureOut">
               <a:rPr lang="ru-RU" smtClean="0"/>
-              <a:t>21.05.2018</a:t>
+              <a:t>23.05.2018</a:t>
             </a:fld>
             <a:endParaRPr lang="ru-RU" dirty="0"/>
           </a:p>
@@ -1068,17 +1068,26 @@
           <a:lstStyle/>
           <a:p>
             <a:fld id="{4DFC6225-C8ED-4E9F-A34F-711DD8E7E2B6}" type="slidenum">
-              <a:rPr lang="ru-RU" smtClean="0"/>
+              <a:rPr lang="ru-RU" smtClean="0">
+                <a:solidFill>
+                  <a:prstClr val="black"/>
+                </a:solidFill>
+              </a:rPr>
+              <a:pPr/>
               <a:t>21</a:t>
             </a:fld>
-            <a:endParaRPr lang="ru-RU" dirty="0"/>
+            <a:endParaRPr lang="ru-RU" dirty="0">
+              <a:solidFill>
+                <a:prstClr val="black"/>
+              </a:solidFill>
+            </a:endParaRPr>
           </a:p>
         </p:txBody>
       </p:sp>
     </p:spTree>
     <p:extLst>
       <p:ext uri="{BB962C8B-B14F-4D97-AF65-F5344CB8AC3E}">
-        <p14:creationId xmlns:p14="http://schemas.microsoft.com/office/powerpoint/2010/main" val="643010166"/>
+        <p14:creationId xmlns:p14="http://schemas.microsoft.com/office/powerpoint/2010/main" val="4072265782"/>
       </p:ext>
     </p:extLst>
   </p:cSld>
@@ -15332,10 +15341,18 @@
           <a:lstStyle/>
           <a:p>
             <a:r>
-              <a:rPr lang="en-US" dirty="0" smtClean="0"/>
+              <a:rPr lang="en-US" dirty="0" smtClean="0">
+                <a:solidFill>
+                  <a:prstClr val="white"/>
+                </a:solidFill>
+              </a:rPr>
               <a:t>21</a:t>
             </a:r>
-            <a:endParaRPr lang="ru-RU" dirty="0"/>
+            <a:endParaRPr lang="ru-RU" dirty="0">
+              <a:solidFill>
+                <a:prstClr val="white"/>
+              </a:solidFill>
+            </a:endParaRPr>
           </a:p>
         </p:txBody>
       </p:sp>
@@ -15348,14 +15365,14 @@
           <p:nvPr>
             <p:extLst>
               <p:ext uri="{D42A27DB-BD31-4B8C-83A1-F6EECF244321}">
-                <p14:modId xmlns:p14="http://schemas.microsoft.com/office/powerpoint/2010/main" val="84764560"/>
+                <p14:modId xmlns:p14="http://schemas.microsoft.com/office/powerpoint/2010/main" val="2368488931"/>
               </p:ext>
             </p:extLst>
           </p:nvPr>
         </p:nvGraphicFramePr>
         <p:xfrm>
           <a:off x="183996" y="1066801"/>
-          <a:ext cx="8883805" cy="5506277"/>
+          <a:ext cx="8883805" cy="4939746"/>
         </p:xfrm>
         <a:graphic>
           <a:graphicData uri="http://schemas.openxmlformats.org/drawingml/2006/table">
@@ -15648,14 +15665,7 @@
                           <a:spcPts val="0"/>
                         </a:spcAft>
                       </a:pPr>
-                      <a:r>
-                        <a:rPr lang="en-US" sz="1400">
-                          <a:effectLst/>
-                          <a:latin typeface="Trebuchet MS" panose="020B0603020202020204" pitchFamily="34" charset="0"/>
-                        </a:rPr>
-                        <a:t>0.73</a:t>
-                      </a:r>
-                      <a:endParaRPr lang="ru-RU" sz="1400">
+                      <a:endParaRPr lang="ru-RU" sz="1400" dirty="0">
                         <a:effectLst/>
                         <a:latin typeface="Trebuchet MS" panose="020B0603020202020204" pitchFamily="34" charset="0"/>
                         <a:ea typeface="Calibri" panose="020F0502020204030204" pitchFamily="34" charset="0"/>
@@ -15678,13 +15688,6 @@
                           <a:spcPts val="0"/>
                         </a:spcAft>
                       </a:pPr>
-                      <a:r>
-                        <a:rPr lang="en-US" sz="1400">
-                          <a:effectLst/>
-                          <a:latin typeface="Trebuchet MS" panose="020B0603020202020204" pitchFamily="34" charset="0"/>
-                        </a:rPr>
-                        <a:t>0.75</a:t>
-                      </a:r>
                       <a:endParaRPr lang="ru-RU" sz="1400">
                         <a:effectLst/>
                         <a:latin typeface="Trebuchet MS" panose="020B0603020202020204" pitchFamily="34" charset="0"/>
@@ -15763,7 +15766,7 @@
                           <a:spcPts val="0"/>
                         </a:spcAft>
                       </a:pPr>
-                      <a:endParaRPr lang="ru-RU" sz="1400">
+                      <a:endParaRPr lang="ru-RU" sz="1400" dirty="0">
                         <a:effectLst/>
                         <a:latin typeface="Trebuchet MS" panose="020B0603020202020204" pitchFamily="34" charset="0"/>
                         <a:ea typeface="Calibri" panose="020F0502020204030204" pitchFamily="34" charset="0"/>
@@ -15818,7 +15821,7 @@
                           <a:spcPts val="0"/>
                         </a:spcAft>
                       </a:pPr>
-                      <a:endParaRPr lang="ru-RU" sz="1400" dirty="0">
+                      <a:endParaRPr lang="ru-RU" sz="1400">
                         <a:effectLst/>
                         <a:latin typeface="Trebuchet MS" panose="020B0603020202020204" pitchFamily="34" charset="0"/>
                         <a:ea typeface="Calibri" panose="020F0502020204030204" pitchFamily="34" charset="0"/>
@@ -16052,7 +16055,7 @@
                           <a:spcPts val="0"/>
                         </a:spcAft>
                       </a:pPr>
-                      <a:endParaRPr lang="ru-RU" sz="1400">
+                      <a:endParaRPr lang="ru-RU" sz="1400" dirty="0">
                         <a:effectLst/>
                         <a:latin typeface="Trebuchet MS" panose="020B0603020202020204" pitchFamily="34" charset="0"/>
                         <a:ea typeface="Calibri" panose="020F0502020204030204" pitchFamily="34" charset="0"/>
@@ -16170,22 +16173,73 @@
                     <a:bodyPr/>
                     <a:lstStyle/>
                     <a:p>
-                      <a:pPr>
+                      <a:pPr marL="0" marR="0" indent="0" algn="l" defTabSz="914400" rtl="0" eaLnBrk="1" fontAlgn="auto" latinLnBrk="0" hangingPunct="1">
                         <a:lnSpc>
                           <a:spcPct val="107000"/>
                         </a:lnSpc>
+                        <a:spcBef>
+                          <a:spcPts val="0"/>
+                        </a:spcBef>
                         <a:spcAft>
                           <a:spcPts val="0"/>
                         </a:spcAft>
+                        <a:buClrTx/>
+                        <a:buSzTx/>
+                        <a:buFontTx/>
+                        <a:buNone/>
+                        <a:tabLst/>
+                        <a:defRPr/>
                       </a:pPr>
                       <a:r>
-                        <a:rPr lang="en-US" sz="1400">
+                        <a:rPr lang="en-US" sz="1400" dirty="0">
                           <a:effectLst/>
                           <a:latin typeface="Trebuchet MS" panose="020B0603020202020204" pitchFamily="34" charset="0"/>
                         </a:rPr>
-                        <a:t>Ridge with PolynomialFeatures </a:t>
+                        <a:t>Ridge with </a:t>
                       </a:r>
-                      <a:endParaRPr lang="ru-RU" sz="1400">
+                      <a:r>
+                        <a:rPr lang="en-US" sz="1400" dirty="0" smtClean="0">
+                          <a:effectLst/>
+                          <a:latin typeface="Trebuchet MS" panose="020B0603020202020204" pitchFamily="34" charset="0"/>
+                        </a:rPr>
+                        <a:t>Polynomial</a:t>
+                      </a:r>
+                      <a:r>
+                        <a:rPr lang="ru-RU" sz="1400" dirty="0" smtClean="0">
+                          <a:effectLst/>
+                          <a:latin typeface="Trebuchet MS" panose="020B0603020202020204" pitchFamily="34" charset="0"/>
+                        </a:rPr>
+                        <a:t> </a:t>
+                      </a:r>
+                      <a:r>
+                        <a:rPr lang="en-US" sz="1400" dirty="0" smtClean="0">
+                          <a:effectLst/>
+                          <a:latin typeface="Trebuchet MS" panose="020B0603020202020204" pitchFamily="34" charset="0"/>
+                        </a:rPr>
+                        <a:t>Features</a:t>
+                      </a:r>
+                      <a:r>
+                        <a:rPr lang="ru-RU" sz="1400" dirty="0" smtClean="0">
+                          <a:effectLst/>
+                          <a:latin typeface="Trebuchet MS" panose="020B0603020202020204" pitchFamily="34" charset="0"/>
+                        </a:rPr>
+                        <a:t>,</a:t>
+                      </a:r>
+                      <a:r>
+                        <a:rPr lang="ru-RU" sz="1400" baseline="0" dirty="0" smtClean="0">
+                          <a:effectLst/>
+                          <a:latin typeface="Trebuchet MS" panose="020B0603020202020204" pitchFamily="34" charset="0"/>
+                        </a:rPr>
+                        <a:t> </a:t>
+                      </a:r>
+                      <a:r>
+                        <a:rPr lang="en-US" sz="1400" dirty="0" smtClean="0">
+                          <a:effectLst/>
+                          <a:latin typeface="Trebuchet MS" panose="020B0603020202020204" pitchFamily="34" charset="0"/>
+                        </a:rPr>
+                        <a:t>n=2</a:t>
+                      </a:r>
+                      <a:endParaRPr lang="ru-RU" sz="1400" dirty="0">
                         <a:effectLst/>
                         <a:latin typeface="Trebuchet MS" panose="020B0603020202020204" pitchFamily="34" charset="0"/>
                         <a:ea typeface="Calibri" panose="020F0502020204030204" pitchFamily="34" charset="0"/>
@@ -16257,13 +16311,13 @@
                         </a:spcAft>
                       </a:pPr>
                       <a:r>
-                        <a:rPr lang="en-US" sz="1400">
+                        <a:rPr lang="en-US" sz="1400" dirty="0" smtClean="0">
                           <a:effectLst/>
                           <a:latin typeface="Trebuchet MS" panose="020B0603020202020204" pitchFamily="34" charset="0"/>
                         </a:rPr>
-                        <a:t>a=0.1, n=2</a:t>
+                        <a:t>a=0.1</a:t>
                       </a:r>
-                      <a:endParaRPr lang="ru-RU" sz="1400">
+                      <a:endParaRPr lang="ru-RU" sz="1400" dirty="0">
                         <a:effectLst/>
                         <a:latin typeface="Trebuchet MS" panose="020B0603020202020204" pitchFamily="34" charset="0"/>
                         <a:ea typeface="Calibri" panose="020F0502020204030204" pitchFamily="34" charset="0"/>
@@ -16335,13 +16389,100 @@
                         </a:spcAft>
                       </a:pPr>
                       <a:r>
-                        <a:rPr lang="en-US" sz="1400">
+                        <a:rPr lang="en-US" sz="1400" dirty="0" smtClean="0">
                           <a:effectLst/>
                           <a:latin typeface="Trebuchet MS" panose="020B0603020202020204" pitchFamily="34" charset="0"/>
                         </a:rPr>
-                        <a:t>a=0.1, n=3</a:t>
+                        <a:t>a=</a:t>
                       </a:r>
-                      <a:endParaRPr lang="ru-RU" sz="1400">
+                      <a:r>
+                        <a:rPr lang="ru-RU" sz="1400" dirty="0" smtClean="0">
+                          <a:effectLst/>
+                          <a:latin typeface="Trebuchet MS" panose="020B0603020202020204" pitchFamily="34" charset="0"/>
+                        </a:rPr>
+                        <a:t>1</a:t>
+                      </a:r>
+                      <a:endParaRPr lang="ru-RU" sz="1400" dirty="0">
+                        <a:effectLst/>
+                        <a:latin typeface="Trebuchet MS" panose="020B0603020202020204" pitchFamily="34" charset="0"/>
+                        <a:ea typeface="Calibri" panose="020F0502020204030204" pitchFamily="34" charset="0"/>
+                        <a:cs typeface="Times New Roman" panose="02020603050405020304" pitchFamily="18" charset="0"/>
+                      </a:endParaRPr>
+                    </a:p>
+                  </a:txBody>
+                  <a:tcPr marL="68580" marR="68580" marT="0" marB="0"/>
+                </a:tc>
+                <a:tc>
+                  <a:txBody>
+                    <a:bodyPr/>
+                    <a:lstStyle/>
+                    <a:p>
+                      <a:pPr algn="ctr">
+                        <a:lnSpc>
+                          <a:spcPct val="107000"/>
+                        </a:lnSpc>
+                        <a:spcAft>
+                          <a:spcPts val="0"/>
+                        </a:spcAft>
+                      </a:pPr>
+                      <a:endParaRPr lang="ru-RU" sz="1400" dirty="0">
+                        <a:effectLst/>
+                        <a:latin typeface="Trebuchet MS" panose="020B0603020202020204" pitchFamily="34" charset="0"/>
+                        <a:ea typeface="Calibri" panose="020F0502020204030204" pitchFamily="34" charset="0"/>
+                        <a:cs typeface="Times New Roman" panose="02020603050405020304" pitchFamily="18" charset="0"/>
+                      </a:endParaRPr>
+                    </a:p>
+                  </a:txBody>
+                  <a:tcPr marL="68580" marR="68580" marT="0" marB="0"/>
+                </a:tc>
+                <a:tc>
+                  <a:txBody>
+                    <a:bodyPr/>
+                    <a:lstStyle/>
+                    <a:p>
+                      <a:pPr algn="ctr">
+                        <a:lnSpc>
+                          <a:spcPct val="107000"/>
+                        </a:lnSpc>
+                        <a:spcAft>
+                          <a:spcPts val="0"/>
+                        </a:spcAft>
+                      </a:pPr>
+                      <a:endParaRPr lang="ru-RU" sz="1400" dirty="0">
+                        <a:effectLst/>
+                        <a:latin typeface="Trebuchet MS" panose="020B0603020202020204" pitchFamily="34" charset="0"/>
+                        <a:ea typeface="Calibri" panose="020F0502020204030204" pitchFamily="34" charset="0"/>
+                        <a:cs typeface="Times New Roman" panose="02020603050405020304" pitchFamily="18" charset="0"/>
+                      </a:endParaRPr>
+                    </a:p>
+                  </a:txBody>
+                  <a:tcPr marL="68580" marR="68580" marT="0" marB="0"/>
+                </a:tc>
+              </a:tr>
+              <a:tr h="235226">
+                <a:tc>
+                  <a:txBody>
+                    <a:bodyPr/>
+                    <a:lstStyle/>
+                    <a:p>
+                      <a:pPr>
+                        <a:lnSpc>
+                          <a:spcPct val="107000"/>
+                        </a:lnSpc>
+                        <a:spcAft>
+                          <a:spcPts val="0"/>
+                        </a:spcAft>
+                      </a:pPr>
+                      <a:r>
+                        <a:rPr lang="en-US" sz="1400" dirty="0" smtClean="0">
+                          <a:effectLst/>
+                          <a:latin typeface="Trebuchet MS" panose="020B0603020202020204" pitchFamily="34" charset="0"/>
+                          <a:ea typeface="Calibri" panose="020F0502020204030204" pitchFamily="34" charset="0"/>
+                          <a:cs typeface="Times New Roman" panose="02020603050405020304" pitchFamily="18" charset="0"/>
+                        </a:rPr>
+                        <a:t>a=10</a:t>
+                      </a:r>
+                      <a:endParaRPr lang="ru-RU" sz="1400" dirty="0">
                         <a:effectLst/>
                         <a:latin typeface="Trebuchet MS" panose="020B0603020202020204" pitchFamily="34" charset="0"/>
                         <a:ea typeface="Calibri" panose="020F0502020204030204" pitchFamily="34" charset="0"/>
@@ -16404,6 +16545,95 @@
                     <a:bodyPr/>
                     <a:lstStyle/>
                     <a:p>
+                      <a:pPr marL="0" marR="0" indent="0" algn="l" defTabSz="914400" rtl="0" eaLnBrk="1" fontAlgn="auto" latinLnBrk="0" hangingPunct="1">
+                        <a:lnSpc>
+                          <a:spcPct val="107000"/>
+                        </a:lnSpc>
+                        <a:spcBef>
+                          <a:spcPts val="0"/>
+                        </a:spcBef>
+                        <a:spcAft>
+                          <a:spcPts val="0"/>
+                        </a:spcAft>
+                        <a:buClrTx/>
+                        <a:buSzTx/>
+                        <a:buFontTx/>
+                        <a:buNone/>
+                        <a:tabLst/>
+                        <a:defRPr/>
+                      </a:pPr>
+                      <a:r>
+                        <a:rPr lang="en-US" sz="1400" dirty="0" smtClean="0">
+                          <a:effectLst/>
+                          <a:latin typeface="Trebuchet MS" panose="020B0603020202020204" pitchFamily="34" charset="0"/>
+                          <a:ea typeface="Calibri" panose="020F0502020204030204" pitchFamily="34" charset="0"/>
+                          <a:cs typeface="Times New Roman" panose="02020603050405020304" pitchFamily="18" charset="0"/>
+                        </a:rPr>
+                        <a:t>a=100</a:t>
+                      </a:r>
+                      <a:endParaRPr lang="ru-RU" sz="1400" dirty="0">
+                        <a:effectLst/>
+                        <a:latin typeface="Trebuchet MS" panose="020B0603020202020204" pitchFamily="34" charset="0"/>
+                        <a:ea typeface="Calibri" panose="020F0502020204030204" pitchFamily="34" charset="0"/>
+                        <a:cs typeface="Times New Roman" panose="02020603050405020304" pitchFamily="18" charset="0"/>
+                      </a:endParaRPr>
+                    </a:p>
+                  </a:txBody>
+                  <a:tcPr marL="68580" marR="68580" marT="0" marB="0"/>
+                </a:tc>
+                <a:tc>
+                  <a:txBody>
+                    <a:bodyPr/>
+                    <a:lstStyle/>
+                    <a:p>
+                      <a:pPr algn="ctr">
+                        <a:lnSpc>
+                          <a:spcPct val="107000"/>
+                        </a:lnSpc>
+                        <a:spcAft>
+                          <a:spcPts val="0"/>
+                        </a:spcAft>
+                      </a:pPr>
+                      <a:endParaRPr lang="ru-RU" sz="1400" dirty="0">
+                        <a:effectLst/>
+                        <a:latin typeface="Trebuchet MS" panose="020B0603020202020204" pitchFamily="34" charset="0"/>
+                        <a:ea typeface="Calibri" panose="020F0502020204030204" pitchFamily="34" charset="0"/>
+                        <a:cs typeface="Times New Roman" panose="02020603050405020304" pitchFamily="18" charset="0"/>
+                      </a:endParaRPr>
+                    </a:p>
+                  </a:txBody>
+                  <a:tcPr marL="68580" marR="68580" marT="0" marB="0"/>
+                </a:tc>
+                <a:tc>
+                  <a:txBody>
+                    <a:bodyPr/>
+                    <a:lstStyle/>
+                    <a:p>
+                      <a:pPr algn="ctr">
+                        <a:lnSpc>
+                          <a:spcPct val="107000"/>
+                        </a:lnSpc>
+                        <a:spcAft>
+                          <a:spcPts val="0"/>
+                        </a:spcAft>
+                      </a:pPr>
+                      <a:endParaRPr lang="ru-RU" sz="1400" dirty="0">
+                        <a:effectLst/>
+                        <a:latin typeface="Trebuchet MS" panose="020B0603020202020204" pitchFamily="34" charset="0"/>
+                        <a:ea typeface="Calibri" panose="020F0502020204030204" pitchFamily="34" charset="0"/>
+                        <a:cs typeface="Times New Roman" panose="02020603050405020304" pitchFamily="18" charset="0"/>
+                      </a:endParaRPr>
+                    </a:p>
+                  </a:txBody>
+                  <a:tcPr marL="68580" marR="68580" marT="0" marB="0"/>
+                </a:tc>
+              </a:tr>
+              <a:tr h="235226">
+                <a:tc>
+                  <a:txBody>
+                    <a:bodyPr/>
+                    <a:lstStyle/>
+                    <a:p>
                       <a:pPr>
                         <a:lnSpc>
                           <a:spcPct val="107000"/>
@@ -16413,13 +16643,13 @@
                         </a:spcAft>
                       </a:pPr>
                       <a:r>
-                        <a:rPr lang="en-US" sz="1400">
+                        <a:rPr lang="en-US" sz="1400" dirty="0">
                           <a:effectLst/>
                           <a:latin typeface="Trebuchet MS" panose="020B0603020202020204" pitchFamily="34" charset="0"/>
                         </a:rPr>
-                        <a:t>a=100 000 000, n=3</a:t>
+                        <a:t> </a:t>
                       </a:r>
-                      <a:endParaRPr lang="ru-RU" sz="1400">
+                      <a:endParaRPr lang="ru-RU" sz="1400" dirty="0">
                         <a:effectLst/>
                         <a:latin typeface="Trebuchet MS" panose="020B0603020202020204" pitchFamily="34" charset="0"/>
                         <a:ea typeface="Calibri" panose="020F0502020204030204" pitchFamily="34" charset="0"/>
@@ -16482,22 +16712,66 @@
                     <a:bodyPr/>
                     <a:lstStyle/>
                     <a:p>
-                      <a:pPr>
+                      <a:pPr marL="0" marR="0" indent="0" algn="l" defTabSz="914400" rtl="0" eaLnBrk="1" fontAlgn="auto" latinLnBrk="0" hangingPunct="1">
                         <a:lnSpc>
                           <a:spcPct val="107000"/>
                         </a:lnSpc>
+                        <a:spcBef>
+                          <a:spcPts val="0"/>
+                        </a:spcBef>
                         <a:spcAft>
                           <a:spcPts val="0"/>
                         </a:spcAft>
+                        <a:buClrTx/>
+                        <a:buSzTx/>
+                        <a:buFontTx/>
+                        <a:buNone/>
+                        <a:tabLst/>
+                        <a:defRPr/>
                       </a:pPr>
                       <a:r>
-                        <a:rPr lang="en-US" sz="1400">
+                        <a:rPr lang="en-US" sz="1400" dirty="0">
                           <a:effectLst/>
                           <a:latin typeface="Trebuchet MS" panose="020B0603020202020204" pitchFamily="34" charset="0"/>
                         </a:rPr>
-                        <a:t> </a:t>
+                        <a:t>Lasso with </a:t>
                       </a:r>
-                      <a:endParaRPr lang="ru-RU" sz="1400">
+                      <a:r>
+                        <a:rPr lang="en-US" sz="1400" dirty="0" smtClean="0">
+                          <a:effectLst/>
+                          <a:latin typeface="Trebuchet MS" panose="020B0603020202020204" pitchFamily="34" charset="0"/>
+                        </a:rPr>
+                        <a:t>Polynomial</a:t>
+                      </a:r>
+                      <a:r>
+                        <a:rPr lang="ru-RU" sz="1400" smtClean="0">
+                          <a:effectLst/>
+                          <a:latin typeface="Trebuchet MS" panose="020B0603020202020204" pitchFamily="34" charset="0"/>
+                        </a:rPr>
+                        <a:t> </a:t>
+                      </a:r>
+                      <a:r>
+                        <a:rPr lang="en-US" sz="1400" smtClean="0">
+                          <a:effectLst/>
+                          <a:latin typeface="Trebuchet MS" panose="020B0603020202020204" pitchFamily="34" charset="0"/>
+                        </a:rPr>
+                        <a:t>Features</a:t>
+                      </a:r>
+                      <a:r>
+                        <a:rPr lang="ru-RU" sz="1400" dirty="0" smtClean="0">
+                          <a:effectLst/>
+                          <a:latin typeface="Trebuchet MS" panose="020B0603020202020204" pitchFamily="34" charset="0"/>
+                        </a:rPr>
+                        <a:t>, </a:t>
+                      </a:r>
+                      <a:r>
+                        <a:rPr lang="en-US" sz="1400" dirty="0" smtClean="0">
+                          <a:effectLst/>
+                          <a:latin typeface="Trebuchet MS" panose="020B0603020202020204" pitchFamily="34" charset="0"/>
+                        </a:rPr>
+                        <a:t>n=2</a:t>
+                      </a:r>
+                      <a:endParaRPr lang="ru-RU" sz="1400" dirty="0">
                         <a:effectLst/>
                         <a:latin typeface="Trebuchet MS" panose="020B0603020202020204" pitchFamily="34" charset="0"/>
                         <a:ea typeface="Calibri" panose="020F0502020204030204" pitchFamily="34" charset="0"/>
@@ -16520,7 +16794,7 @@
                           <a:spcPts val="0"/>
                         </a:spcAft>
                       </a:pPr>
-                      <a:endParaRPr lang="ru-RU" sz="1400">
+                      <a:endParaRPr lang="ru-RU" sz="1400" dirty="0">
                         <a:effectLst/>
                         <a:latin typeface="Trebuchet MS" panose="020B0603020202020204" pitchFamily="34" charset="0"/>
                         <a:ea typeface="Calibri" panose="020F0502020204030204" pitchFamily="34" charset="0"/>
@@ -16569,36 +16843,13 @@
                         </a:spcAft>
                       </a:pPr>
                       <a:r>
-                        <a:rPr lang="en-US" sz="1400">
+                        <a:rPr lang="en-US" sz="1400" dirty="0" smtClean="0">
                           <a:effectLst/>
                           <a:latin typeface="Trebuchet MS" panose="020B0603020202020204" pitchFamily="34" charset="0"/>
                         </a:rPr>
-                        <a:t>Lasso with PolynomialFeatures</a:t>
+                        <a:t>a=0.1</a:t>
                       </a:r>
-                      <a:endParaRPr lang="ru-RU" sz="1400">
-                        <a:effectLst/>
-                        <a:latin typeface="Trebuchet MS" panose="020B0603020202020204" pitchFamily="34" charset="0"/>
-                        <a:ea typeface="Calibri" panose="020F0502020204030204" pitchFamily="34" charset="0"/>
-                        <a:cs typeface="Times New Roman" panose="02020603050405020304" pitchFamily="18" charset="0"/>
-                      </a:endParaRPr>
-                    </a:p>
-                  </a:txBody>
-                  <a:tcPr marL="68580" marR="68580" marT="0" marB="0"/>
-                </a:tc>
-                <a:tc>
-                  <a:txBody>
-                    <a:bodyPr/>
-                    <a:lstStyle/>
-                    <a:p>
-                      <a:pPr algn="ctr">
-                        <a:lnSpc>
-                          <a:spcPct val="107000"/>
-                        </a:lnSpc>
-                        <a:spcAft>
-                          <a:spcPts val="0"/>
-                        </a:spcAft>
-                      </a:pPr>
-                      <a:endParaRPr lang="ru-RU" sz="1400">
+                      <a:endParaRPr lang="ru-RU" sz="1400" dirty="0">
                         <a:effectLst/>
                         <a:latin typeface="Trebuchet MS" panose="020B0603020202020204" pitchFamily="34" charset="0"/>
                         <a:ea typeface="Calibri" panose="020F0502020204030204" pitchFamily="34" charset="0"/>
@@ -16622,139 +16873,6 @@
                         </a:spcAft>
                       </a:pPr>
                       <a:endParaRPr lang="ru-RU" sz="1400" dirty="0">
-                        <a:effectLst/>
-                        <a:latin typeface="Trebuchet MS" panose="020B0603020202020204" pitchFamily="34" charset="0"/>
-                        <a:ea typeface="Calibri" panose="020F0502020204030204" pitchFamily="34" charset="0"/>
-                        <a:cs typeface="Times New Roman" panose="02020603050405020304" pitchFamily="18" charset="0"/>
-                      </a:endParaRPr>
-                    </a:p>
-                  </a:txBody>
-                  <a:tcPr marL="68580" marR="68580" marT="0" marB="0"/>
-                </a:tc>
-              </a:tr>
-              <a:tr h="235226">
-                <a:tc>
-                  <a:txBody>
-                    <a:bodyPr/>
-                    <a:lstStyle/>
-                    <a:p>
-                      <a:pPr algn="ctr">
-                        <a:lnSpc>
-                          <a:spcPct val="107000"/>
-                        </a:lnSpc>
-                        <a:spcAft>
-                          <a:spcPts val="0"/>
-                        </a:spcAft>
-                      </a:pPr>
-                      <a:r>
-                        <a:rPr lang="en-US" sz="1400">
-                          <a:effectLst/>
-                          <a:latin typeface="Trebuchet MS" panose="020B0603020202020204" pitchFamily="34" charset="0"/>
-                        </a:rPr>
-                        <a:t>n=2</a:t>
-                      </a:r>
-                      <a:endParaRPr lang="ru-RU" sz="1400">
-                        <a:effectLst/>
-                        <a:latin typeface="Trebuchet MS" panose="020B0603020202020204" pitchFamily="34" charset="0"/>
-                        <a:ea typeface="Calibri" panose="020F0502020204030204" pitchFamily="34" charset="0"/>
-                        <a:cs typeface="Times New Roman" panose="02020603050405020304" pitchFamily="18" charset="0"/>
-                      </a:endParaRPr>
-                    </a:p>
-                  </a:txBody>
-                  <a:tcPr marL="68580" marR="68580" marT="0" marB="0"/>
-                </a:tc>
-                <a:tc>
-                  <a:txBody>
-                    <a:bodyPr/>
-                    <a:lstStyle/>
-                    <a:p>
-                      <a:pPr algn="ctr">
-                        <a:lnSpc>
-                          <a:spcPct val="107000"/>
-                        </a:lnSpc>
-                        <a:spcAft>
-                          <a:spcPts val="0"/>
-                        </a:spcAft>
-                      </a:pPr>
-                      <a:endParaRPr lang="ru-RU" sz="1400">
-                        <a:effectLst/>
-                        <a:latin typeface="Trebuchet MS" panose="020B0603020202020204" pitchFamily="34" charset="0"/>
-                        <a:ea typeface="Calibri" panose="020F0502020204030204" pitchFamily="34" charset="0"/>
-                        <a:cs typeface="Times New Roman" panose="02020603050405020304" pitchFamily="18" charset="0"/>
-                      </a:endParaRPr>
-                    </a:p>
-                  </a:txBody>
-                  <a:tcPr marL="68580" marR="68580" marT="0" marB="0"/>
-                </a:tc>
-                <a:tc>
-                  <a:txBody>
-                    <a:bodyPr/>
-                    <a:lstStyle/>
-                    <a:p>
-                      <a:pPr algn="ctr">
-                        <a:lnSpc>
-                          <a:spcPct val="107000"/>
-                        </a:lnSpc>
-                        <a:spcAft>
-                          <a:spcPts val="0"/>
-                        </a:spcAft>
-                      </a:pPr>
-                      <a:endParaRPr lang="ru-RU" sz="1400" dirty="0">
-                        <a:effectLst/>
-                        <a:latin typeface="Trebuchet MS" panose="020B0603020202020204" pitchFamily="34" charset="0"/>
-                        <a:ea typeface="Calibri" panose="020F0502020204030204" pitchFamily="34" charset="0"/>
-                        <a:cs typeface="Times New Roman" panose="02020603050405020304" pitchFamily="18" charset="0"/>
-                      </a:endParaRPr>
-                    </a:p>
-                  </a:txBody>
-                  <a:tcPr marL="68580" marR="68580" marT="0" marB="0"/>
-                </a:tc>
-              </a:tr>
-              <a:tr h="235226">
-                <a:tc>
-                  <a:txBody>
-                    <a:bodyPr/>
-                    <a:lstStyle/>
-                    <a:p>
-                      <a:pPr>
-                        <a:lnSpc>
-                          <a:spcPct val="107000"/>
-                        </a:lnSpc>
-                        <a:spcAft>
-                          <a:spcPts val="0"/>
-                        </a:spcAft>
-                      </a:pPr>
-                      <a:r>
-                        <a:rPr lang="en-US" sz="1400">
-                          <a:effectLst/>
-                          <a:latin typeface="Trebuchet MS" panose="020B0603020202020204" pitchFamily="34" charset="0"/>
-                        </a:rPr>
-                        <a:t>a=0.001</a:t>
-                      </a:r>
-                      <a:endParaRPr lang="ru-RU" sz="1400">
-                        <a:effectLst/>
-                        <a:latin typeface="Trebuchet MS" panose="020B0603020202020204" pitchFamily="34" charset="0"/>
-                        <a:ea typeface="Calibri" panose="020F0502020204030204" pitchFamily="34" charset="0"/>
-                        <a:cs typeface="Times New Roman" panose="02020603050405020304" pitchFamily="18" charset="0"/>
-                      </a:endParaRPr>
-                    </a:p>
-                  </a:txBody>
-                  <a:tcPr marL="68580" marR="68580" marT="0" marB="0"/>
-                </a:tc>
-                <a:tc>
-                  <a:txBody>
-                    <a:bodyPr/>
-                    <a:lstStyle/>
-                    <a:p>
-                      <a:pPr algn="ctr">
-                        <a:lnSpc>
-                          <a:spcPct val="107000"/>
-                        </a:lnSpc>
-                        <a:spcAft>
-                          <a:spcPts val="0"/>
-                        </a:spcAft>
-                      </a:pPr>
-                      <a:endParaRPr lang="ru-RU" sz="1400">
                         <a:effectLst/>
                         <a:latin typeface="Trebuchet MS" panose="020B0603020202020204" pitchFamily="34" charset="0"/>
                         <a:ea typeface="Calibri" panose="020F0502020204030204" pitchFamily="34" charset="0"/>
@@ -16832,85 +16950,7 @@
                           <a:spcPts val="0"/>
                         </a:spcAft>
                       </a:pPr>
-                      <a:endParaRPr lang="ru-RU" sz="1400">
-                        <a:effectLst/>
-                        <a:latin typeface="Trebuchet MS" panose="020B0603020202020204" pitchFamily="34" charset="0"/>
-                        <a:ea typeface="Calibri" panose="020F0502020204030204" pitchFamily="34" charset="0"/>
-                        <a:cs typeface="Times New Roman" panose="02020603050405020304" pitchFamily="18" charset="0"/>
-                      </a:endParaRPr>
-                    </a:p>
-                  </a:txBody>
-                  <a:tcPr marL="68580" marR="68580" marT="0" marB="0"/>
-                </a:tc>
-                <a:tc>
-                  <a:txBody>
-                    <a:bodyPr/>
-                    <a:lstStyle/>
-                    <a:p>
-                      <a:pPr algn="ctr">
-                        <a:lnSpc>
-                          <a:spcPct val="107000"/>
-                        </a:lnSpc>
-                        <a:spcAft>
-                          <a:spcPts val="0"/>
-                        </a:spcAft>
-                      </a:pPr>
                       <a:endParaRPr lang="ru-RU" sz="1400" dirty="0">
-                        <a:effectLst/>
-                        <a:latin typeface="Trebuchet MS" panose="020B0603020202020204" pitchFamily="34" charset="0"/>
-                        <a:ea typeface="Calibri" panose="020F0502020204030204" pitchFamily="34" charset="0"/>
-                        <a:cs typeface="Times New Roman" panose="02020603050405020304" pitchFamily="18" charset="0"/>
-                      </a:endParaRPr>
-                    </a:p>
-                  </a:txBody>
-                  <a:tcPr marL="68580" marR="68580" marT="0" marB="0"/>
-                </a:tc>
-              </a:tr>
-              <a:tr h="331305">
-                <a:tc>
-                  <a:txBody>
-                    <a:bodyPr/>
-                    <a:lstStyle/>
-                    <a:p>
-                      <a:pPr algn="ctr">
-                        <a:lnSpc>
-                          <a:spcPct val="107000"/>
-                        </a:lnSpc>
-                        <a:spcAft>
-                          <a:spcPts val="0"/>
-                        </a:spcAft>
-                      </a:pPr>
-                      <a:r>
-                        <a:rPr lang="en-US" sz="1400">
-                          <a:effectLst/>
-                          <a:latin typeface="Trebuchet MS" panose="020B0603020202020204" pitchFamily="34" charset="0"/>
-                        </a:rPr>
-                        <a:t>n=3</a:t>
-                      </a:r>
-                      <a:endParaRPr lang="ru-RU" sz="1400">
-                        <a:effectLst/>
-                        <a:latin typeface="Trebuchet MS" panose="020B0603020202020204" pitchFamily="34" charset="0"/>
-                        <a:ea typeface="Calibri" panose="020F0502020204030204" pitchFamily="34" charset="0"/>
-                        <a:cs typeface="Times New Roman" panose="02020603050405020304" pitchFamily="18" charset="0"/>
-                      </a:endParaRPr>
-                    </a:p>
-                  </a:txBody>
-                  <a:tcPr marL="68580" marR="68580" marT="0" marB="0"/>
-                </a:tc>
-                <a:tc>
-                  <a:txBody>
-                    <a:bodyPr/>
-                    <a:lstStyle/>
-                    <a:p>
-                      <a:pPr algn="ctr">
-                        <a:lnSpc>
-                          <a:spcPct val="107000"/>
-                        </a:lnSpc>
-                        <a:spcAft>
-                          <a:spcPts val="0"/>
-                        </a:spcAft>
-                      </a:pPr>
-                      <a:endParaRPr lang="ru-RU" sz="1400">
                         <a:effectLst/>
                         <a:latin typeface="Trebuchet MS" panose="020B0603020202020204" pitchFamily="34" charset="0"/>
                         <a:ea typeface="Calibri" panose="020F0502020204030204" pitchFamily="34" charset="0"/>
@@ -16959,13 +16999,13 @@
                         </a:spcAft>
                       </a:pPr>
                       <a:r>
-                        <a:rPr lang="en-US" sz="1400">
+                        <a:rPr lang="en-US" sz="1400" dirty="0" smtClean="0">
                           <a:effectLst/>
                           <a:latin typeface="Trebuchet MS" panose="020B0603020202020204" pitchFamily="34" charset="0"/>
                         </a:rPr>
-                        <a:t>a=0.001</a:t>
+                        <a:t>a=10</a:t>
                       </a:r>
-                      <a:endParaRPr lang="ru-RU" sz="1400">
+                      <a:endParaRPr lang="ru-RU" sz="1400" dirty="0">
                         <a:effectLst/>
                         <a:latin typeface="Trebuchet MS" panose="020B0603020202020204" pitchFamily="34" charset="0"/>
                         <a:ea typeface="Calibri" panose="020F0502020204030204" pitchFamily="34" charset="0"/>
@@ -16988,7 +17028,7 @@
                           <a:spcPts val="0"/>
                         </a:spcAft>
                       </a:pPr>
-                      <a:endParaRPr lang="ru-RU" sz="1400">
+                      <a:endParaRPr lang="ru-RU" sz="1400" dirty="0">
                         <a:effectLst/>
                         <a:latin typeface="Trebuchet MS" panose="020B0603020202020204" pitchFamily="34" charset="0"/>
                         <a:ea typeface="Calibri" panose="020F0502020204030204" pitchFamily="34" charset="0"/>
@@ -17028,45 +17068,39 @@
                     <a:bodyPr/>
                     <a:lstStyle/>
                     <a:p>
-                      <a:pPr>
+                      <a:pPr marL="0" marR="0" indent="0" algn="l" defTabSz="914400" rtl="0" eaLnBrk="1" fontAlgn="auto" latinLnBrk="0" hangingPunct="1">
                         <a:lnSpc>
                           <a:spcPct val="107000"/>
                         </a:lnSpc>
+                        <a:spcBef>
+                          <a:spcPts val="0"/>
+                        </a:spcBef>
                         <a:spcAft>
                           <a:spcPts val="0"/>
                         </a:spcAft>
+                        <a:buClrTx/>
+                        <a:buSzTx/>
+                        <a:buFontTx/>
+                        <a:buNone/>
+                        <a:tabLst/>
+                        <a:defRPr/>
                       </a:pPr>
                       <a:r>
-                        <a:rPr lang="en-US" sz="1400">
+                        <a:rPr lang="en-US" sz="1400" dirty="0" smtClean="0">
                           <a:effectLst/>
                           <a:latin typeface="Trebuchet MS" panose="020B0603020202020204" pitchFamily="34" charset="0"/>
                         </a:rPr>
-                        <a:t>a=1</a:t>
+                        <a:t>a=10</a:t>
                       </a:r>
-                      <a:endParaRPr lang="ru-RU" sz="1400">
-                        <a:effectLst/>
-                        <a:latin typeface="Trebuchet MS" panose="020B0603020202020204" pitchFamily="34" charset="0"/>
-                        <a:ea typeface="Calibri" panose="020F0502020204030204" pitchFamily="34" charset="0"/>
-                        <a:cs typeface="Times New Roman" panose="02020603050405020304" pitchFamily="18" charset="0"/>
-                      </a:endParaRPr>
-                    </a:p>
-                  </a:txBody>
-                  <a:tcPr marL="68580" marR="68580" marT="0" marB="0"/>
-                </a:tc>
-                <a:tc>
-                  <a:txBody>
-                    <a:bodyPr/>
-                    <a:lstStyle/>
-                    <a:p>
-                      <a:pPr algn="ctr">
-                        <a:lnSpc>
-                          <a:spcPct val="107000"/>
-                        </a:lnSpc>
-                        <a:spcAft>
-                          <a:spcPts val="0"/>
-                        </a:spcAft>
-                      </a:pPr>
-                      <a:endParaRPr lang="ru-RU" sz="1400">
+                      <a:r>
+                        <a:rPr lang="ru-RU" sz="1400" dirty="0" smtClean="0">
+                          <a:effectLst/>
+                          <a:latin typeface="Trebuchet MS" panose="020B0603020202020204" pitchFamily="34" charset="0"/>
+                          <a:cs typeface="Times New Roman" panose="02020603050405020304" pitchFamily="18" charset="0"/>
+                        </a:rPr>
+                        <a:t>0</a:t>
+                      </a:r>
+                      <a:endParaRPr lang="ru-RU" sz="1400" dirty="0" smtClean="0">
                         <a:effectLst/>
                         <a:latin typeface="Trebuchet MS" panose="020B0603020202020204" pitchFamily="34" charset="0"/>
                         <a:ea typeface="Calibri" panose="020F0502020204030204" pitchFamily="34" charset="0"/>
@@ -17090,61 +17124,6 @@
                         </a:spcAft>
                       </a:pPr>
                       <a:endParaRPr lang="ru-RU" sz="1400" dirty="0">
-                        <a:effectLst/>
-                        <a:latin typeface="Trebuchet MS" panose="020B0603020202020204" pitchFamily="34" charset="0"/>
-                        <a:ea typeface="Calibri" panose="020F0502020204030204" pitchFamily="34" charset="0"/>
-                        <a:cs typeface="Times New Roman" panose="02020603050405020304" pitchFamily="18" charset="0"/>
-                      </a:endParaRPr>
-                    </a:p>
-                  </a:txBody>
-                  <a:tcPr marL="68580" marR="68580" marT="0" marB="0"/>
-                </a:tc>
-              </a:tr>
-              <a:tr h="235226">
-                <a:tc>
-                  <a:txBody>
-                    <a:bodyPr/>
-                    <a:lstStyle/>
-                    <a:p>
-                      <a:pPr>
-                        <a:lnSpc>
-                          <a:spcPct val="107000"/>
-                        </a:lnSpc>
-                        <a:spcAft>
-                          <a:spcPts val="0"/>
-                        </a:spcAft>
-                      </a:pPr>
-                      <a:r>
-                        <a:rPr lang="en-US" sz="1400" dirty="0">
-                          <a:effectLst/>
-                          <a:latin typeface="Trebuchet MS" panose="020B0603020202020204" pitchFamily="34" charset="0"/>
-                        </a:rPr>
-                        <a:t>a=100</a:t>
-                      </a:r>
-                      <a:endParaRPr lang="ru-RU" sz="1400" dirty="0">
-                        <a:effectLst/>
-                        <a:latin typeface="Trebuchet MS" panose="020B0603020202020204" pitchFamily="34" charset="0"/>
-                        <a:ea typeface="Calibri" panose="020F0502020204030204" pitchFamily="34" charset="0"/>
-                        <a:cs typeface="Times New Roman" panose="02020603050405020304" pitchFamily="18" charset="0"/>
-                      </a:endParaRPr>
-                    </a:p>
-                  </a:txBody>
-                  <a:tcPr marL="68580" marR="68580" marT="0" marB="0"/>
-                </a:tc>
-                <a:tc>
-                  <a:txBody>
-                    <a:bodyPr/>
-                    <a:lstStyle/>
-                    <a:p>
-                      <a:pPr algn="ctr">
-                        <a:lnSpc>
-                          <a:spcPct val="107000"/>
-                        </a:lnSpc>
-                        <a:spcAft>
-                          <a:spcPts val="0"/>
-                        </a:spcAft>
-                      </a:pPr>
-                      <a:endParaRPr lang="ru-RU" sz="1400">
                         <a:effectLst/>
                         <a:latin typeface="Trebuchet MS" panose="020B0603020202020204" pitchFamily="34" charset="0"/>
                         <a:ea typeface="Calibri" panose="020F0502020204030204" pitchFamily="34" charset="0"/>
@@ -17206,7 +17185,7 @@
             <a:r>
               <a:rPr lang="en-US" sz="1200" b="1" dirty="0">
                 <a:solidFill>
-                  <a:schemeClr val="bg1"/>
+                  <a:prstClr val="white"/>
                 </a:solidFill>
               </a:rPr>
               <a:t>ML-course.   </a:t>
@@ -17214,14 +17193,14 @@
             <a:r>
               <a:rPr lang="en-US" sz="1200" b="1" dirty="0" smtClean="0">
                 <a:solidFill>
-                  <a:schemeClr val="bg1"/>
+                  <a:prstClr val="white"/>
                 </a:solidFill>
               </a:rPr>
               <a:t>Regression</a:t>
             </a:r>
             <a:endParaRPr lang="ru-RU" sz="1200" dirty="0">
               <a:solidFill>
-                <a:schemeClr val="bg1"/>
+                <a:prstClr val="white"/>
               </a:solidFill>
             </a:endParaRPr>
           </a:p>
@@ -17230,7 +17209,7 @@
     </p:spTree>
     <p:extLst>
       <p:ext uri="{BB962C8B-B14F-4D97-AF65-F5344CB8AC3E}">
-        <p14:creationId xmlns:p14="http://schemas.microsoft.com/office/powerpoint/2010/main" val="1084570235"/>
+        <p14:creationId xmlns:p14="http://schemas.microsoft.com/office/powerpoint/2010/main" val="1620331813"/>
       </p:ext>
     </p:extLst>
   </p:cSld>

--- a/lecture_regression/presentation/lecture_regression.pptx
+++ b/lecture_regression/presentation/lecture_regression.pptx
@@ -15365,14 +15365,14 @@
           <p:nvPr>
             <p:extLst>
               <p:ext uri="{D42A27DB-BD31-4B8C-83A1-F6EECF244321}">
-                <p14:modId xmlns:p14="http://schemas.microsoft.com/office/powerpoint/2010/main" val="2368488931"/>
+                <p14:modId xmlns:p14="http://schemas.microsoft.com/office/powerpoint/2010/main" val="39919954"/>
               </p:ext>
             </p:extLst>
           </p:nvPr>
         </p:nvGraphicFramePr>
         <p:xfrm>
           <a:off x="183996" y="1066801"/>
-          <a:ext cx="8883805" cy="4939746"/>
+          <a:ext cx="8883805" cy="4469294"/>
         </p:xfrm>
         <a:graphic>
           <a:graphicData uri="http://schemas.openxmlformats.org/drawingml/2006/table">
@@ -16393,14 +16393,7 @@
                           <a:effectLst/>
                           <a:latin typeface="Trebuchet MS" panose="020B0603020202020204" pitchFamily="34" charset="0"/>
                         </a:rPr>
-                        <a:t>a=</a:t>
-                      </a:r>
-                      <a:r>
-                        <a:rPr lang="ru-RU" sz="1400" dirty="0" smtClean="0">
-                          <a:effectLst/>
-                          <a:latin typeface="Trebuchet MS" panose="020B0603020202020204" pitchFamily="34" charset="0"/>
-                        </a:rPr>
-                        <a:t>1</a:t>
+                        <a:t>a=0.5</a:t>
                       </a:r>
                       <a:endParaRPr lang="ru-RU" sz="1400" dirty="0">
                         <a:effectLst/>
@@ -16480,7 +16473,7 @@
                           <a:ea typeface="Calibri" panose="020F0502020204030204" pitchFamily="34" charset="0"/>
                           <a:cs typeface="Times New Roman" panose="02020603050405020304" pitchFamily="18" charset="0"/>
                         </a:rPr>
-                        <a:t>a=10</a:t>
+                        <a:t>a=1</a:t>
                       </a:r>
                       <a:endParaRPr lang="ru-RU" sz="1400" dirty="0">
                         <a:effectLst/>
@@ -16506,95 +16499,6 @@
                         </a:spcAft>
                       </a:pPr>
                       <a:endParaRPr lang="ru-RU" sz="1400">
-                        <a:effectLst/>
-                        <a:latin typeface="Trebuchet MS" panose="020B0603020202020204" pitchFamily="34" charset="0"/>
-                        <a:ea typeface="Calibri" panose="020F0502020204030204" pitchFamily="34" charset="0"/>
-                        <a:cs typeface="Times New Roman" panose="02020603050405020304" pitchFamily="18" charset="0"/>
-                      </a:endParaRPr>
-                    </a:p>
-                  </a:txBody>
-                  <a:tcPr marL="68580" marR="68580" marT="0" marB="0"/>
-                </a:tc>
-                <a:tc>
-                  <a:txBody>
-                    <a:bodyPr/>
-                    <a:lstStyle/>
-                    <a:p>
-                      <a:pPr algn="ctr">
-                        <a:lnSpc>
-                          <a:spcPct val="107000"/>
-                        </a:lnSpc>
-                        <a:spcAft>
-                          <a:spcPts val="0"/>
-                        </a:spcAft>
-                      </a:pPr>
-                      <a:endParaRPr lang="ru-RU" sz="1400" dirty="0">
-                        <a:effectLst/>
-                        <a:latin typeface="Trebuchet MS" panose="020B0603020202020204" pitchFamily="34" charset="0"/>
-                        <a:ea typeface="Calibri" panose="020F0502020204030204" pitchFamily="34" charset="0"/>
-                        <a:cs typeface="Times New Roman" panose="02020603050405020304" pitchFamily="18" charset="0"/>
-                      </a:endParaRPr>
-                    </a:p>
-                  </a:txBody>
-                  <a:tcPr marL="68580" marR="68580" marT="0" marB="0"/>
-                </a:tc>
-              </a:tr>
-              <a:tr h="235226">
-                <a:tc>
-                  <a:txBody>
-                    <a:bodyPr/>
-                    <a:lstStyle/>
-                    <a:p>
-                      <a:pPr marL="0" marR="0" indent="0" algn="l" defTabSz="914400" rtl="0" eaLnBrk="1" fontAlgn="auto" latinLnBrk="0" hangingPunct="1">
-                        <a:lnSpc>
-                          <a:spcPct val="107000"/>
-                        </a:lnSpc>
-                        <a:spcBef>
-                          <a:spcPts val="0"/>
-                        </a:spcBef>
-                        <a:spcAft>
-                          <a:spcPts val="0"/>
-                        </a:spcAft>
-                        <a:buClrTx/>
-                        <a:buSzTx/>
-                        <a:buFontTx/>
-                        <a:buNone/>
-                        <a:tabLst/>
-                        <a:defRPr/>
-                      </a:pPr>
-                      <a:r>
-                        <a:rPr lang="en-US" sz="1400" dirty="0" smtClean="0">
-                          <a:effectLst/>
-                          <a:latin typeface="Trebuchet MS" panose="020B0603020202020204" pitchFamily="34" charset="0"/>
-                          <a:ea typeface="Calibri" panose="020F0502020204030204" pitchFamily="34" charset="0"/>
-                          <a:cs typeface="Times New Roman" panose="02020603050405020304" pitchFamily="18" charset="0"/>
-                        </a:rPr>
-                        <a:t>a=100</a:t>
-                      </a:r>
-                      <a:endParaRPr lang="ru-RU" sz="1400" dirty="0">
-                        <a:effectLst/>
-                        <a:latin typeface="Trebuchet MS" panose="020B0603020202020204" pitchFamily="34" charset="0"/>
-                        <a:ea typeface="Calibri" panose="020F0502020204030204" pitchFamily="34" charset="0"/>
-                        <a:cs typeface="Times New Roman" panose="02020603050405020304" pitchFamily="18" charset="0"/>
-                      </a:endParaRPr>
-                    </a:p>
-                  </a:txBody>
-                  <a:tcPr marL="68580" marR="68580" marT="0" marB="0"/>
-                </a:tc>
-                <a:tc>
-                  <a:txBody>
-                    <a:bodyPr/>
-                    <a:lstStyle/>
-                    <a:p>
-                      <a:pPr algn="ctr">
-                        <a:lnSpc>
-                          <a:spcPct val="107000"/>
-                        </a:lnSpc>
-                        <a:spcAft>
-                          <a:spcPts val="0"/>
-                        </a:spcAft>
-                      </a:pPr>
-                      <a:endParaRPr lang="ru-RU" sz="1400" dirty="0">
                         <a:effectLst/>
                         <a:latin typeface="Trebuchet MS" panose="020B0603020202020204" pitchFamily="34" charset="0"/>
                         <a:ea typeface="Calibri" panose="020F0502020204030204" pitchFamily="34" charset="0"/>
@@ -16921,13 +16825,13 @@
                         </a:spcAft>
                       </a:pPr>
                       <a:r>
-                        <a:rPr lang="en-US" sz="1400">
+                        <a:rPr lang="en-US" sz="1400" dirty="0" smtClean="0">
                           <a:effectLst/>
                           <a:latin typeface="Trebuchet MS" panose="020B0603020202020204" pitchFamily="34" charset="0"/>
                         </a:rPr>
-                        <a:t>a=1</a:t>
+                        <a:t>a=0.5</a:t>
                       </a:r>
-                      <a:endParaRPr lang="ru-RU" sz="1400">
+                      <a:endParaRPr lang="ru-RU" sz="1400" dirty="0">
                         <a:effectLst/>
                         <a:latin typeface="Trebuchet MS" panose="020B0603020202020204" pitchFamily="34" charset="0"/>
                         <a:ea typeface="Calibri" panose="020F0502020204030204" pitchFamily="34" charset="0"/>
@@ -17002,105 +16906,12 @@
                         <a:rPr lang="en-US" sz="1400" dirty="0" smtClean="0">
                           <a:effectLst/>
                           <a:latin typeface="Trebuchet MS" panose="020B0603020202020204" pitchFamily="34" charset="0"/>
+                          <a:ea typeface="Calibri" panose="020F0502020204030204" pitchFamily="34" charset="0"/>
+                          <a:cs typeface="Times New Roman" panose="02020603050405020304" pitchFamily="18" charset="0"/>
                         </a:rPr>
-                        <a:t>a=10</a:t>
+                        <a:t>a=1</a:t>
                       </a:r>
                       <a:endParaRPr lang="ru-RU" sz="1400" dirty="0">
-                        <a:effectLst/>
-                        <a:latin typeface="Trebuchet MS" panose="020B0603020202020204" pitchFamily="34" charset="0"/>
-                        <a:ea typeface="Calibri" panose="020F0502020204030204" pitchFamily="34" charset="0"/>
-                        <a:cs typeface="Times New Roman" panose="02020603050405020304" pitchFamily="18" charset="0"/>
-                      </a:endParaRPr>
-                    </a:p>
-                  </a:txBody>
-                  <a:tcPr marL="68580" marR="68580" marT="0" marB="0"/>
-                </a:tc>
-                <a:tc>
-                  <a:txBody>
-                    <a:bodyPr/>
-                    <a:lstStyle/>
-                    <a:p>
-                      <a:pPr algn="ctr">
-                        <a:lnSpc>
-                          <a:spcPct val="107000"/>
-                        </a:lnSpc>
-                        <a:spcAft>
-                          <a:spcPts val="0"/>
-                        </a:spcAft>
-                      </a:pPr>
-                      <a:endParaRPr lang="ru-RU" sz="1400" dirty="0">
-                        <a:effectLst/>
-                        <a:latin typeface="Trebuchet MS" panose="020B0603020202020204" pitchFamily="34" charset="0"/>
-                        <a:ea typeface="Calibri" panose="020F0502020204030204" pitchFamily="34" charset="0"/>
-                        <a:cs typeface="Times New Roman" panose="02020603050405020304" pitchFamily="18" charset="0"/>
-                      </a:endParaRPr>
-                    </a:p>
-                  </a:txBody>
-                  <a:tcPr marL="68580" marR="68580" marT="0" marB="0"/>
-                </a:tc>
-                <a:tc>
-                  <a:txBody>
-                    <a:bodyPr/>
-                    <a:lstStyle/>
-                    <a:p>
-                      <a:pPr algn="ctr">
-                        <a:lnSpc>
-                          <a:spcPct val="107000"/>
-                        </a:lnSpc>
-                        <a:spcAft>
-                          <a:spcPts val="0"/>
-                        </a:spcAft>
-                      </a:pPr>
-                      <a:endParaRPr lang="ru-RU" sz="1400" dirty="0">
-                        <a:effectLst/>
-                        <a:latin typeface="Trebuchet MS" panose="020B0603020202020204" pitchFamily="34" charset="0"/>
-                        <a:ea typeface="Calibri" panose="020F0502020204030204" pitchFamily="34" charset="0"/>
-                        <a:cs typeface="Times New Roman" panose="02020603050405020304" pitchFamily="18" charset="0"/>
-                      </a:endParaRPr>
-                    </a:p>
-                  </a:txBody>
-                  <a:tcPr marL="68580" marR="68580" marT="0" marB="0"/>
-                </a:tc>
-              </a:tr>
-              <a:tr h="235226">
-                <a:tc>
-                  <a:txBody>
-                    <a:bodyPr/>
-                    <a:lstStyle/>
-                    <a:p>
-                      <a:pPr marL="0" marR="0" indent="0" algn="l" defTabSz="914400" rtl="0" eaLnBrk="1" fontAlgn="auto" latinLnBrk="0" hangingPunct="1">
-                        <a:lnSpc>
-                          <a:spcPct val="107000"/>
-                        </a:lnSpc>
-                        <a:spcBef>
-                          <a:spcPts val="0"/>
-                        </a:spcBef>
-                        <a:spcAft>
-                          <a:spcPts val="0"/>
-                        </a:spcAft>
-                        <a:buClrTx/>
-                        <a:buSzTx/>
-                        <a:buFontTx/>
-                        <a:buNone/>
-                        <a:tabLst/>
-                        <a:defRPr/>
-                      </a:pPr>
-                      <a:r>
-                        <a:rPr lang="en-US" sz="1400" dirty="0" smtClean="0">
-                          <a:effectLst/>
-                          <a:latin typeface="Trebuchet MS" panose="020B0603020202020204" pitchFamily="34" charset="0"/>
-                        </a:rPr>
-                        <a:t>a=10</a:t>
-                      </a:r>
-                      <a:r>
-                        <a:rPr lang="ru-RU" sz="1400" dirty="0" smtClean="0">
-                          <a:effectLst/>
-                          <a:latin typeface="Trebuchet MS" panose="020B0603020202020204" pitchFamily="34" charset="0"/>
-                          <a:cs typeface="Times New Roman" panose="02020603050405020304" pitchFamily="18" charset="0"/>
-                        </a:rPr>
-                        <a:t>0</a:t>
-                      </a:r>
-                      <a:endParaRPr lang="ru-RU" sz="1400" dirty="0" smtClean="0">
                         <a:effectLst/>
                         <a:latin typeface="Trebuchet MS" panose="020B0603020202020204" pitchFamily="34" charset="0"/>
                         <a:ea typeface="Calibri" panose="020F0502020204030204" pitchFamily="34" charset="0"/>

--- a/lecture_regression/presentation/lecture_regression.pptx
+++ b/lecture_regression/presentation/lecture_regression.pptx
@@ -15365,14 +15365,14 @@
           <p:nvPr>
             <p:extLst>
               <p:ext uri="{D42A27DB-BD31-4B8C-83A1-F6EECF244321}">
-                <p14:modId xmlns:p14="http://schemas.microsoft.com/office/powerpoint/2010/main" val="39919954"/>
+                <p14:modId xmlns:p14="http://schemas.microsoft.com/office/powerpoint/2010/main" val="558659771"/>
               </p:ext>
             </p:extLst>
           </p:nvPr>
         </p:nvGraphicFramePr>
         <p:xfrm>
           <a:off x="183996" y="1066801"/>
-          <a:ext cx="8883805" cy="4469294"/>
+          <a:ext cx="8883805" cy="4939746"/>
         </p:xfrm>
         <a:graphic>
           <a:graphicData uri="http://schemas.openxmlformats.org/drawingml/2006/table">
@@ -16393,7 +16393,14 @@
                           <a:effectLst/>
                           <a:latin typeface="Trebuchet MS" panose="020B0603020202020204" pitchFamily="34" charset="0"/>
                         </a:rPr>
-                        <a:t>a=0.5</a:t>
+                        <a:t>a=</a:t>
+                      </a:r>
+                      <a:r>
+                        <a:rPr lang="ru-RU" sz="1400" dirty="0" smtClean="0">
+                          <a:effectLst/>
+                          <a:latin typeface="Trebuchet MS" panose="020B0603020202020204" pitchFamily="34" charset="0"/>
+                        </a:rPr>
+                        <a:t>1</a:t>
                       </a:r>
                       <a:endParaRPr lang="ru-RU" sz="1400" dirty="0">
                         <a:effectLst/>
@@ -16475,7 +16482,123 @@
                         </a:rPr>
                         <a:t>a=1</a:t>
                       </a:r>
+                      <a:r>
+                        <a:rPr lang="ru-RU" sz="1400" dirty="0" smtClean="0">
+                          <a:effectLst/>
+                          <a:latin typeface="Trebuchet MS" panose="020B0603020202020204" pitchFamily="34" charset="0"/>
+                          <a:ea typeface="Calibri" panose="020F0502020204030204" pitchFamily="34" charset="0"/>
+                          <a:cs typeface="Times New Roman" panose="02020603050405020304" pitchFamily="18" charset="0"/>
+                        </a:rPr>
+                        <a:t>0</a:t>
+                      </a:r>
                       <a:endParaRPr lang="ru-RU" sz="1400" dirty="0">
+                        <a:effectLst/>
+                        <a:latin typeface="Trebuchet MS" panose="020B0603020202020204" pitchFamily="34" charset="0"/>
+                        <a:ea typeface="Calibri" panose="020F0502020204030204" pitchFamily="34" charset="0"/>
+                        <a:cs typeface="Times New Roman" panose="02020603050405020304" pitchFamily="18" charset="0"/>
+                      </a:endParaRPr>
+                    </a:p>
+                  </a:txBody>
+                  <a:tcPr marL="68580" marR="68580" marT="0" marB="0"/>
+                </a:tc>
+                <a:tc>
+                  <a:txBody>
+                    <a:bodyPr/>
+                    <a:lstStyle/>
+                    <a:p>
+                      <a:pPr algn="ctr">
+                        <a:lnSpc>
+                          <a:spcPct val="107000"/>
+                        </a:lnSpc>
+                        <a:spcAft>
+                          <a:spcPts val="0"/>
+                        </a:spcAft>
+                      </a:pPr>
+                      <a:endParaRPr lang="ru-RU" sz="1400">
+                        <a:effectLst/>
+                        <a:latin typeface="Trebuchet MS" panose="020B0603020202020204" pitchFamily="34" charset="0"/>
+                        <a:ea typeface="Calibri" panose="020F0502020204030204" pitchFamily="34" charset="0"/>
+                        <a:cs typeface="Times New Roman" panose="02020603050405020304" pitchFamily="18" charset="0"/>
+                      </a:endParaRPr>
+                    </a:p>
+                  </a:txBody>
+                  <a:tcPr marL="68580" marR="68580" marT="0" marB="0"/>
+                </a:tc>
+                <a:tc>
+                  <a:txBody>
+                    <a:bodyPr/>
+                    <a:lstStyle/>
+                    <a:p>
+                      <a:pPr algn="ctr">
+                        <a:lnSpc>
+                          <a:spcPct val="107000"/>
+                        </a:lnSpc>
+                        <a:spcAft>
+                          <a:spcPts val="0"/>
+                        </a:spcAft>
+                      </a:pPr>
+                      <a:endParaRPr lang="ru-RU" sz="1400" dirty="0">
+                        <a:effectLst/>
+                        <a:latin typeface="Trebuchet MS" panose="020B0603020202020204" pitchFamily="34" charset="0"/>
+                        <a:ea typeface="Calibri" panose="020F0502020204030204" pitchFamily="34" charset="0"/>
+                        <a:cs typeface="Times New Roman" panose="02020603050405020304" pitchFamily="18" charset="0"/>
+                      </a:endParaRPr>
+                    </a:p>
+                  </a:txBody>
+                  <a:tcPr marL="68580" marR="68580" marT="0" marB="0"/>
+                </a:tc>
+              </a:tr>
+              <a:tr h="235226">
+                <a:tc>
+                  <a:txBody>
+                    <a:bodyPr/>
+                    <a:lstStyle/>
+                    <a:p>
+                      <a:pPr marL="0" marR="0" indent="0" algn="l" defTabSz="914400" rtl="0" eaLnBrk="1" fontAlgn="auto" latinLnBrk="0" hangingPunct="1">
+                        <a:lnSpc>
+                          <a:spcPct val="107000"/>
+                        </a:lnSpc>
+                        <a:spcBef>
+                          <a:spcPts val="0"/>
+                        </a:spcBef>
+                        <a:spcAft>
+                          <a:spcPts val="0"/>
+                        </a:spcAft>
+                        <a:buClrTx/>
+                        <a:buSzTx/>
+                        <a:buFontTx/>
+                        <a:buNone/>
+                        <a:tabLst/>
+                        <a:defRPr/>
+                      </a:pPr>
+                      <a:r>
+                        <a:rPr lang="en-US" sz="1400" dirty="0" smtClean="0">
+                          <a:effectLst/>
+                          <a:latin typeface="Trebuchet MS" panose="020B0603020202020204" pitchFamily="34" charset="0"/>
+                          <a:ea typeface="Calibri" panose="020F0502020204030204" pitchFamily="34" charset="0"/>
+                          <a:cs typeface="Times New Roman" panose="02020603050405020304" pitchFamily="18" charset="0"/>
+                        </a:rPr>
+                        <a:t>a=1</a:t>
+                      </a:r>
+                      <a:r>
+                        <a:rPr lang="ru-RU" sz="1400" dirty="0" smtClean="0">
+                          <a:effectLst/>
+                          <a:latin typeface="Trebuchet MS" panose="020B0603020202020204" pitchFamily="34" charset="0"/>
+                          <a:ea typeface="Calibri" panose="020F0502020204030204" pitchFamily="34" charset="0"/>
+                          <a:cs typeface="Times New Roman" panose="02020603050405020304" pitchFamily="18" charset="0"/>
+                        </a:rPr>
+                        <a:t>0</a:t>
+                      </a:r>
+                      <a:r>
+                        <a:rPr lang="ru-RU" sz="1400" dirty="0">
+                          <a:effectLst/>
+                          <a:latin typeface="Trebuchet MS" panose="020B0603020202020204" pitchFamily="34" charset="0"/>
+                          <a:ea typeface="Calibri" panose="020F0502020204030204" pitchFamily="34" charset="0"/>
+                          <a:cs typeface="Times New Roman" panose="02020603050405020304" pitchFamily="18" charset="0"/>
+                        </a:rPr>
+                        <a:t>0</a:t>
+                      </a:r>
+                      <a:endParaRPr lang="ru-RU" sz="1400" dirty="0" smtClean="0">
                         <a:effectLst/>
                         <a:latin typeface="Trebuchet MS" panose="020B0603020202020204" pitchFamily="34" charset="0"/>
                         <a:ea typeface="Calibri" panose="020F0502020204030204" pitchFamily="34" charset="0"/>
@@ -16829,7 +16952,14 @@
                           <a:effectLst/>
                           <a:latin typeface="Trebuchet MS" panose="020B0603020202020204" pitchFamily="34" charset="0"/>
                         </a:rPr>
-                        <a:t>a=0.5</a:t>
+                        <a:t>a=</a:t>
+                      </a:r>
+                      <a:r>
+                        <a:rPr lang="ru-RU" sz="1400" dirty="0" smtClean="0">
+                          <a:effectLst/>
+                          <a:latin typeface="Trebuchet MS" panose="020B0603020202020204" pitchFamily="34" charset="0"/>
+                        </a:rPr>
+                        <a:t>1</a:t>
                       </a:r>
                       <a:endParaRPr lang="ru-RU" sz="1400" dirty="0">
                         <a:effectLst/>
@@ -16911,7 +17041,123 @@
                         </a:rPr>
                         <a:t>a=1</a:t>
                       </a:r>
+                      <a:r>
+                        <a:rPr lang="ru-RU" sz="1400" dirty="0" smtClean="0">
+                          <a:effectLst/>
+                          <a:latin typeface="Trebuchet MS" panose="020B0603020202020204" pitchFamily="34" charset="0"/>
+                          <a:ea typeface="Calibri" panose="020F0502020204030204" pitchFamily="34" charset="0"/>
+                          <a:cs typeface="Times New Roman" panose="02020603050405020304" pitchFamily="18" charset="0"/>
+                        </a:rPr>
+                        <a:t>0</a:t>
+                      </a:r>
                       <a:endParaRPr lang="ru-RU" sz="1400" dirty="0">
+                        <a:effectLst/>
+                        <a:latin typeface="Trebuchet MS" panose="020B0603020202020204" pitchFamily="34" charset="0"/>
+                        <a:ea typeface="Calibri" panose="020F0502020204030204" pitchFamily="34" charset="0"/>
+                        <a:cs typeface="Times New Roman" panose="02020603050405020304" pitchFamily="18" charset="0"/>
+                      </a:endParaRPr>
+                    </a:p>
+                  </a:txBody>
+                  <a:tcPr marL="68580" marR="68580" marT="0" marB="0"/>
+                </a:tc>
+                <a:tc>
+                  <a:txBody>
+                    <a:bodyPr/>
+                    <a:lstStyle/>
+                    <a:p>
+                      <a:pPr algn="ctr">
+                        <a:lnSpc>
+                          <a:spcPct val="107000"/>
+                        </a:lnSpc>
+                        <a:spcAft>
+                          <a:spcPts val="0"/>
+                        </a:spcAft>
+                      </a:pPr>
+                      <a:endParaRPr lang="ru-RU" sz="1400" dirty="0">
+                        <a:effectLst/>
+                        <a:latin typeface="Trebuchet MS" panose="020B0603020202020204" pitchFamily="34" charset="0"/>
+                        <a:ea typeface="Calibri" panose="020F0502020204030204" pitchFamily="34" charset="0"/>
+                        <a:cs typeface="Times New Roman" panose="02020603050405020304" pitchFamily="18" charset="0"/>
+                      </a:endParaRPr>
+                    </a:p>
+                  </a:txBody>
+                  <a:tcPr marL="68580" marR="68580" marT="0" marB="0"/>
+                </a:tc>
+                <a:tc>
+                  <a:txBody>
+                    <a:bodyPr/>
+                    <a:lstStyle/>
+                    <a:p>
+                      <a:pPr algn="ctr">
+                        <a:lnSpc>
+                          <a:spcPct val="107000"/>
+                        </a:lnSpc>
+                        <a:spcAft>
+                          <a:spcPts val="0"/>
+                        </a:spcAft>
+                      </a:pPr>
+                      <a:endParaRPr lang="ru-RU" sz="1400" dirty="0">
+                        <a:effectLst/>
+                        <a:latin typeface="Trebuchet MS" panose="020B0603020202020204" pitchFamily="34" charset="0"/>
+                        <a:ea typeface="Calibri" panose="020F0502020204030204" pitchFamily="34" charset="0"/>
+                        <a:cs typeface="Times New Roman" panose="02020603050405020304" pitchFamily="18" charset="0"/>
+                      </a:endParaRPr>
+                    </a:p>
+                  </a:txBody>
+                  <a:tcPr marL="68580" marR="68580" marT="0" marB="0"/>
+                </a:tc>
+              </a:tr>
+              <a:tr h="235226">
+                <a:tc>
+                  <a:txBody>
+                    <a:bodyPr/>
+                    <a:lstStyle/>
+                    <a:p>
+                      <a:pPr marL="0" marR="0" indent="0" algn="l" defTabSz="914400" rtl="0" eaLnBrk="1" fontAlgn="auto" latinLnBrk="0" hangingPunct="1">
+                        <a:lnSpc>
+                          <a:spcPct val="107000"/>
+                        </a:lnSpc>
+                        <a:spcBef>
+                          <a:spcPts val="0"/>
+                        </a:spcBef>
+                        <a:spcAft>
+                          <a:spcPts val="0"/>
+                        </a:spcAft>
+                        <a:buClrTx/>
+                        <a:buSzTx/>
+                        <a:buFontTx/>
+                        <a:buNone/>
+                        <a:tabLst/>
+                        <a:defRPr/>
+                      </a:pPr>
+                      <a:r>
+                        <a:rPr lang="en-US" sz="1400" dirty="0" smtClean="0">
+                          <a:effectLst/>
+                          <a:latin typeface="Trebuchet MS" panose="020B0603020202020204" pitchFamily="34" charset="0"/>
+                          <a:ea typeface="Calibri" panose="020F0502020204030204" pitchFamily="34" charset="0"/>
+                          <a:cs typeface="Times New Roman" panose="02020603050405020304" pitchFamily="18" charset="0"/>
+                        </a:rPr>
+                        <a:t>a=1</a:t>
+                      </a:r>
+                      <a:r>
+                        <a:rPr lang="ru-RU" sz="1400" dirty="0" smtClean="0">
+                          <a:effectLst/>
+                          <a:latin typeface="Trebuchet MS" panose="020B0603020202020204" pitchFamily="34" charset="0"/>
+                          <a:ea typeface="Calibri" panose="020F0502020204030204" pitchFamily="34" charset="0"/>
+                          <a:cs typeface="Times New Roman" panose="02020603050405020304" pitchFamily="18" charset="0"/>
+                        </a:rPr>
+                        <a:t>0</a:t>
+                      </a:r>
+                      <a:r>
+                        <a:rPr lang="ru-RU" sz="1400" dirty="0">
+                          <a:effectLst/>
+                          <a:latin typeface="Trebuchet MS" panose="020B0603020202020204" pitchFamily="34" charset="0"/>
+                          <a:ea typeface="Calibri" panose="020F0502020204030204" pitchFamily="34" charset="0"/>
+                          <a:cs typeface="Times New Roman" panose="02020603050405020304" pitchFamily="18" charset="0"/>
+                        </a:rPr>
+                        <a:t>0</a:t>
+                      </a:r>
+                      <a:endParaRPr lang="ru-RU" sz="1400" dirty="0" smtClean="0">
                         <a:effectLst/>
                         <a:latin typeface="Trebuchet MS" panose="020B0603020202020204" pitchFamily="34" charset="0"/>
                         <a:ea typeface="Calibri" panose="020F0502020204030204" pitchFamily="34" charset="0"/>

--- a/lecture_regression/presentation/lecture_regression.pptx
+++ b/lecture_regression/presentation/lecture_regression.pptx
@@ -31,10 +31,10 @@
     <p:sldId id="381" r:id="rId19"/>
     <p:sldId id="382" r:id="rId20"/>
     <p:sldId id="384" r:id="rId21"/>
-    <p:sldId id="387" r:id="rId22"/>
-    <p:sldId id="385" r:id="rId23"/>
-    <p:sldId id="386" r:id="rId24"/>
-    <p:sldId id="383" r:id="rId25"/>
+    <p:sldId id="385" r:id="rId22"/>
+    <p:sldId id="386" r:id="rId23"/>
+    <p:sldId id="383" r:id="rId24"/>
+    <p:sldId id="387" r:id="rId25"/>
     <p:sldId id="294" r:id="rId26"/>
   </p:sldIdLst>
   <p:sldSz cx="9144000" cy="6858000" type="screen4x3"/>
@@ -235,7 +235,7 @@
           <a:p>
             <a:fld id="{8CCD710B-DBEB-48B9-BE37-6CC35DC50D83}" type="datetimeFigureOut">
               <a:rPr lang="ru-RU" smtClean="0"/>
-              <a:t>23.05.2018</a:t>
+              <a:t>24.05.2018</a:t>
             </a:fld>
             <a:endParaRPr lang="ru-RU"/>
           </a:p>
@@ -400,7 +400,7 @@
           <a:p>
             <a:fld id="{599FBC4C-1749-4424-9522-1B6D127EF272}" type="datetimeFigureOut">
               <a:rPr lang="ru-RU" smtClean="0"/>
-              <a:t>23.05.2018</a:t>
+              <a:t>24.05.2018</a:t>
             </a:fld>
             <a:endParaRPr lang="ru-RU" dirty="0"/>
           </a:p>
@@ -1074,7 +1074,7 @@
                 </a:solidFill>
               </a:rPr>
               <a:pPr/>
-              <a:t>21</a:t>
+              <a:t>24</a:t>
             </a:fld>
             <a:endParaRPr lang="ru-RU" dirty="0">
               <a:solidFill>
@@ -6416,8 +6416,13 @@
             <a:pPr lvl="1"/>
             <a:r>
               <a:rPr lang="en-US" dirty="0"/>
-              <a:t>Ridge regression</a:t>
-            </a:r>
+              <a:t>Ridge </a:t>
+            </a:r>
+            <a:r>
+              <a:rPr lang="en-US" dirty="0" smtClean="0"/>
+              <a:t>Regression</a:t>
+            </a:r>
+            <a:endParaRPr lang="en-US" dirty="0"/>
           </a:p>
           <a:p>
             <a:pPr lvl="1"/>
@@ -6427,8 +6432,9 @@
             </a:r>
             <a:r>
               <a:rPr lang="en-US" dirty="0" smtClean="0"/>
-              <a:t>regression</a:t>
-            </a:r>
+              <a:t>Regression</a:t>
+            </a:r>
+            <a:endParaRPr lang="en-US" dirty="0" smtClean="0"/>
           </a:p>
           <a:p>
             <a:pPr marL="0" lvl="1" indent="0">
@@ -12093,23 +12099,27 @@
           <a:p>
             <a:pPr algn="ctr"/>
             <a:r>
-              <a:rPr lang="en-US" sz="2600" b="1"/>
+              <a:rPr lang="en-US" sz="2600" b="1" dirty="0" smtClean="0"/>
               <a:t>Cost functions </a:t>
             </a:r>
-            <a:r>
-              <a:rPr lang="en-US" sz="2600" b="1" smtClean="0"/>
-              <a:t/>
-            </a:r>
             <a:br>
-              <a:rPr lang="en-US" sz="2600" b="1" smtClean="0"/>
+              <a:rPr lang="en-US" sz="2600" b="1" dirty="0" smtClean="0"/>
             </a:br>
             <a:r>
-              <a:rPr lang="en-US" sz="2600" b="1" smtClean="0"/>
-              <a:t>for </a:t>
-            </a:r>
-            <a:r>
-              <a:rPr lang="en-US" sz="2600" b="1"/>
-              <a:t>LinearRegression, Ridge and Lasso in scikit-learn</a:t>
+              <a:rPr lang="en-US" sz="2600" b="1" dirty="0" smtClean="0"/>
+              <a:t>for Linear Regression, </a:t>
+            </a:r>
+            <a:r>
+              <a:rPr lang="en-US" sz="2600" b="1" dirty="0"/>
+              <a:t>Ridge and Lasso in </a:t>
+            </a:r>
+            <a:r>
+              <a:rPr lang="en-US" sz="2600" b="1" dirty="0" err="1"/>
+              <a:t>scikit</a:t>
+            </a:r>
+            <a:r>
+              <a:rPr lang="en-US" sz="2600" b="1" dirty="0"/>
+              <a:t>-learn</a:t>
             </a:r>
             <a:endParaRPr lang="en-US" altLang="be-BY" sz="2600" b="1" dirty="0"/>
           </a:p>
@@ -12143,8 +12153,8 @@
           </a:p>
         </p:txBody>
       </p:sp>
-      <mc:AlternateContent xmlns:mc="http://schemas.openxmlformats.org/markup-compatibility/2006" xmlns:a14="http://schemas.microsoft.com/office/drawing/2010/main">
-        <mc:Choice Requires="a14">
+      <mc:AlternateContent xmlns:mc="http://schemas.openxmlformats.org/markup-compatibility/2006">
+        <mc:Choice xmlns:a14="http://schemas.microsoft.com/office/drawing/2010/main" Requires="a14">
           <p:sp>
             <p:nvSpPr>
               <p:cNvPr id="2" name="TextBox 1"/>
@@ -12783,8 +12793,8 @@
               </a:p>
               <a:p>
                 <a:r>
-                  <a:rPr lang="en-US" sz="2000" b="1" dirty="0" err="1" smtClean="0"/>
-                  <a:t>LinearRegression</a:t>
+                  <a:rPr lang="en-US" sz="2000" b="1" dirty="0" smtClean="0"/>
+                  <a:t>Linear Regression</a:t>
                 </a:r>
                 <a:r>
                   <a:rPr lang="en-US" sz="2000" b="1" dirty="0" smtClean="0"/>
@@ -13631,7 +13641,7 @@
             </p:txBody>
           </p:sp>
         </mc:Choice>
-        <mc:Fallback xmlns="">
+        <mc:Fallback>
           <p:sp>
             <p:nvSpPr>
               <p:cNvPr id="2" name="TextBox 1"/>
@@ -15269,6 +15279,955 @@
       </p:grpSpPr>
       <p:sp>
         <p:nvSpPr>
+          <p:cNvPr id="2" name="Заголовок 1"/>
+          <p:cNvSpPr>
+            <a:spLocks noGrp="1"/>
+          </p:cNvSpPr>
+          <p:nvPr>
+            <p:ph type="title"/>
+          </p:nvPr>
+        </p:nvSpPr>
+        <p:spPr/>
+        <p:txBody>
+          <a:bodyPr/>
+          <a:lstStyle/>
+          <a:p>
+            <a:r>
+              <a:rPr lang="en-US" b="1" dirty="0"/>
+              <a:t>Bias-Variance Trade-Off</a:t>
+            </a:r>
+            <a:endParaRPr lang="ru-RU" dirty="0"/>
+          </a:p>
+        </p:txBody>
+      </p:sp>
+      <p:sp>
+        <p:nvSpPr>
+          <p:cNvPr id="4" name="Номер слайда 3"/>
+          <p:cNvSpPr>
+            <a:spLocks noGrp="1"/>
+          </p:cNvSpPr>
+          <p:nvPr>
+            <p:ph type="sldNum" sz="quarter" idx="12"/>
+          </p:nvPr>
+        </p:nvSpPr>
+        <p:spPr/>
+        <p:txBody>
+          <a:bodyPr/>
+          <a:lstStyle/>
+          <a:p>
+            <a:fld id="{B491C8E4-965C-47C5-86B5-2FEC2000E3F4}" type="slidenum">
+              <a:rPr lang="ru-RU" smtClean="0"/>
+              <a:pPr/>
+              <a:t>21</a:t>
+            </a:fld>
+            <a:endParaRPr lang="ru-RU" dirty="0"/>
+          </a:p>
+        </p:txBody>
+      </p:sp>
+      <p:pic>
+        <p:nvPicPr>
+          <p:cNvPr id="6" name="Рисунок 5"/>
+          <p:cNvPicPr>
+            <a:picLocks noChangeAspect="1"/>
+          </p:cNvPicPr>
+          <p:nvPr/>
+        </p:nvPicPr>
+        <p:blipFill>
+          <a:blip r:embed="rId2"/>
+          <a:stretch>
+            <a:fillRect/>
+          </a:stretch>
+        </p:blipFill>
+        <p:spPr>
+          <a:xfrm>
+            <a:off x="0" y="1371600"/>
+            <a:ext cx="9060942" cy="3241167"/>
+          </a:xfrm>
+          <a:prstGeom prst="rect">
+            <a:avLst/>
+          </a:prstGeom>
+        </p:spPr>
+      </p:pic>
+      <p:sp>
+        <p:nvSpPr>
+          <p:cNvPr id="7" name="TextBox 6"/>
+          <p:cNvSpPr txBox="1"/>
+          <p:nvPr/>
+        </p:nvSpPr>
+        <p:spPr>
+          <a:xfrm>
+            <a:off x="152400" y="4876800"/>
+            <a:ext cx="8908542" cy="2031325"/>
+          </a:xfrm>
+          <a:prstGeom prst="rect">
+            <a:avLst/>
+          </a:prstGeom>
+          <a:noFill/>
+        </p:spPr>
+        <p:txBody>
+          <a:bodyPr wrap="square" rtlCol="0">
+            <a:spAutoFit/>
+          </a:bodyPr>
+          <a:lstStyle/>
+          <a:p>
+            <a:pPr marL="285750" indent="-285750">
+              <a:buFont typeface="Arial" panose="020B0604020202020204" pitchFamily="34" charset="0"/>
+              <a:buChar char="•"/>
+            </a:pPr>
+            <a:r>
+              <a:rPr lang="en-US" dirty="0"/>
+              <a:t>For </a:t>
+            </a:r>
+            <a:r>
+              <a:rPr lang="en-US" b="1" dirty="0">
+                <a:solidFill>
+                  <a:srgbClr val="FF0000"/>
+                </a:solidFill>
+              </a:rPr>
+              <a:t>high-bias </a:t>
+            </a:r>
+            <a:r>
+              <a:rPr lang="en-US" dirty="0" smtClean="0"/>
+              <a:t>models</a:t>
+            </a:r>
+            <a:r>
+              <a:rPr lang="en-US" dirty="0"/>
+              <a:t>, the </a:t>
+            </a:r>
+            <a:r>
+              <a:rPr lang="en-US" b="1" dirty="0">
+                <a:solidFill>
+                  <a:srgbClr val="FF0000"/>
+                </a:solidFill>
+              </a:rPr>
+              <a:t>performance</a:t>
+            </a:r>
+            <a:r>
+              <a:rPr lang="en-US" dirty="0"/>
+              <a:t> of the model on the </a:t>
+            </a:r>
+            <a:r>
+              <a:rPr lang="en-US" b="1" dirty="0">
+                <a:solidFill>
+                  <a:srgbClr val="FF0000"/>
+                </a:solidFill>
+              </a:rPr>
+              <a:t>validation </a:t>
+            </a:r>
+            <a:r>
+              <a:rPr lang="en-US" dirty="0"/>
+              <a:t>set is </a:t>
+            </a:r>
+            <a:r>
+              <a:rPr lang="en-US" b="1" dirty="0">
+                <a:solidFill>
+                  <a:srgbClr val="FF0000"/>
+                </a:solidFill>
+              </a:rPr>
+              <a:t>similar </a:t>
+            </a:r>
+            <a:r>
+              <a:rPr lang="en-US" dirty="0"/>
+              <a:t>to the performance on the </a:t>
+            </a:r>
+            <a:r>
+              <a:rPr lang="en-US" b="1" dirty="0">
+                <a:solidFill>
+                  <a:srgbClr val="FF0000"/>
+                </a:solidFill>
+              </a:rPr>
+              <a:t>training </a:t>
+            </a:r>
+            <a:r>
+              <a:rPr lang="en-US" b="1" dirty="0" smtClean="0">
+                <a:solidFill>
+                  <a:srgbClr val="FF0000"/>
+                </a:solidFill>
+              </a:rPr>
+              <a:t>set </a:t>
+            </a:r>
+            <a:r>
+              <a:rPr lang="en-US" i="1" dirty="0" smtClean="0"/>
+              <a:t>(but the performance is worse than for appropriate fitting)</a:t>
+            </a:r>
+            <a:r>
+              <a:rPr lang="en-US" dirty="0" smtClean="0"/>
+              <a:t>.</a:t>
+            </a:r>
+          </a:p>
+          <a:p>
+            <a:pPr marL="285750" indent="-285750">
+              <a:buFont typeface="Arial" panose="020B0604020202020204" pitchFamily="34" charset="0"/>
+              <a:buChar char="•"/>
+            </a:pPr>
+            <a:endParaRPr lang="en-US" dirty="0"/>
+          </a:p>
+          <a:p>
+            <a:pPr marL="285750" indent="-285750">
+              <a:buFont typeface="Arial" panose="020B0604020202020204" pitchFamily="34" charset="0"/>
+              <a:buChar char="•"/>
+            </a:pPr>
+            <a:r>
+              <a:rPr lang="en-US" dirty="0"/>
+              <a:t>For </a:t>
+            </a:r>
+            <a:r>
+              <a:rPr lang="en-US" b="1" dirty="0">
+                <a:solidFill>
+                  <a:srgbClr val="FF0000"/>
+                </a:solidFill>
+              </a:rPr>
+              <a:t>high-variance</a:t>
+            </a:r>
+            <a:r>
+              <a:rPr lang="en-US" dirty="0"/>
+              <a:t> models, the </a:t>
+            </a:r>
+            <a:r>
+              <a:rPr lang="en-US" b="1" dirty="0">
+                <a:solidFill>
+                  <a:srgbClr val="FF0000"/>
+                </a:solidFill>
+              </a:rPr>
+              <a:t>performance</a:t>
+            </a:r>
+            <a:r>
+              <a:rPr lang="en-US" dirty="0"/>
+              <a:t> of the model on the </a:t>
+            </a:r>
+            <a:r>
+              <a:rPr lang="en-US" b="1" dirty="0">
+                <a:solidFill>
+                  <a:srgbClr val="FF0000"/>
+                </a:solidFill>
+              </a:rPr>
+              <a:t>validation</a:t>
+            </a:r>
+            <a:r>
+              <a:rPr lang="en-US" dirty="0"/>
+              <a:t> set is </a:t>
+            </a:r>
+            <a:r>
+              <a:rPr lang="en-US" b="1" dirty="0">
+                <a:solidFill>
+                  <a:srgbClr val="FF0000"/>
+                </a:solidFill>
+              </a:rPr>
+              <a:t>far worse </a:t>
+            </a:r>
+            <a:r>
+              <a:rPr lang="en-US" dirty="0"/>
+              <a:t>than the performance on the </a:t>
+            </a:r>
+            <a:r>
+              <a:rPr lang="en-US" b="1" dirty="0">
+                <a:solidFill>
+                  <a:srgbClr val="FF0000"/>
+                </a:solidFill>
+              </a:rPr>
+              <a:t>training</a:t>
+            </a:r>
+            <a:r>
+              <a:rPr lang="en-US" dirty="0"/>
+              <a:t> set.</a:t>
+            </a:r>
+          </a:p>
+          <a:p>
+            <a:endParaRPr lang="ru-RU" dirty="0"/>
+          </a:p>
+        </p:txBody>
+      </p:sp>
+      <p:sp>
+        <p:nvSpPr>
+          <p:cNvPr id="8" name="Прямоугольник 7"/>
+          <p:cNvSpPr/>
+          <p:nvPr/>
+        </p:nvSpPr>
+        <p:spPr>
+          <a:xfrm>
+            <a:off x="685800" y="6608433"/>
+            <a:ext cx="1726563" cy="276999"/>
+          </a:xfrm>
+          <a:prstGeom prst="rect">
+            <a:avLst/>
+          </a:prstGeom>
+        </p:spPr>
+        <p:txBody>
+          <a:bodyPr wrap="none">
+            <a:spAutoFit/>
+          </a:bodyPr>
+          <a:lstStyle/>
+          <a:p>
+            <a:r>
+              <a:rPr lang="en-US" sz="1200" b="1" dirty="0">
+                <a:solidFill>
+                  <a:schemeClr val="bg1"/>
+                </a:solidFill>
+              </a:rPr>
+              <a:t>ML-course.   </a:t>
+            </a:r>
+            <a:r>
+              <a:rPr lang="en-US" sz="1200" b="1" dirty="0" smtClean="0">
+                <a:solidFill>
+                  <a:schemeClr val="bg1"/>
+                </a:solidFill>
+              </a:rPr>
+              <a:t>Regression</a:t>
+            </a:r>
+            <a:endParaRPr lang="ru-RU" sz="1200" dirty="0">
+              <a:solidFill>
+                <a:schemeClr val="bg1"/>
+              </a:solidFill>
+            </a:endParaRPr>
+          </a:p>
+        </p:txBody>
+      </p:sp>
+    </p:spTree>
+    <p:extLst>
+      <p:ext uri="{BB962C8B-B14F-4D97-AF65-F5344CB8AC3E}">
+        <p14:creationId xmlns:p14="http://schemas.microsoft.com/office/powerpoint/2010/main" val="1047073889"/>
+      </p:ext>
+    </p:extLst>
+  </p:cSld>
+  <p:clrMapOvr>
+    <a:masterClrMapping/>
+  </p:clrMapOvr>
+</p:sld>
+</file>
+
+<file path=ppt/slides/slide22.xml><?xml version="1.0" encoding="utf-8"?>
+<p:sld xmlns:a="http://schemas.openxmlformats.org/drawingml/2006/main" xmlns:r="http://schemas.openxmlformats.org/officeDocument/2006/relationships" xmlns:p="http://schemas.openxmlformats.org/presentationml/2006/main">
+  <p:cSld>
+    <p:spTree>
+      <p:nvGrpSpPr>
+        <p:cNvPr id="1" name=""/>
+        <p:cNvGrpSpPr/>
+        <p:nvPr/>
+      </p:nvGrpSpPr>
+      <p:grpSpPr>
+        <a:xfrm>
+          <a:off x="0" y="0"/>
+          <a:ext cx="0" cy="0"/>
+          <a:chOff x="0" y="0"/>
+          <a:chExt cx="0" cy="0"/>
+        </a:xfrm>
+      </p:grpSpPr>
+      <p:sp>
+        <p:nvSpPr>
+          <p:cNvPr id="2" name="Заголовок 1"/>
+          <p:cNvSpPr>
+            <a:spLocks noGrp="1"/>
+          </p:cNvSpPr>
+          <p:nvPr>
+            <p:ph type="title"/>
+          </p:nvPr>
+        </p:nvSpPr>
+        <p:spPr/>
+        <p:txBody>
+          <a:bodyPr/>
+          <a:lstStyle/>
+          <a:p>
+            <a:r>
+              <a:rPr lang="en-US" b="1" dirty="0"/>
+              <a:t>Bias-Variance Trade-Off</a:t>
+            </a:r>
+            <a:endParaRPr lang="ru-RU" dirty="0"/>
+          </a:p>
+        </p:txBody>
+      </p:sp>
+      <p:sp>
+        <p:nvSpPr>
+          <p:cNvPr id="3" name="Объект 2"/>
+          <p:cNvSpPr>
+            <a:spLocks noGrp="1"/>
+          </p:cNvSpPr>
+          <p:nvPr>
+            <p:ph idx="1"/>
+          </p:nvPr>
+        </p:nvSpPr>
+        <p:spPr/>
+        <p:txBody>
+          <a:bodyPr>
+            <a:normAutofit/>
+          </a:bodyPr>
+          <a:lstStyle/>
+          <a:p>
+            <a:pPr marL="0" indent="0" algn="ctr">
+              <a:buNone/>
+            </a:pPr>
+            <a:r>
+              <a:rPr lang="en-US" b="1" dirty="0" smtClean="0"/>
+              <a:t>What to do in case of high-bias or high variance?</a:t>
+            </a:r>
+          </a:p>
+          <a:p>
+            <a:pPr marL="0" indent="0">
+              <a:buNone/>
+            </a:pPr>
+            <a:r>
+              <a:rPr lang="en-US" dirty="0" smtClean="0"/>
+              <a:t>Change</a:t>
+            </a:r>
+          </a:p>
+          <a:p>
+            <a:r>
+              <a:rPr lang="en-US" dirty="0" smtClean="0"/>
+              <a:t>Model complexity (e.g. via regularization)</a:t>
+            </a:r>
+          </a:p>
+          <a:p>
+            <a:r>
+              <a:rPr lang="en-US" dirty="0" smtClean="0"/>
+              <a:t>Quantity of training samples</a:t>
+            </a:r>
+          </a:p>
+          <a:p>
+            <a:r>
+              <a:rPr lang="en-US" dirty="0" smtClean="0"/>
+              <a:t>Set of features</a:t>
+            </a:r>
+          </a:p>
+          <a:p>
+            <a:endParaRPr lang="en-US" dirty="0"/>
+          </a:p>
+          <a:p>
+            <a:pPr marL="0" indent="0">
+              <a:buNone/>
+            </a:pPr>
+            <a:r>
+              <a:rPr lang="en-US" sz="2000" b="1" dirty="0" smtClean="0"/>
+              <a:t>Reading</a:t>
+            </a:r>
+          </a:p>
+          <a:p>
+            <a:pPr marL="0" indent="0">
+              <a:buNone/>
+            </a:pPr>
+            <a:r>
+              <a:rPr lang="en-US" sz="1800" i="1" dirty="0"/>
+              <a:t>Jake </a:t>
+            </a:r>
+            <a:r>
+              <a:rPr lang="en-US" sz="1800" i="1" dirty="0" err="1"/>
+              <a:t>VanderPlas</a:t>
+            </a:r>
+            <a:r>
+              <a:rPr lang="en-US" sz="1800" i="1" dirty="0"/>
+              <a:t> </a:t>
+            </a:r>
+            <a:r>
+              <a:rPr lang="en-US" sz="1800" b="1" i="1" dirty="0"/>
+              <a:t>Python Data Science Handbook </a:t>
+            </a:r>
+            <a:r>
+              <a:rPr lang="en-US" sz="1800" i="1" dirty="0" smtClean="0"/>
+              <a:t>(05.03-Hyperparameters-and-Model-Validation)</a:t>
+            </a:r>
+          </a:p>
+          <a:p>
+            <a:pPr marL="0" indent="0">
+              <a:buNone/>
+            </a:pPr>
+            <a:r>
+              <a:rPr lang="en-US" sz="1800" i="1" dirty="0" smtClean="0"/>
+              <a:t>Andrew Ng </a:t>
+            </a:r>
+            <a:r>
+              <a:rPr lang="en-US" sz="1800" b="1" i="1" dirty="0" smtClean="0"/>
+              <a:t>ML: Advice for Applying Machine Learning</a:t>
+            </a:r>
+            <a:endParaRPr lang="ru-RU" sz="1800" b="1" i="1" dirty="0"/>
+          </a:p>
+        </p:txBody>
+      </p:sp>
+      <p:sp>
+        <p:nvSpPr>
+          <p:cNvPr id="4" name="Номер слайда 3"/>
+          <p:cNvSpPr>
+            <a:spLocks noGrp="1"/>
+          </p:cNvSpPr>
+          <p:nvPr>
+            <p:ph type="sldNum" sz="quarter" idx="12"/>
+          </p:nvPr>
+        </p:nvSpPr>
+        <p:spPr/>
+        <p:txBody>
+          <a:bodyPr/>
+          <a:lstStyle/>
+          <a:p>
+            <a:fld id="{B491C8E4-965C-47C5-86B5-2FEC2000E3F4}" type="slidenum">
+              <a:rPr lang="ru-RU" smtClean="0"/>
+              <a:pPr/>
+              <a:t>22</a:t>
+            </a:fld>
+            <a:endParaRPr lang="ru-RU" dirty="0"/>
+          </a:p>
+        </p:txBody>
+      </p:sp>
+      <p:sp>
+        <p:nvSpPr>
+          <p:cNvPr id="6" name="Прямоугольник 5"/>
+          <p:cNvSpPr/>
+          <p:nvPr/>
+        </p:nvSpPr>
+        <p:spPr>
+          <a:xfrm>
+            <a:off x="685800" y="6608433"/>
+            <a:ext cx="1726563" cy="276999"/>
+          </a:xfrm>
+          <a:prstGeom prst="rect">
+            <a:avLst/>
+          </a:prstGeom>
+        </p:spPr>
+        <p:txBody>
+          <a:bodyPr wrap="none">
+            <a:spAutoFit/>
+          </a:bodyPr>
+          <a:lstStyle/>
+          <a:p>
+            <a:r>
+              <a:rPr lang="en-US" sz="1200" b="1" dirty="0">
+                <a:solidFill>
+                  <a:schemeClr val="bg1"/>
+                </a:solidFill>
+              </a:rPr>
+              <a:t>ML-course.   </a:t>
+            </a:r>
+            <a:r>
+              <a:rPr lang="en-US" sz="1200" b="1" dirty="0" smtClean="0">
+                <a:solidFill>
+                  <a:schemeClr val="bg1"/>
+                </a:solidFill>
+              </a:rPr>
+              <a:t>Regression</a:t>
+            </a:r>
+            <a:endParaRPr lang="ru-RU" sz="1200" dirty="0">
+              <a:solidFill>
+                <a:schemeClr val="bg1"/>
+              </a:solidFill>
+            </a:endParaRPr>
+          </a:p>
+        </p:txBody>
+      </p:sp>
+    </p:spTree>
+    <p:extLst>
+      <p:ext uri="{BB962C8B-B14F-4D97-AF65-F5344CB8AC3E}">
+        <p14:creationId xmlns:p14="http://schemas.microsoft.com/office/powerpoint/2010/main" val="4248675537"/>
+      </p:ext>
+    </p:extLst>
+  </p:cSld>
+  <p:clrMapOvr>
+    <a:masterClrMapping/>
+  </p:clrMapOvr>
+</p:sld>
+</file>
+
+<file path=ppt/slides/slide23.xml><?xml version="1.0" encoding="utf-8"?>
+<p:sld xmlns:a="http://schemas.openxmlformats.org/drawingml/2006/main" xmlns:r="http://schemas.openxmlformats.org/officeDocument/2006/relationships" xmlns:p="http://schemas.openxmlformats.org/presentationml/2006/main">
+  <p:cSld>
+    <p:spTree>
+      <p:nvGrpSpPr>
+        <p:cNvPr id="1" name=""/>
+        <p:cNvGrpSpPr/>
+        <p:nvPr/>
+      </p:nvGrpSpPr>
+      <p:grpSpPr>
+        <a:xfrm>
+          <a:off x="0" y="0"/>
+          <a:ext cx="0" cy="0"/>
+          <a:chOff x="0" y="0"/>
+          <a:chExt cx="0" cy="0"/>
+        </a:xfrm>
+      </p:grpSpPr>
+      <p:sp>
+        <p:nvSpPr>
+          <p:cNvPr id="2" name="Заголовок 1"/>
+          <p:cNvSpPr>
+            <a:spLocks noGrp="1"/>
+          </p:cNvSpPr>
+          <p:nvPr>
+            <p:ph type="title"/>
+          </p:nvPr>
+        </p:nvSpPr>
+        <p:spPr/>
+        <p:txBody>
+          <a:bodyPr>
+            <a:normAutofit/>
+          </a:bodyPr>
+          <a:lstStyle/>
+          <a:p>
+            <a:r>
+              <a:rPr lang="en-US" sz="2800" b="1" dirty="0" smtClean="0"/>
+              <a:t>Ways to fix high bias/variance in linear models</a:t>
+            </a:r>
+            <a:endParaRPr lang="ru-RU" sz="2800" dirty="0"/>
+          </a:p>
+        </p:txBody>
+      </p:sp>
+      <p:sp>
+        <p:nvSpPr>
+          <p:cNvPr id="4" name="Номер слайда 3"/>
+          <p:cNvSpPr>
+            <a:spLocks noGrp="1"/>
+          </p:cNvSpPr>
+          <p:nvPr>
+            <p:ph type="sldNum" sz="quarter" idx="12"/>
+          </p:nvPr>
+        </p:nvSpPr>
+        <p:spPr/>
+        <p:txBody>
+          <a:bodyPr/>
+          <a:lstStyle/>
+          <a:p>
+            <a:fld id="{B491C8E4-965C-47C5-86B5-2FEC2000E3F4}" type="slidenum">
+              <a:rPr lang="ru-RU" smtClean="0"/>
+              <a:pPr/>
+              <a:t>23</a:t>
+            </a:fld>
+            <a:endParaRPr lang="ru-RU" dirty="0"/>
+          </a:p>
+        </p:txBody>
+      </p:sp>
+      <p:graphicFrame>
+        <p:nvGraphicFramePr>
+          <p:cNvPr id="6" name="Таблица 5"/>
+          <p:cNvGraphicFramePr>
+            <a:graphicFrameLocks noGrp="1"/>
+          </p:cNvGraphicFramePr>
+          <p:nvPr>
+            <p:extLst>
+              <p:ext uri="{D42A27DB-BD31-4B8C-83A1-F6EECF244321}">
+                <p14:modId xmlns:p14="http://schemas.microsoft.com/office/powerpoint/2010/main" val="2970778722"/>
+              </p:ext>
+            </p:extLst>
+          </p:nvPr>
+        </p:nvGraphicFramePr>
+        <p:xfrm>
+          <a:off x="990600" y="1397000"/>
+          <a:ext cx="7086600" cy="3230880"/>
+        </p:xfrm>
+        <a:graphic>
+          <a:graphicData uri="http://schemas.openxmlformats.org/drawingml/2006/table">
+            <a:tbl>
+              <a:tblPr firstRow="1" bandRow="1">
+                <a:tableStyleId>{69CF1AB2-1976-4502-BF36-3FF5EA218861}</a:tableStyleId>
+              </a:tblPr>
+              <a:tblGrid>
+                <a:gridCol w="3543300"/>
+                <a:gridCol w="3543300"/>
+              </a:tblGrid>
+              <a:tr h="370840">
+                <a:tc>
+                  <a:txBody>
+                    <a:bodyPr/>
+                    <a:lstStyle/>
+                    <a:p>
+                      <a:pPr algn="ctr"/>
+                      <a:r>
+                        <a:rPr lang="en-US" sz="2000" smtClean="0">
+                          <a:latin typeface="Trebuchet MS" panose="020B0603020202020204" pitchFamily="34" charset="0"/>
+                        </a:rPr>
+                        <a:t>High bias (</a:t>
+                      </a:r>
+                      <a:r>
+                        <a:rPr lang="en-US" sz="2000" dirty="0" err="1" smtClean="0">
+                          <a:latin typeface="Trebuchet MS" panose="020B0603020202020204" pitchFamily="34" charset="0"/>
+                        </a:rPr>
+                        <a:t>underfitting</a:t>
+                      </a:r>
+                      <a:r>
+                        <a:rPr lang="en-US" sz="2000" dirty="0" smtClean="0">
+                          <a:latin typeface="Trebuchet MS" panose="020B0603020202020204" pitchFamily="34" charset="0"/>
+                        </a:rPr>
+                        <a:t>)</a:t>
+                      </a:r>
+                      <a:endParaRPr lang="ru-RU" sz="2000" dirty="0">
+                        <a:latin typeface="Trebuchet MS" panose="020B0603020202020204" pitchFamily="34" charset="0"/>
+                      </a:endParaRPr>
+                    </a:p>
+                  </a:txBody>
+                  <a:tcPr/>
+                </a:tc>
+                <a:tc>
+                  <a:txBody>
+                    <a:bodyPr/>
+                    <a:lstStyle/>
+                    <a:p>
+                      <a:pPr algn="ctr"/>
+                      <a:r>
+                        <a:rPr lang="en-US" sz="2000" smtClean="0">
+                          <a:latin typeface="Trebuchet MS" panose="020B0603020202020204" pitchFamily="34" charset="0"/>
+                        </a:rPr>
+                        <a:t>High</a:t>
+                      </a:r>
+                      <a:r>
+                        <a:rPr lang="en-US" sz="2000" baseline="0" smtClean="0">
+                          <a:latin typeface="Trebuchet MS" panose="020B0603020202020204" pitchFamily="34" charset="0"/>
+                        </a:rPr>
+                        <a:t> variance (overfitting)</a:t>
+                      </a:r>
+                      <a:endParaRPr lang="ru-RU" sz="2000" dirty="0">
+                        <a:latin typeface="Trebuchet MS" panose="020B0603020202020204" pitchFamily="34" charset="0"/>
+                      </a:endParaRPr>
+                    </a:p>
+                  </a:txBody>
+                  <a:tcPr/>
+                </a:tc>
+              </a:tr>
+              <a:tr h="370840">
+                <a:tc>
+                  <a:txBody>
+                    <a:bodyPr/>
+                    <a:lstStyle/>
+                    <a:p>
+                      <a:pPr marL="285750" indent="-285750">
+                        <a:buFont typeface="Arial" panose="020B0604020202020204" pitchFamily="34" charset="0"/>
+                        <a:buChar char="•"/>
+                      </a:pPr>
+                      <a:endParaRPr lang="en-US" sz="2000" dirty="0" smtClean="0">
+                        <a:latin typeface="Trebuchet MS" panose="020B0603020202020204" pitchFamily="34" charset="0"/>
+                      </a:endParaRPr>
+                    </a:p>
+                    <a:p>
+                      <a:pPr marL="285750" indent="-285750">
+                        <a:buFont typeface="Arial" panose="020B0604020202020204" pitchFamily="34" charset="0"/>
+                        <a:buChar char="•"/>
+                      </a:pPr>
+                      <a:r>
+                        <a:rPr lang="en-US" sz="2000" dirty="0" smtClean="0">
+                          <a:latin typeface="Trebuchet MS" panose="020B0603020202020204" pitchFamily="34" charset="0"/>
+                        </a:rPr>
+                        <a:t>Add more features</a:t>
+                      </a:r>
+                    </a:p>
+                    <a:p>
+                      <a:pPr marL="285750" indent="-285750">
+                        <a:buFont typeface="Arial" panose="020B0604020202020204" pitchFamily="34" charset="0"/>
+                        <a:buChar char="•"/>
+                      </a:pPr>
+                      <a:endParaRPr lang="en-US" sz="2000" dirty="0" smtClean="0">
+                        <a:latin typeface="Trebuchet MS" panose="020B0603020202020204" pitchFamily="34" charset="0"/>
+                      </a:endParaRPr>
+                    </a:p>
+                    <a:p>
+                      <a:pPr marL="285750" marR="0" indent="-285750" algn="l" defTabSz="914400" rtl="0" eaLnBrk="1" fontAlgn="auto" latinLnBrk="0" hangingPunct="1">
+                        <a:lnSpc>
+                          <a:spcPct val="100000"/>
+                        </a:lnSpc>
+                        <a:spcBef>
+                          <a:spcPts val="0"/>
+                        </a:spcBef>
+                        <a:spcAft>
+                          <a:spcPts val="0"/>
+                        </a:spcAft>
+                        <a:buClrTx/>
+                        <a:buSzTx/>
+                        <a:buFont typeface="Arial" panose="020B0604020202020204" pitchFamily="34" charset="0"/>
+                        <a:buChar char="•"/>
+                        <a:tabLst/>
+                        <a:defRPr/>
+                      </a:pPr>
+                      <a:r>
+                        <a:rPr lang="en-US" sz="2000" dirty="0" smtClean="0">
+                          <a:latin typeface="Trebuchet MS" panose="020B0603020202020204" pitchFamily="34" charset="0"/>
+                        </a:rPr>
+                        <a:t>Add polynomial</a:t>
+                      </a:r>
+                      <a:r>
+                        <a:rPr lang="en-US" sz="2000" baseline="0" dirty="0" smtClean="0">
+                          <a:latin typeface="Trebuchet MS" panose="020B0603020202020204" pitchFamily="34" charset="0"/>
+                        </a:rPr>
+                        <a:t> </a:t>
+                      </a:r>
+                      <a:r>
+                        <a:rPr lang="en-US" sz="2000" dirty="0" smtClean="0">
+                          <a:latin typeface="Trebuchet MS" panose="020B0603020202020204" pitchFamily="34" charset="0"/>
+                        </a:rPr>
+                        <a:t>features</a:t>
+                      </a:r>
+                      <a:endParaRPr lang="ru-RU" sz="2000" dirty="0">
+                        <a:latin typeface="Trebuchet MS" panose="020B0603020202020204" pitchFamily="34" charset="0"/>
+                      </a:endParaRPr>
+                    </a:p>
+                  </a:txBody>
+                  <a:tcPr/>
+                </a:tc>
+                <a:tc>
+                  <a:txBody>
+                    <a:bodyPr/>
+                    <a:lstStyle/>
+                    <a:p>
+                      <a:pPr marL="285750" indent="-285750">
+                        <a:buFont typeface="Arial" panose="020B0604020202020204" pitchFamily="34" charset="0"/>
+                        <a:buChar char="•"/>
+                      </a:pPr>
+                      <a:endParaRPr lang="en-US" sz="2000" dirty="0" smtClean="0">
+                        <a:latin typeface="Trebuchet MS" panose="020B0603020202020204" pitchFamily="34" charset="0"/>
+                      </a:endParaRPr>
+                    </a:p>
+                    <a:p>
+                      <a:pPr marL="285750" indent="-285750">
+                        <a:buFont typeface="Arial" panose="020B0604020202020204" pitchFamily="34" charset="0"/>
+                        <a:buChar char="•"/>
+                      </a:pPr>
+                      <a:r>
+                        <a:rPr lang="en-US" sz="2000" dirty="0" smtClean="0">
+                          <a:latin typeface="Trebuchet MS" panose="020B0603020202020204" pitchFamily="34" charset="0"/>
+                        </a:rPr>
+                        <a:t>More training examples</a:t>
+                      </a:r>
+                    </a:p>
+                    <a:p>
+                      <a:pPr marL="285750" indent="-285750">
+                        <a:buFont typeface="Arial" panose="020B0604020202020204" pitchFamily="34" charset="0"/>
+                        <a:buChar char="•"/>
+                      </a:pPr>
+                      <a:endParaRPr lang="en-US" sz="2000" dirty="0" smtClean="0">
+                        <a:latin typeface="Trebuchet MS" panose="020B0603020202020204" pitchFamily="34" charset="0"/>
+                      </a:endParaRPr>
+                    </a:p>
+                    <a:p>
+                      <a:pPr marL="285750" indent="-285750">
+                        <a:buFont typeface="Arial" panose="020B0604020202020204" pitchFamily="34" charset="0"/>
+                        <a:buChar char="•"/>
+                      </a:pPr>
+                      <a:r>
+                        <a:rPr lang="en-US" sz="2000" dirty="0" smtClean="0">
+                          <a:latin typeface="Trebuchet MS" panose="020B0603020202020204" pitchFamily="34" charset="0"/>
+                        </a:rPr>
+                        <a:t>Smaller set of features</a:t>
+                      </a:r>
+                    </a:p>
+                    <a:p>
+                      <a:pPr marL="285750" indent="-285750">
+                        <a:buFont typeface="Arial" panose="020B0604020202020204" pitchFamily="34" charset="0"/>
+                        <a:buChar char="•"/>
+                      </a:pPr>
+                      <a:endParaRPr lang="en-US" sz="2000" dirty="0" smtClean="0">
+                        <a:latin typeface="Trebuchet MS" panose="020B0603020202020204" pitchFamily="34" charset="0"/>
+                      </a:endParaRPr>
+                    </a:p>
+                    <a:p>
+                      <a:pPr marL="285750" indent="-285750">
+                        <a:buFont typeface="Arial" panose="020B0604020202020204" pitchFamily="34" charset="0"/>
+                        <a:buChar char="•"/>
+                      </a:pPr>
+                      <a:r>
+                        <a:rPr lang="en-US" sz="2000" dirty="0" smtClean="0">
+                          <a:latin typeface="Trebuchet MS" panose="020B0603020202020204" pitchFamily="34" charset="0"/>
+                        </a:rPr>
+                        <a:t>Use regularization</a:t>
+                      </a:r>
+                    </a:p>
+                    <a:p>
+                      <a:pPr marL="0" indent="0">
+                        <a:buFont typeface="Arial" panose="020B0604020202020204" pitchFamily="34" charset="0"/>
+                        <a:buNone/>
+                      </a:pPr>
+                      <a:endParaRPr lang="en-US" sz="2000" dirty="0" smtClean="0">
+                        <a:latin typeface="Trebuchet MS" panose="020B0603020202020204" pitchFamily="34" charset="0"/>
+                      </a:endParaRPr>
+                    </a:p>
+                    <a:p>
+                      <a:pPr marL="285750" indent="-285750">
+                        <a:buFont typeface="Arial" panose="020B0604020202020204" pitchFamily="34" charset="0"/>
+                        <a:buChar char="•"/>
+                      </a:pPr>
+                      <a:r>
+                        <a:rPr lang="en-US" sz="2000" dirty="0" smtClean="0">
+                          <a:latin typeface="Trebuchet MS" panose="020B0603020202020204" pitchFamily="34" charset="0"/>
+                        </a:rPr>
+                        <a:t>Increase regularization strength (coefficient)</a:t>
+                      </a:r>
+                      <a:endParaRPr lang="ru-RU" sz="2000" dirty="0">
+                        <a:latin typeface="Trebuchet MS" panose="020B0603020202020204" pitchFamily="34" charset="0"/>
+                      </a:endParaRPr>
+                    </a:p>
+                  </a:txBody>
+                  <a:tcPr/>
+                </a:tc>
+              </a:tr>
+            </a:tbl>
+          </a:graphicData>
+        </a:graphic>
+      </p:graphicFrame>
+      <p:sp>
+        <p:nvSpPr>
+          <p:cNvPr id="7" name="Прямоугольник 6"/>
+          <p:cNvSpPr/>
+          <p:nvPr/>
+        </p:nvSpPr>
+        <p:spPr>
+          <a:xfrm>
+            <a:off x="685800" y="6608433"/>
+            <a:ext cx="1726563" cy="276999"/>
+          </a:xfrm>
+          <a:prstGeom prst="rect">
+            <a:avLst/>
+          </a:prstGeom>
+        </p:spPr>
+        <p:txBody>
+          <a:bodyPr wrap="none">
+            <a:spAutoFit/>
+          </a:bodyPr>
+          <a:lstStyle/>
+          <a:p>
+            <a:r>
+              <a:rPr lang="en-US" sz="1200" b="1" dirty="0">
+                <a:solidFill>
+                  <a:schemeClr val="bg1"/>
+                </a:solidFill>
+              </a:rPr>
+              <a:t>ML-course.   </a:t>
+            </a:r>
+            <a:r>
+              <a:rPr lang="en-US" sz="1200" b="1" dirty="0" smtClean="0">
+                <a:solidFill>
+                  <a:schemeClr val="bg1"/>
+                </a:solidFill>
+              </a:rPr>
+              <a:t>Regression</a:t>
+            </a:r>
+            <a:endParaRPr lang="ru-RU" sz="1200" dirty="0">
+              <a:solidFill>
+                <a:schemeClr val="bg1"/>
+              </a:solidFill>
+            </a:endParaRPr>
+          </a:p>
+        </p:txBody>
+      </p:sp>
+    </p:spTree>
+    <p:extLst>
+      <p:ext uri="{BB962C8B-B14F-4D97-AF65-F5344CB8AC3E}">
+        <p14:creationId xmlns:p14="http://schemas.microsoft.com/office/powerpoint/2010/main" val="1972052078"/>
+      </p:ext>
+    </p:extLst>
+  </p:cSld>
+  <p:clrMapOvr>
+    <a:masterClrMapping/>
+  </p:clrMapOvr>
+</p:sld>
+</file>
+
+<file path=ppt/slides/slide24.xml><?xml version="1.0" encoding="utf-8"?>
+<p:sld xmlns:a="http://schemas.openxmlformats.org/drawingml/2006/main" xmlns:r="http://schemas.openxmlformats.org/officeDocument/2006/relationships" xmlns:p="http://schemas.openxmlformats.org/presentationml/2006/main">
+  <p:cSld>
+    <p:spTree>
+      <p:nvGrpSpPr>
+        <p:cNvPr id="1" name=""/>
+        <p:cNvGrpSpPr/>
+        <p:nvPr/>
+      </p:nvGrpSpPr>
+      <p:grpSpPr>
+        <a:xfrm>
+          <a:off x="0" y="0"/>
+          <a:ext cx="0" cy="0"/>
+          <a:chOff x="0" y="0"/>
+          <a:chExt cx="0" cy="0"/>
+        </a:xfrm>
+      </p:grpSpPr>
+      <p:sp>
+        <p:nvSpPr>
           <p:cNvPr id="8" name="Rectangle 2"/>
           <p:cNvSpPr txBox="1">
             <a:spLocks noGrp="1" noChangeArrowheads="1"/>
@@ -15341,12 +16300,12 @@
           <a:lstStyle/>
           <a:p>
             <a:r>
-              <a:rPr lang="en-US" dirty="0" smtClean="0">
+              <a:rPr lang="en-US" smtClean="0">
                 <a:solidFill>
                   <a:prstClr val="white"/>
                 </a:solidFill>
               </a:rPr>
-              <a:t>21</a:t>
+              <a:t>24</a:t>
             </a:r>
             <a:endParaRPr lang="ru-RU" dirty="0">
               <a:solidFill>
@@ -17283,955 +18242,6 @@
 </p:sld>
 </file>
 
-<file path=ppt/slides/slide22.xml><?xml version="1.0" encoding="utf-8"?>
-<p:sld xmlns:a="http://schemas.openxmlformats.org/drawingml/2006/main" xmlns:r="http://schemas.openxmlformats.org/officeDocument/2006/relationships" xmlns:p="http://schemas.openxmlformats.org/presentationml/2006/main">
-  <p:cSld>
-    <p:spTree>
-      <p:nvGrpSpPr>
-        <p:cNvPr id="1" name=""/>
-        <p:cNvGrpSpPr/>
-        <p:nvPr/>
-      </p:nvGrpSpPr>
-      <p:grpSpPr>
-        <a:xfrm>
-          <a:off x="0" y="0"/>
-          <a:ext cx="0" cy="0"/>
-          <a:chOff x="0" y="0"/>
-          <a:chExt cx="0" cy="0"/>
-        </a:xfrm>
-      </p:grpSpPr>
-      <p:sp>
-        <p:nvSpPr>
-          <p:cNvPr id="2" name="Заголовок 1"/>
-          <p:cNvSpPr>
-            <a:spLocks noGrp="1"/>
-          </p:cNvSpPr>
-          <p:nvPr>
-            <p:ph type="title"/>
-          </p:nvPr>
-        </p:nvSpPr>
-        <p:spPr/>
-        <p:txBody>
-          <a:bodyPr/>
-          <a:lstStyle/>
-          <a:p>
-            <a:r>
-              <a:rPr lang="en-US" b="1" dirty="0"/>
-              <a:t>Bias-Variance Trade-Off</a:t>
-            </a:r>
-            <a:endParaRPr lang="ru-RU" dirty="0"/>
-          </a:p>
-        </p:txBody>
-      </p:sp>
-      <p:sp>
-        <p:nvSpPr>
-          <p:cNvPr id="4" name="Номер слайда 3"/>
-          <p:cNvSpPr>
-            <a:spLocks noGrp="1"/>
-          </p:cNvSpPr>
-          <p:nvPr>
-            <p:ph type="sldNum" sz="quarter" idx="12"/>
-          </p:nvPr>
-        </p:nvSpPr>
-        <p:spPr/>
-        <p:txBody>
-          <a:bodyPr/>
-          <a:lstStyle/>
-          <a:p>
-            <a:fld id="{B491C8E4-965C-47C5-86B5-2FEC2000E3F4}" type="slidenum">
-              <a:rPr lang="ru-RU" smtClean="0"/>
-              <a:pPr/>
-              <a:t>22</a:t>
-            </a:fld>
-            <a:endParaRPr lang="ru-RU" dirty="0"/>
-          </a:p>
-        </p:txBody>
-      </p:sp>
-      <p:pic>
-        <p:nvPicPr>
-          <p:cNvPr id="6" name="Рисунок 5"/>
-          <p:cNvPicPr>
-            <a:picLocks noChangeAspect="1"/>
-          </p:cNvPicPr>
-          <p:nvPr/>
-        </p:nvPicPr>
-        <p:blipFill>
-          <a:blip r:embed="rId2"/>
-          <a:stretch>
-            <a:fillRect/>
-          </a:stretch>
-        </p:blipFill>
-        <p:spPr>
-          <a:xfrm>
-            <a:off x="0" y="1371600"/>
-            <a:ext cx="9060942" cy="3241167"/>
-          </a:xfrm>
-          <a:prstGeom prst="rect">
-            <a:avLst/>
-          </a:prstGeom>
-        </p:spPr>
-      </p:pic>
-      <p:sp>
-        <p:nvSpPr>
-          <p:cNvPr id="7" name="TextBox 6"/>
-          <p:cNvSpPr txBox="1"/>
-          <p:nvPr/>
-        </p:nvSpPr>
-        <p:spPr>
-          <a:xfrm>
-            <a:off x="152400" y="4876800"/>
-            <a:ext cx="8908542" cy="2031325"/>
-          </a:xfrm>
-          <a:prstGeom prst="rect">
-            <a:avLst/>
-          </a:prstGeom>
-          <a:noFill/>
-        </p:spPr>
-        <p:txBody>
-          <a:bodyPr wrap="square" rtlCol="0">
-            <a:spAutoFit/>
-          </a:bodyPr>
-          <a:lstStyle/>
-          <a:p>
-            <a:pPr marL="285750" indent="-285750">
-              <a:buFont typeface="Arial" panose="020B0604020202020204" pitchFamily="34" charset="0"/>
-              <a:buChar char="•"/>
-            </a:pPr>
-            <a:r>
-              <a:rPr lang="en-US" dirty="0"/>
-              <a:t>For </a:t>
-            </a:r>
-            <a:r>
-              <a:rPr lang="en-US" b="1" dirty="0">
-                <a:solidFill>
-                  <a:srgbClr val="FF0000"/>
-                </a:solidFill>
-              </a:rPr>
-              <a:t>high-bias </a:t>
-            </a:r>
-            <a:r>
-              <a:rPr lang="en-US" dirty="0" smtClean="0"/>
-              <a:t>models</a:t>
-            </a:r>
-            <a:r>
-              <a:rPr lang="en-US" dirty="0"/>
-              <a:t>, the </a:t>
-            </a:r>
-            <a:r>
-              <a:rPr lang="en-US" b="1" dirty="0">
-                <a:solidFill>
-                  <a:srgbClr val="FF0000"/>
-                </a:solidFill>
-              </a:rPr>
-              <a:t>performance</a:t>
-            </a:r>
-            <a:r>
-              <a:rPr lang="en-US" dirty="0"/>
-              <a:t> of the model on the </a:t>
-            </a:r>
-            <a:r>
-              <a:rPr lang="en-US" b="1" dirty="0">
-                <a:solidFill>
-                  <a:srgbClr val="FF0000"/>
-                </a:solidFill>
-              </a:rPr>
-              <a:t>validation </a:t>
-            </a:r>
-            <a:r>
-              <a:rPr lang="en-US" dirty="0"/>
-              <a:t>set is </a:t>
-            </a:r>
-            <a:r>
-              <a:rPr lang="en-US" b="1" dirty="0">
-                <a:solidFill>
-                  <a:srgbClr val="FF0000"/>
-                </a:solidFill>
-              </a:rPr>
-              <a:t>similar </a:t>
-            </a:r>
-            <a:r>
-              <a:rPr lang="en-US" dirty="0"/>
-              <a:t>to the performance on the </a:t>
-            </a:r>
-            <a:r>
-              <a:rPr lang="en-US" b="1" dirty="0">
-                <a:solidFill>
-                  <a:srgbClr val="FF0000"/>
-                </a:solidFill>
-              </a:rPr>
-              <a:t>training </a:t>
-            </a:r>
-            <a:r>
-              <a:rPr lang="en-US" b="1" dirty="0" smtClean="0">
-                <a:solidFill>
-                  <a:srgbClr val="FF0000"/>
-                </a:solidFill>
-              </a:rPr>
-              <a:t>set </a:t>
-            </a:r>
-            <a:r>
-              <a:rPr lang="en-US" i="1" dirty="0" smtClean="0"/>
-              <a:t>(but the performance is worse than for appropriate fitting)</a:t>
-            </a:r>
-            <a:r>
-              <a:rPr lang="en-US" dirty="0" smtClean="0"/>
-              <a:t>.</a:t>
-            </a:r>
-          </a:p>
-          <a:p>
-            <a:pPr marL="285750" indent="-285750">
-              <a:buFont typeface="Arial" panose="020B0604020202020204" pitchFamily="34" charset="0"/>
-              <a:buChar char="•"/>
-            </a:pPr>
-            <a:endParaRPr lang="en-US" dirty="0"/>
-          </a:p>
-          <a:p>
-            <a:pPr marL="285750" indent="-285750">
-              <a:buFont typeface="Arial" panose="020B0604020202020204" pitchFamily="34" charset="0"/>
-              <a:buChar char="•"/>
-            </a:pPr>
-            <a:r>
-              <a:rPr lang="en-US" dirty="0"/>
-              <a:t>For </a:t>
-            </a:r>
-            <a:r>
-              <a:rPr lang="en-US" b="1" dirty="0">
-                <a:solidFill>
-                  <a:srgbClr val="FF0000"/>
-                </a:solidFill>
-              </a:rPr>
-              <a:t>high-variance</a:t>
-            </a:r>
-            <a:r>
-              <a:rPr lang="en-US" dirty="0"/>
-              <a:t> models, the </a:t>
-            </a:r>
-            <a:r>
-              <a:rPr lang="en-US" b="1" dirty="0">
-                <a:solidFill>
-                  <a:srgbClr val="FF0000"/>
-                </a:solidFill>
-              </a:rPr>
-              <a:t>performance</a:t>
-            </a:r>
-            <a:r>
-              <a:rPr lang="en-US" dirty="0"/>
-              <a:t> of the model on the </a:t>
-            </a:r>
-            <a:r>
-              <a:rPr lang="en-US" b="1" dirty="0">
-                <a:solidFill>
-                  <a:srgbClr val="FF0000"/>
-                </a:solidFill>
-              </a:rPr>
-              <a:t>validation</a:t>
-            </a:r>
-            <a:r>
-              <a:rPr lang="en-US" dirty="0"/>
-              <a:t> set is </a:t>
-            </a:r>
-            <a:r>
-              <a:rPr lang="en-US" b="1" dirty="0">
-                <a:solidFill>
-                  <a:srgbClr val="FF0000"/>
-                </a:solidFill>
-              </a:rPr>
-              <a:t>far worse </a:t>
-            </a:r>
-            <a:r>
-              <a:rPr lang="en-US" dirty="0"/>
-              <a:t>than the performance on the </a:t>
-            </a:r>
-            <a:r>
-              <a:rPr lang="en-US" b="1" dirty="0">
-                <a:solidFill>
-                  <a:srgbClr val="FF0000"/>
-                </a:solidFill>
-              </a:rPr>
-              <a:t>training</a:t>
-            </a:r>
-            <a:r>
-              <a:rPr lang="en-US" dirty="0"/>
-              <a:t> set.</a:t>
-            </a:r>
-          </a:p>
-          <a:p>
-            <a:endParaRPr lang="ru-RU" dirty="0"/>
-          </a:p>
-        </p:txBody>
-      </p:sp>
-      <p:sp>
-        <p:nvSpPr>
-          <p:cNvPr id="8" name="Прямоугольник 7"/>
-          <p:cNvSpPr/>
-          <p:nvPr/>
-        </p:nvSpPr>
-        <p:spPr>
-          <a:xfrm>
-            <a:off x="685800" y="6608433"/>
-            <a:ext cx="1726563" cy="276999"/>
-          </a:xfrm>
-          <a:prstGeom prst="rect">
-            <a:avLst/>
-          </a:prstGeom>
-        </p:spPr>
-        <p:txBody>
-          <a:bodyPr wrap="none">
-            <a:spAutoFit/>
-          </a:bodyPr>
-          <a:lstStyle/>
-          <a:p>
-            <a:r>
-              <a:rPr lang="en-US" sz="1200" b="1" dirty="0">
-                <a:solidFill>
-                  <a:schemeClr val="bg1"/>
-                </a:solidFill>
-              </a:rPr>
-              <a:t>ML-course.   </a:t>
-            </a:r>
-            <a:r>
-              <a:rPr lang="en-US" sz="1200" b="1" dirty="0" smtClean="0">
-                <a:solidFill>
-                  <a:schemeClr val="bg1"/>
-                </a:solidFill>
-              </a:rPr>
-              <a:t>Regression</a:t>
-            </a:r>
-            <a:endParaRPr lang="ru-RU" sz="1200" dirty="0">
-              <a:solidFill>
-                <a:schemeClr val="bg1"/>
-              </a:solidFill>
-            </a:endParaRPr>
-          </a:p>
-        </p:txBody>
-      </p:sp>
-    </p:spTree>
-    <p:extLst>
-      <p:ext uri="{BB962C8B-B14F-4D97-AF65-F5344CB8AC3E}">
-        <p14:creationId xmlns:p14="http://schemas.microsoft.com/office/powerpoint/2010/main" val="1047073889"/>
-      </p:ext>
-    </p:extLst>
-  </p:cSld>
-  <p:clrMapOvr>
-    <a:masterClrMapping/>
-  </p:clrMapOvr>
-</p:sld>
-</file>
-
-<file path=ppt/slides/slide23.xml><?xml version="1.0" encoding="utf-8"?>
-<p:sld xmlns:a="http://schemas.openxmlformats.org/drawingml/2006/main" xmlns:r="http://schemas.openxmlformats.org/officeDocument/2006/relationships" xmlns:p="http://schemas.openxmlformats.org/presentationml/2006/main">
-  <p:cSld>
-    <p:spTree>
-      <p:nvGrpSpPr>
-        <p:cNvPr id="1" name=""/>
-        <p:cNvGrpSpPr/>
-        <p:nvPr/>
-      </p:nvGrpSpPr>
-      <p:grpSpPr>
-        <a:xfrm>
-          <a:off x="0" y="0"/>
-          <a:ext cx="0" cy="0"/>
-          <a:chOff x="0" y="0"/>
-          <a:chExt cx="0" cy="0"/>
-        </a:xfrm>
-      </p:grpSpPr>
-      <p:sp>
-        <p:nvSpPr>
-          <p:cNvPr id="2" name="Заголовок 1"/>
-          <p:cNvSpPr>
-            <a:spLocks noGrp="1"/>
-          </p:cNvSpPr>
-          <p:nvPr>
-            <p:ph type="title"/>
-          </p:nvPr>
-        </p:nvSpPr>
-        <p:spPr/>
-        <p:txBody>
-          <a:bodyPr/>
-          <a:lstStyle/>
-          <a:p>
-            <a:r>
-              <a:rPr lang="en-US" b="1" dirty="0"/>
-              <a:t>Bias-Variance Trade-Off</a:t>
-            </a:r>
-            <a:endParaRPr lang="ru-RU" dirty="0"/>
-          </a:p>
-        </p:txBody>
-      </p:sp>
-      <p:sp>
-        <p:nvSpPr>
-          <p:cNvPr id="3" name="Объект 2"/>
-          <p:cNvSpPr>
-            <a:spLocks noGrp="1"/>
-          </p:cNvSpPr>
-          <p:nvPr>
-            <p:ph idx="1"/>
-          </p:nvPr>
-        </p:nvSpPr>
-        <p:spPr/>
-        <p:txBody>
-          <a:bodyPr>
-            <a:normAutofit/>
-          </a:bodyPr>
-          <a:lstStyle/>
-          <a:p>
-            <a:pPr marL="0" indent="0" algn="ctr">
-              <a:buNone/>
-            </a:pPr>
-            <a:r>
-              <a:rPr lang="en-US" b="1" dirty="0" smtClean="0"/>
-              <a:t>What to do in case of high-bias or high variance?</a:t>
-            </a:r>
-          </a:p>
-          <a:p>
-            <a:pPr marL="0" indent="0">
-              <a:buNone/>
-            </a:pPr>
-            <a:r>
-              <a:rPr lang="en-US" dirty="0" smtClean="0"/>
-              <a:t>Change</a:t>
-            </a:r>
-          </a:p>
-          <a:p>
-            <a:r>
-              <a:rPr lang="en-US" dirty="0" smtClean="0"/>
-              <a:t>Model complexity (e.g. via regularization)</a:t>
-            </a:r>
-          </a:p>
-          <a:p>
-            <a:r>
-              <a:rPr lang="en-US" dirty="0" smtClean="0"/>
-              <a:t>Quantity of training samples</a:t>
-            </a:r>
-          </a:p>
-          <a:p>
-            <a:r>
-              <a:rPr lang="en-US" dirty="0" smtClean="0"/>
-              <a:t>Set of features</a:t>
-            </a:r>
-          </a:p>
-          <a:p>
-            <a:endParaRPr lang="en-US" dirty="0"/>
-          </a:p>
-          <a:p>
-            <a:pPr marL="0" indent="0">
-              <a:buNone/>
-            </a:pPr>
-            <a:r>
-              <a:rPr lang="en-US" sz="2000" b="1" dirty="0" smtClean="0"/>
-              <a:t>Reading</a:t>
-            </a:r>
-          </a:p>
-          <a:p>
-            <a:pPr marL="0" indent="0">
-              <a:buNone/>
-            </a:pPr>
-            <a:r>
-              <a:rPr lang="en-US" sz="1800" i="1" dirty="0"/>
-              <a:t>Jake </a:t>
-            </a:r>
-            <a:r>
-              <a:rPr lang="en-US" sz="1800" i="1" dirty="0" err="1"/>
-              <a:t>VanderPlas</a:t>
-            </a:r>
-            <a:r>
-              <a:rPr lang="en-US" sz="1800" i="1" dirty="0"/>
-              <a:t> </a:t>
-            </a:r>
-            <a:r>
-              <a:rPr lang="en-US" sz="1800" b="1" i="1" dirty="0"/>
-              <a:t>Python Data Science Handbook </a:t>
-            </a:r>
-            <a:r>
-              <a:rPr lang="en-US" sz="1800" i="1" dirty="0" smtClean="0"/>
-              <a:t>(05.03-Hyperparameters-and-Model-Validation)</a:t>
-            </a:r>
-          </a:p>
-          <a:p>
-            <a:pPr marL="0" indent="0">
-              <a:buNone/>
-            </a:pPr>
-            <a:r>
-              <a:rPr lang="en-US" sz="1800" i="1" dirty="0" smtClean="0"/>
-              <a:t>Andrew Ng </a:t>
-            </a:r>
-            <a:r>
-              <a:rPr lang="en-US" sz="1800" b="1" i="1" dirty="0" smtClean="0"/>
-              <a:t>ML: Advice for Applying Machine Learning</a:t>
-            </a:r>
-            <a:endParaRPr lang="ru-RU" sz="1800" b="1" i="1" dirty="0"/>
-          </a:p>
-        </p:txBody>
-      </p:sp>
-      <p:sp>
-        <p:nvSpPr>
-          <p:cNvPr id="4" name="Номер слайда 3"/>
-          <p:cNvSpPr>
-            <a:spLocks noGrp="1"/>
-          </p:cNvSpPr>
-          <p:nvPr>
-            <p:ph type="sldNum" sz="quarter" idx="12"/>
-          </p:nvPr>
-        </p:nvSpPr>
-        <p:spPr/>
-        <p:txBody>
-          <a:bodyPr/>
-          <a:lstStyle/>
-          <a:p>
-            <a:fld id="{B491C8E4-965C-47C5-86B5-2FEC2000E3F4}" type="slidenum">
-              <a:rPr lang="ru-RU" smtClean="0"/>
-              <a:pPr/>
-              <a:t>23</a:t>
-            </a:fld>
-            <a:endParaRPr lang="ru-RU" dirty="0"/>
-          </a:p>
-        </p:txBody>
-      </p:sp>
-      <p:sp>
-        <p:nvSpPr>
-          <p:cNvPr id="6" name="Прямоугольник 5"/>
-          <p:cNvSpPr/>
-          <p:nvPr/>
-        </p:nvSpPr>
-        <p:spPr>
-          <a:xfrm>
-            <a:off x="685800" y="6608433"/>
-            <a:ext cx="1726563" cy="276999"/>
-          </a:xfrm>
-          <a:prstGeom prst="rect">
-            <a:avLst/>
-          </a:prstGeom>
-        </p:spPr>
-        <p:txBody>
-          <a:bodyPr wrap="none">
-            <a:spAutoFit/>
-          </a:bodyPr>
-          <a:lstStyle/>
-          <a:p>
-            <a:r>
-              <a:rPr lang="en-US" sz="1200" b="1" dirty="0">
-                <a:solidFill>
-                  <a:schemeClr val="bg1"/>
-                </a:solidFill>
-              </a:rPr>
-              <a:t>ML-course.   </a:t>
-            </a:r>
-            <a:r>
-              <a:rPr lang="en-US" sz="1200" b="1" dirty="0" smtClean="0">
-                <a:solidFill>
-                  <a:schemeClr val="bg1"/>
-                </a:solidFill>
-              </a:rPr>
-              <a:t>Regression</a:t>
-            </a:r>
-            <a:endParaRPr lang="ru-RU" sz="1200" dirty="0">
-              <a:solidFill>
-                <a:schemeClr val="bg1"/>
-              </a:solidFill>
-            </a:endParaRPr>
-          </a:p>
-        </p:txBody>
-      </p:sp>
-    </p:spTree>
-    <p:extLst>
-      <p:ext uri="{BB962C8B-B14F-4D97-AF65-F5344CB8AC3E}">
-        <p14:creationId xmlns:p14="http://schemas.microsoft.com/office/powerpoint/2010/main" val="4248675537"/>
-      </p:ext>
-    </p:extLst>
-  </p:cSld>
-  <p:clrMapOvr>
-    <a:masterClrMapping/>
-  </p:clrMapOvr>
-</p:sld>
-</file>
-
-<file path=ppt/slides/slide24.xml><?xml version="1.0" encoding="utf-8"?>
-<p:sld xmlns:a="http://schemas.openxmlformats.org/drawingml/2006/main" xmlns:r="http://schemas.openxmlformats.org/officeDocument/2006/relationships" xmlns:p="http://schemas.openxmlformats.org/presentationml/2006/main">
-  <p:cSld>
-    <p:spTree>
-      <p:nvGrpSpPr>
-        <p:cNvPr id="1" name=""/>
-        <p:cNvGrpSpPr/>
-        <p:nvPr/>
-      </p:nvGrpSpPr>
-      <p:grpSpPr>
-        <a:xfrm>
-          <a:off x="0" y="0"/>
-          <a:ext cx="0" cy="0"/>
-          <a:chOff x="0" y="0"/>
-          <a:chExt cx="0" cy="0"/>
-        </a:xfrm>
-      </p:grpSpPr>
-      <p:sp>
-        <p:nvSpPr>
-          <p:cNvPr id="2" name="Заголовок 1"/>
-          <p:cNvSpPr>
-            <a:spLocks noGrp="1"/>
-          </p:cNvSpPr>
-          <p:nvPr>
-            <p:ph type="title"/>
-          </p:nvPr>
-        </p:nvSpPr>
-        <p:spPr/>
-        <p:txBody>
-          <a:bodyPr>
-            <a:normAutofit/>
-          </a:bodyPr>
-          <a:lstStyle/>
-          <a:p>
-            <a:r>
-              <a:rPr lang="en-US" sz="2800" b="1" dirty="0" smtClean="0"/>
-              <a:t>Ways to fix high bias/variance in linear models</a:t>
-            </a:r>
-            <a:endParaRPr lang="ru-RU" sz="2800" dirty="0"/>
-          </a:p>
-        </p:txBody>
-      </p:sp>
-      <p:sp>
-        <p:nvSpPr>
-          <p:cNvPr id="4" name="Номер слайда 3"/>
-          <p:cNvSpPr>
-            <a:spLocks noGrp="1"/>
-          </p:cNvSpPr>
-          <p:nvPr>
-            <p:ph type="sldNum" sz="quarter" idx="12"/>
-          </p:nvPr>
-        </p:nvSpPr>
-        <p:spPr/>
-        <p:txBody>
-          <a:bodyPr/>
-          <a:lstStyle/>
-          <a:p>
-            <a:fld id="{B491C8E4-965C-47C5-86B5-2FEC2000E3F4}" type="slidenum">
-              <a:rPr lang="ru-RU" smtClean="0"/>
-              <a:pPr/>
-              <a:t>24</a:t>
-            </a:fld>
-            <a:endParaRPr lang="ru-RU" dirty="0"/>
-          </a:p>
-        </p:txBody>
-      </p:sp>
-      <p:graphicFrame>
-        <p:nvGraphicFramePr>
-          <p:cNvPr id="6" name="Таблица 5"/>
-          <p:cNvGraphicFramePr>
-            <a:graphicFrameLocks noGrp="1"/>
-          </p:cNvGraphicFramePr>
-          <p:nvPr>
-            <p:extLst>
-              <p:ext uri="{D42A27DB-BD31-4B8C-83A1-F6EECF244321}">
-                <p14:modId xmlns:p14="http://schemas.microsoft.com/office/powerpoint/2010/main" val="2970778722"/>
-              </p:ext>
-            </p:extLst>
-          </p:nvPr>
-        </p:nvGraphicFramePr>
-        <p:xfrm>
-          <a:off x="990600" y="1397000"/>
-          <a:ext cx="7086600" cy="3230880"/>
-        </p:xfrm>
-        <a:graphic>
-          <a:graphicData uri="http://schemas.openxmlformats.org/drawingml/2006/table">
-            <a:tbl>
-              <a:tblPr firstRow="1" bandRow="1">
-                <a:tableStyleId>{69CF1AB2-1976-4502-BF36-3FF5EA218861}</a:tableStyleId>
-              </a:tblPr>
-              <a:tblGrid>
-                <a:gridCol w="3543300"/>
-                <a:gridCol w="3543300"/>
-              </a:tblGrid>
-              <a:tr h="370840">
-                <a:tc>
-                  <a:txBody>
-                    <a:bodyPr/>
-                    <a:lstStyle/>
-                    <a:p>
-                      <a:pPr algn="ctr"/>
-                      <a:r>
-                        <a:rPr lang="en-US" sz="2000" smtClean="0">
-                          <a:latin typeface="Trebuchet MS" panose="020B0603020202020204" pitchFamily="34" charset="0"/>
-                        </a:rPr>
-                        <a:t>High bias (</a:t>
-                      </a:r>
-                      <a:r>
-                        <a:rPr lang="en-US" sz="2000" dirty="0" err="1" smtClean="0">
-                          <a:latin typeface="Trebuchet MS" panose="020B0603020202020204" pitchFamily="34" charset="0"/>
-                        </a:rPr>
-                        <a:t>underfitting</a:t>
-                      </a:r>
-                      <a:r>
-                        <a:rPr lang="en-US" sz="2000" dirty="0" smtClean="0">
-                          <a:latin typeface="Trebuchet MS" panose="020B0603020202020204" pitchFamily="34" charset="0"/>
-                        </a:rPr>
-                        <a:t>)</a:t>
-                      </a:r>
-                      <a:endParaRPr lang="ru-RU" sz="2000" dirty="0">
-                        <a:latin typeface="Trebuchet MS" panose="020B0603020202020204" pitchFamily="34" charset="0"/>
-                      </a:endParaRPr>
-                    </a:p>
-                  </a:txBody>
-                  <a:tcPr/>
-                </a:tc>
-                <a:tc>
-                  <a:txBody>
-                    <a:bodyPr/>
-                    <a:lstStyle/>
-                    <a:p>
-                      <a:pPr algn="ctr"/>
-                      <a:r>
-                        <a:rPr lang="en-US" sz="2000" smtClean="0">
-                          <a:latin typeface="Trebuchet MS" panose="020B0603020202020204" pitchFamily="34" charset="0"/>
-                        </a:rPr>
-                        <a:t>High</a:t>
-                      </a:r>
-                      <a:r>
-                        <a:rPr lang="en-US" sz="2000" baseline="0" smtClean="0">
-                          <a:latin typeface="Trebuchet MS" panose="020B0603020202020204" pitchFamily="34" charset="0"/>
-                        </a:rPr>
-                        <a:t> variance (overfitting)</a:t>
-                      </a:r>
-                      <a:endParaRPr lang="ru-RU" sz="2000" dirty="0">
-                        <a:latin typeface="Trebuchet MS" panose="020B0603020202020204" pitchFamily="34" charset="0"/>
-                      </a:endParaRPr>
-                    </a:p>
-                  </a:txBody>
-                  <a:tcPr/>
-                </a:tc>
-              </a:tr>
-              <a:tr h="370840">
-                <a:tc>
-                  <a:txBody>
-                    <a:bodyPr/>
-                    <a:lstStyle/>
-                    <a:p>
-                      <a:pPr marL="285750" indent="-285750">
-                        <a:buFont typeface="Arial" panose="020B0604020202020204" pitchFamily="34" charset="0"/>
-                        <a:buChar char="•"/>
-                      </a:pPr>
-                      <a:endParaRPr lang="en-US" sz="2000" dirty="0" smtClean="0">
-                        <a:latin typeface="Trebuchet MS" panose="020B0603020202020204" pitchFamily="34" charset="0"/>
-                      </a:endParaRPr>
-                    </a:p>
-                    <a:p>
-                      <a:pPr marL="285750" indent="-285750">
-                        <a:buFont typeface="Arial" panose="020B0604020202020204" pitchFamily="34" charset="0"/>
-                        <a:buChar char="•"/>
-                      </a:pPr>
-                      <a:r>
-                        <a:rPr lang="en-US" sz="2000" dirty="0" smtClean="0">
-                          <a:latin typeface="Trebuchet MS" panose="020B0603020202020204" pitchFamily="34" charset="0"/>
-                        </a:rPr>
-                        <a:t>Add more features</a:t>
-                      </a:r>
-                    </a:p>
-                    <a:p>
-                      <a:pPr marL="285750" indent="-285750">
-                        <a:buFont typeface="Arial" panose="020B0604020202020204" pitchFamily="34" charset="0"/>
-                        <a:buChar char="•"/>
-                      </a:pPr>
-                      <a:endParaRPr lang="en-US" sz="2000" dirty="0" smtClean="0">
-                        <a:latin typeface="Trebuchet MS" panose="020B0603020202020204" pitchFamily="34" charset="0"/>
-                      </a:endParaRPr>
-                    </a:p>
-                    <a:p>
-                      <a:pPr marL="285750" marR="0" indent="-285750" algn="l" defTabSz="914400" rtl="0" eaLnBrk="1" fontAlgn="auto" latinLnBrk="0" hangingPunct="1">
-                        <a:lnSpc>
-                          <a:spcPct val="100000"/>
-                        </a:lnSpc>
-                        <a:spcBef>
-                          <a:spcPts val="0"/>
-                        </a:spcBef>
-                        <a:spcAft>
-                          <a:spcPts val="0"/>
-                        </a:spcAft>
-                        <a:buClrTx/>
-                        <a:buSzTx/>
-                        <a:buFont typeface="Arial" panose="020B0604020202020204" pitchFamily="34" charset="0"/>
-                        <a:buChar char="•"/>
-                        <a:tabLst/>
-                        <a:defRPr/>
-                      </a:pPr>
-                      <a:r>
-                        <a:rPr lang="en-US" sz="2000" dirty="0" smtClean="0">
-                          <a:latin typeface="Trebuchet MS" panose="020B0603020202020204" pitchFamily="34" charset="0"/>
-                        </a:rPr>
-                        <a:t>Add polynomial</a:t>
-                      </a:r>
-                      <a:r>
-                        <a:rPr lang="en-US" sz="2000" baseline="0" dirty="0" smtClean="0">
-                          <a:latin typeface="Trebuchet MS" panose="020B0603020202020204" pitchFamily="34" charset="0"/>
-                        </a:rPr>
-                        <a:t> </a:t>
-                      </a:r>
-                      <a:r>
-                        <a:rPr lang="en-US" sz="2000" dirty="0" smtClean="0">
-                          <a:latin typeface="Trebuchet MS" panose="020B0603020202020204" pitchFamily="34" charset="0"/>
-                        </a:rPr>
-                        <a:t>features</a:t>
-                      </a:r>
-                      <a:endParaRPr lang="ru-RU" sz="2000" dirty="0">
-                        <a:latin typeface="Trebuchet MS" panose="020B0603020202020204" pitchFamily="34" charset="0"/>
-                      </a:endParaRPr>
-                    </a:p>
-                  </a:txBody>
-                  <a:tcPr/>
-                </a:tc>
-                <a:tc>
-                  <a:txBody>
-                    <a:bodyPr/>
-                    <a:lstStyle/>
-                    <a:p>
-                      <a:pPr marL="285750" indent="-285750">
-                        <a:buFont typeface="Arial" panose="020B0604020202020204" pitchFamily="34" charset="0"/>
-                        <a:buChar char="•"/>
-                      </a:pPr>
-                      <a:endParaRPr lang="en-US" sz="2000" dirty="0" smtClean="0">
-                        <a:latin typeface="Trebuchet MS" panose="020B0603020202020204" pitchFamily="34" charset="0"/>
-                      </a:endParaRPr>
-                    </a:p>
-                    <a:p>
-                      <a:pPr marL="285750" indent="-285750">
-                        <a:buFont typeface="Arial" panose="020B0604020202020204" pitchFamily="34" charset="0"/>
-                        <a:buChar char="•"/>
-                      </a:pPr>
-                      <a:r>
-                        <a:rPr lang="en-US" sz="2000" dirty="0" smtClean="0">
-                          <a:latin typeface="Trebuchet MS" panose="020B0603020202020204" pitchFamily="34" charset="0"/>
-                        </a:rPr>
-                        <a:t>More training examples</a:t>
-                      </a:r>
-                    </a:p>
-                    <a:p>
-                      <a:pPr marL="285750" indent="-285750">
-                        <a:buFont typeface="Arial" panose="020B0604020202020204" pitchFamily="34" charset="0"/>
-                        <a:buChar char="•"/>
-                      </a:pPr>
-                      <a:endParaRPr lang="en-US" sz="2000" dirty="0" smtClean="0">
-                        <a:latin typeface="Trebuchet MS" panose="020B0603020202020204" pitchFamily="34" charset="0"/>
-                      </a:endParaRPr>
-                    </a:p>
-                    <a:p>
-                      <a:pPr marL="285750" indent="-285750">
-                        <a:buFont typeface="Arial" panose="020B0604020202020204" pitchFamily="34" charset="0"/>
-                        <a:buChar char="•"/>
-                      </a:pPr>
-                      <a:r>
-                        <a:rPr lang="en-US" sz="2000" dirty="0" smtClean="0">
-                          <a:latin typeface="Trebuchet MS" panose="020B0603020202020204" pitchFamily="34" charset="0"/>
-                        </a:rPr>
-                        <a:t>Smaller set of features</a:t>
-                      </a:r>
-                    </a:p>
-                    <a:p>
-                      <a:pPr marL="285750" indent="-285750">
-                        <a:buFont typeface="Arial" panose="020B0604020202020204" pitchFamily="34" charset="0"/>
-                        <a:buChar char="•"/>
-                      </a:pPr>
-                      <a:endParaRPr lang="en-US" sz="2000" dirty="0" smtClean="0">
-                        <a:latin typeface="Trebuchet MS" panose="020B0603020202020204" pitchFamily="34" charset="0"/>
-                      </a:endParaRPr>
-                    </a:p>
-                    <a:p>
-                      <a:pPr marL="285750" indent="-285750">
-                        <a:buFont typeface="Arial" panose="020B0604020202020204" pitchFamily="34" charset="0"/>
-                        <a:buChar char="•"/>
-                      </a:pPr>
-                      <a:r>
-                        <a:rPr lang="en-US" sz="2000" dirty="0" smtClean="0">
-                          <a:latin typeface="Trebuchet MS" panose="020B0603020202020204" pitchFamily="34" charset="0"/>
-                        </a:rPr>
-                        <a:t>Use regularization</a:t>
-                      </a:r>
-                    </a:p>
-                    <a:p>
-                      <a:pPr marL="0" indent="0">
-                        <a:buFont typeface="Arial" panose="020B0604020202020204" pitchFamily="34" charset="0"/>
-                        <a:buNone/>
-                      </a:pPr>
-                      <a:endParaRPr lang="en-US" sz="2000" dirty="0" smtClean="0">
-                        <a:latin typeface="Trebuchet MS" panose="020B0603020202020204" pitchFamily="34" charset="0"/>
-                      </a:endParaRPr>
-                    </a:p>
-                    <a:p>
-                      <a:pPr marL="285750" indent="-285750">
-                        <a:buFont typeface="Arial" panose="020B0604020202020204" pitchFamily="34" charset="0"/>
-                        <a:buChar char="•"/>
-                      </a:pPr>
-                      <a:r>
-                        <a:rPr lang="en-US" sz="2000" dirty="0" smtClean="0">
-                          <a:latin typeface="Trebuchet MS" panose="020B0603020202020204" pitchFamily="34" charset="0"/>
-                        </a:rPr>
-                        <a:t>Increase regularization strength (coefficient)</a:t>
-                      </a:r>
-                      <a:endParaRPr lang="ru-RU" sz="2000" dirty="0">
-                        <a:latin typeface="Trebuchet MS" panose="020B0603020202020204" pitchFamily="34" charset="0"/>
-                      </a:endParaRPr>
-                    </a:p>
-                  </a:txBody>
-                  <a:tcPr/>
-                </a:tc>
-              </a:tr>
-            </a:tbl>
-          </a:graphicData>
-        </a:graphic>
-      </p:graphicFrame>
-      <p:sp>
-        <p:nvSpPr>
-          <p:cNvPr id="7" name="Прямоугольник 6"/>
-          <p:cNvSpPr/>
-          <p:nvPr/>
-        </p:nvSpPr>
-        <p:spPr>
-          <a:xfrm>
-            <a:off x="685800" y="6608433"/>
-            <a:ext cx="1726563" cy="276999"/>
-          </a:xfrm>
-          <a:prstGeom prst="rect">
-            <a:avLst/>
-          </a:prstGeom>
-        </p:spPr>
-        <p:txBody>
-          <a:bodyPr wrap="none">
-            <a:spAutoFit/>
-          </a:bodyPr>
-          <a:lstStyle/>
-          <a:p>
-            <a:r>
-              <a:rPr lang="en-US" sz="1200" b="1" dirty="0">
-                <a:solidFill>
-                  <a:schemeClr val="bg1"/>
-                </a:solidFill>
-              </a:rPr>
-              <a:t>ML-course.   </a:t>
-            </a:r>
-            <a:r>
-              <a:rPr lang="en-US" sz="1200" b="1" dirty="0" smtClean="0">
-                <a:solidFill>
-                  <a:schemeClr val="bg1"/>
-                </a:solidFill>
-              </a:rPr>
-              <a:t>Regression</a:t>
-            </a:r>
-            <a:endParaRPr lang="ru-RU" sz="1200" dirty="0">
-              <a:solidFill>
-                <a:schemeClr val="bg1"/>
-              </a:solidFill>
-            </a:endParaRPr>
-          </a:p>
-        </p:txBody>
-      </p:sp>
-    </p:spTree>
-    <p:extLst>
-      <p:ext uri="{BB962C8B-B14F-4D97-AF65-F5344CB8AC3E}">
-        <p14:creationId xmlns:p14="http://schemas.microsoft.com/office/powerpoint/2010/main" val="1972052078"/>
-      </p:ext>
-    </p:extLst>
-  </p:cSld>
-  <p:clrMapOvr>
-    <a:masterClrMapping/>
-  </p:clrMapOvr>
-</p:sld>
-</file>
-
 <file path=ppt/slides/slide25.xml><?xml version="1.0" encoding="utf-8"?>
 <p:sld xmlns:a="http://schemas.openxmlformats.org/drawingml/2006/main" xmlns:r="http://schemas.openxmlformats.org/officeDocument/2006/relationships" xmlns:p="http://schemas.openxmlformats.org/presentationml/2006/main">
   <p:cSld>
@@ -20386,8 +20396,13 @@
             </a:r>
             <a:r>
               <a:rPr lang="en-US" sz="3300" b="1" i="1" dirty="0" smtClean="0"/>
-              <a:t> arrays</a:t>
-            </a:r>
+              <a:t> </a:t>
+            </a:r>
+            <a:r>
+              <a:rPr lang="en-US" sz="3300" b="1" i="1" dirty="0" smtClean="0"/>
+              <a:t>array</a:t>
+            </a:r>
+            <a:endParaRPr lang="en-US" sz="3300" b="1" i="1" dirty="0" smtClean="0"/>
           </a:p>
           <a:p>
             <a:pPr marL="900113" indent="0">
@@ -20407,7 +20422,7 @@
             </a:r>
             <a:r>
               <a:rPr lang="en-US" sz="3300" i="1" dirty="0" err="1" smtClean="0"/>
-              <a:t>n_features</a:t>
+              <a:t>m_features</a:t>
             </a:r>
             <a:r>
               <a:rPr lang="en-US" sz="3300" i="1" dirty="0"/>
@@ -20439,13 +20454,18 @@
               <a:t>one-dimensional </a:t>
             </a:r>
             <a:r>
-              <a:rPr lang="en-US" sz="3300" i="1" dirty="0" err="1" smtClean="0"/>
+              <a:rPr lang="en-US" sz="3300" b="1" i="1" dirty="0" err="1" smtClean="0"/>
               <a:t>numpy</a:t>
             </a:r>
             <a:r>
-              <a:rPr lang="en-US" sz="3300" i="1" dirty="0" smtClean="0"/>
-              <a:t> arrays </a:t>
-            </a:r>
+              <a:rPr lang="en-US" sz="3300" b="1" i="1" dirty="0" smtClean="0"/>
+              <a:t> </a:t>
+            </a:r>
+            <a:r>
+              <a:rPr lang="en-US" sz="3300" b="1" i="1" dirty="0" smtClean="0"/>
+              <a:t>array </a:t>
+            </a:r>
+            <a:endParaRPr lang="en-US" sz="3300" b="1" i="1" dirty="0" smtClean="0"/>
           </a:p>
           <a:p>
             <a:pPr marL="900113" indent="0">

--- a/lecture_regression/presentation/lecture_regression.pptx
+++ b/lecture_regression/presentation/lecture_regression.pptx
@@ -235,7 +235,7 @@
           <a:p>
             <a:fld id="{8CCD710B-DBEB-48B9-BE37-6CC35DC50D83}" type="datetimeFigureOut">
               <a:rPr lang="ru-RU" smtClean="0"/>
-              <a:t>24.05.2018</a:t>
+              <a:t>08.10.2018</a:t>
             </a:fld>
             <a:endParaRPr lang="ru-RU"/>
           </a:p>
@@ -400,7 +400,7 @@
           <a:p>
             <a:fld id="{599FBC4C-1749-4424-9522-1B6D127EF272}" type="datetimeFigureOut">
               <a:rPr lang="ru-RU" smtClean="0"/>
-              <a:t>24.05.2018</a:t>
+              <a:t>08.10.2018</a:t>
             </a:fld>
             <a:endParaRPr lang="ru-RU" dirty="0"/>
           </a:p>
@@ -733,7 +733,7 @@
           <a:p>
             <a:fld id="{4DFC6225-C8ED-4E9F-A34F-711DD8E7E2B6}" type="slidenum">
               <a:rPr lang="ru-RU" smtClean="0"/>
-              <a:t>15</a:t>
+              <a:t>2</a:t>
             </a:fld>
             <a:endParaRPr lang="ru-RU" dirty="0"/>
           </a:p>
@@ -742,7 +742,7 @@
     </p:spTree>
     <p:extLst>
       <p:ext uri="{BB962C8B-B14F-4D97-AF65-F5344CB8AC3E}">
-        <p14:creationId xmlns:p14="http://schemas.microsoft.com/office/powerpoint/2010/main" val="1861634282"/>
+        <p14:creationId xmlns:p14="http://schemas.microsoft.com/office/powerpoint/2010/main" val="1341353748"/>
       </p:ext>
     </p:extLst>
   </p:cSld>
@@ -817,7 +817,7 @@
           <a:p>
             <a:fld id="{4DFC6225-C8ED-4E9F-A34F-711DD8E7E2B6}" type="slidenum">
               <a:rPr lang="ru-RU" smtClean="0"/>
-              <a:t>18</a:t>
+              <a:t>6</a:t>
             </a:fld>
             <a:endParaRPr lang="ru-RU" dirty="0"/>
           </a:p>
@@ -826,7 +826,7 @@
     </p:spTree>
     <p:extLst>
       <p:ext uri="{BB962C8B-B14F-4D97-AF65-F5344CB8AC3E}">
-        <p14:creationId xmlns:p14="http://schemas.microsoft.com/office/powerpoint/2010/main" val="2525157508"/>
+        <p14:creationId xmlns:p14="http://schemas.microsoft.com/office/powerpoint/2010/main" val="1643304719"/>
       </p:ext>
     </p:extLst>
   </p:cSld>
@@ -901,7 +901,7 @@
           <a:p>
             <a:fld id="{4DFC6225-C8ED-4E9F-A34F-711DD8E7E2B6}" type="slidenum">
               <a:rPr lang="ru-RU" smtClean="0"/>
-              <a:t>19</a:t>
+              <a:t>15</a:t>
             </a:fld>
             <a:endParaRPr lang="ru-RU" dirty="0"/>
           </a:p>
@@ -910,7 +910,7 @@
     </p:spTree>
     <p:extLst>
       <p:ext uri="{BB962C8B-B14F-4D97-AF65-F5344CB8AC3E}">
-        <p14:creationId xmlns:p14="http://schemas.microsoft.com/office/powerpoint/2010/main" val="3403422140"/>
+        <p14:creationId xmlns:p14="http://schemas.microsoft.com/office/powerpoint/2010/main" val="1861634282"/>
       </p:ext>
     </p:extLst>
   </p:cSld>
@@ -985,6 +985,174 @@
           <a:p>
             <a:fld id="{4DFC6225-C8ED-4E9F-A34F-711DD8E7E2B6}" type="slidenum">
               <a:rPr lang="ru-RU" smtClean="0"/>
+              <a:t>18</a:t>
+            </a:fld>
+            <a:endParaRPr lang="ru-RU" dirty="0"/>
+          </a:p>
+        </p:txBody>
+      </p:sp>
+    </p:spTree>
+    <p:extLst>
+      <p:ext uri="{BB962C8B-B14F-4D97-AF65-F5344CB8AC3E}">
+        <p14:creationId xmlns:p14="http://schemas.microsoft.com/office/powerpoint/2010/main" val="2525157508"/>
+      </p:ext>
+    </p:extLst>
+  </p:cSld>
+  <p:clrMapOvr>
+    <a:masterClrMapping/>
+  </p:clrMapOvr>
+</p:notes>
+</file>
+
+<file path=ppt/notesSlides/notesSlide5.xml><?xml version="1.0" encoding="utf-8"?>
+<p:notes xmlns:a="http://schemas.openxmlformats.org/drawingml/2006/main" xmlns:r="http://schemas.openxmlformats.org/officeDocument/2006/relationships" xmlns:p="http://schemas.openxmlformats.org/presentationml/2006/main">
+  <p:cSld>
+    <p:spTree>
+      <p:nvGrpSpPr>
+        <p:cNvPr id="1" name=""/>
+        <p:cNvGrpSpPr/>
+        <p:nvPr/>
+      </p:nvGrpSpPr>
+      <p:grpSpPr>
+        <a:xfrm>
+          <a:off x="0" y="0"/>
+          <a:ext cx="0" cy="0"/>
+          <a:chOff x="0" y="0"/>
+          <a:chExt cx="0" cy="0"/>
+        </a:xfrm>
+      </p:grpSpPr>
+      <p:sp>
+        <p:nvSpPr>
+          <p:cNvPr id="2" name="Образ слайда 1"/>
+          <p:cNvSpPr>
+            <a:spLocks noGrp="1" noRot="1" noChangeAspect="1"/>
+          </p:cNvSpPr>
+          <p:nvPr>
+            <p:ph type="sldImg"/>
+          </p:nvPr>
+        </p:nvSpPr>
+        <p:spPr/>
+      </p:sp>
+      <p:sp>
+        <p:nvSpPr>
+          <p:cNvPr id="3" name="Заметки 2"/>
+          <p:cNvSpPr>
+            <a:spLocks noGrp="1"/>
+          </p:cNvSpPr>
+          <p:nvPr>
+            <p:ph type="body" idx="1"/>
+          </p:nvPr>
+        </p:nvSpPr>
+        <p:spPr/>
+        <p:txBody>
+          <a:bodyPr/>
+          <a:lstStyle/>
+          <a:p>
+            <a:endParaRPr lang="ru-RU" dirty="0"/>
+          </a:p>
+        </p:txBody>
+      </p:sp>
+      <p:sp>
+        <p:nvSpPr>
+          <p:cNvPr id="4" name="Номер слайда 3"/>
+          <p:cNvSpPr>
+            <a:spLocks noGrp="1"/>
+          </p:cNvSpPr>
+          <p:nvPr>
+            <p:ph type="sldNum" sz="quarter" idx="10"/>
+          </p:nvPr>
+        </p:nvSpPr>
+        <p:spPr/>
+        <p:txBody>
+          <a:bodyPr/>
+          <a:lstStyle/>
+          <a:p>
+            <a:fld id="{4DFC6225-C8ED-4E9F-A34F-711DD8E7E2B6}" type="slidenum">
+              <a:rPr lang="ru-RU" smtClean="0"/>
+              <a:t>19</a:t>
+            </a:fld>
+            <a:endParaRPr lang="ru-RU" dirty="0"/>
+          </a:p>
+        </p:txBody>
+      </p:sp>
+    </p:spTree>
+    <p:extLst>
+      <p:ext uri="{BB962C8B-B14F-4D97-AF65-F5344CB8AC3E}">
+        <p14:creationId xmlns:p14="http://schemas.microsoft.com/office/powerpoint/2010/main" val="3403422140"/>
+      </p:ext>
+    </p:extLst>
+  </p:cSld>
+  <p:clrMapOvr>
+    <a:masterClrMapping/>
+  </p:clrMapOvr>
+</p:notes>
+</file>
+
+<file path=ppt/notesSlides/notesSlide6.xml><?xml version="1.0" encoding="utf-8"?>
+<p:notes xmlns:a="http://schemas.openxmlformats.org/drawingml/2006/main" xmlns:r="http://schemas.openxmlformats.org/officeDocument/2006/relationships" xmlns:p="http://schemas.openxmlformats.org/presentationml/2006/main">
+  <p:cSld>
+    <p:spTree>
+      <p:nvGrpSpPr>
+        <p:cNvPr id="1" name=""/>
+        <p:cNvGrpSpPr/>
+        <p:nvPr/>
+      </p:nvGrpSpPr>
+      <p:grpSpPr>
+        <a:xfrm>
+          <a:off x="0" y="0"/>
+          <a:ext cx="0" cy="0"/>
+          <a:chOff x="0" y="0"/>
+          <a:chExt cx="0" cy="0"/>
+        </a:xfrm>
+      </p:grpSpPr>
+      <p:sp>
+        <p:nvSpPr>
+          <p:cNvPr id="2" name="Образ слайда 1"/>
+          <p:cNvSpPr>
+            <a:spLocks noGrp="1" noRot="1" noChangeAspect="1"/>
+          </p:cNvSpPr>
+          <p:nvPr>
+            <p:ph type="sldImg"/>
+          </p:nvPr>
+        </p:nvSpPr>
+        <p:spPr/>
+      </p:sp>
+      <p:sp>
+        <p:nvSpPr>
+          <p:cNvPr id="3" name="Заметки 2"/>
+          <p:cNvSpPr>
+            <a:spLocks noGrp="1"/>
+          </p:cNvSpPr>
+          <p:nvPr>
+            <p:ph type="body" idx="1"/>
+          </p:nvPr>
+        </p:nvSpPr>
+        <p:spPr/>
+        <p:txBody>
+          <a:bodyPr/>
+          <a:lstStyle/>
+          <a:p>
+            <a:endParaRPr lang="ru-RU" dirty="0"/>
+          </a:p>
+        </p:txBody>
+      </p:sp>
+      <p:sp>
+        <p:nvSpPr>
+          <p:cNvPr id="4" name="Номер слайда 3"/>
+          <p:cNvSpPr>
+            <a:spLocks noGrp="1"/>
+          </p:cNvSpPr>
+          <p:nvPr>
+            <p:ph type="sldNum" sz="quarter" idx="10"/>
+          </p:nvPr>
+        </p:nvSpPr>
+        <p:spPr/>
+        <p:txBody>
+          <a:bodyPr/>
+          <a:lstStyle/>
+          <a:p>
+            <a:fld id="{4DFC6225-C8ED-4E9F-A34F-711DD8E7E2B6}" type="slidenum">
+              <a:rPr lang="ru-RU" smtClean="0"/>
               <a:t>20</a:t>
             </a:fld>
             <a:endParaRPr lang="ru-RU" dirty="0"/>
@@ -1004,7 +1172,7 @@
 </p:notes>
 </file>
 
-<file path=ppt/notesSlides/notesSlide5.xml><?xml version="1.0" encoding="utf-8"?>
+<file path=ppt/notesSlides/notesSlide7.xml><?xml version="1.0" encoding="utf-8"?>
 <p:notes xmlns:a="http://schemas.openxmlformats.org/drawingml/2006/main" xmlns:r="http://schemas.openxmlformats.org/officeDocument/2006/relationships" xmlns:p="http://schemas.openxmlformats.org/presentationml/2006/main">
   <p:cSld>
     <p:spTree>
@@ -5042,9 +5210,14 @@
           <a:bodyPr/>
           <a:lstStyle/>
           <a:p>
+            <a:pPr algn="l"/>
             <a:r>
               <a:rPr lang="en-US" b="1" dirty="0" smtClean="0"/>
-              <a:t>ML-course.   Regression</a:t>
+              <a:t>TENSOR.BY						ML-course</a:t>
+            </a:r>
+            <a:r>
+              <a:rPr lang="en-US" b="1" dirty="0" smtClean="0"/>
+              <a:t>.   Regression</a:t>
             </a:r>
             <a:endParaRPr lang="ru-RU" dirty="0"/>
           </a:p>
@@ -5408,46 +5581,41 @@
       </p:pic>
       <p:sp>
         <p:nvSpPr>
-          <p:cNvPr id="10" name="Прямоугольник 9"/>
-          <p:cNvSpPr/>
-          <p:nvPr/>
+          <p:cNvPr id="11" name="Нижний колонтитул 4"/>
+          <p:cNvSpPr>
+            <a:spLocks noGrp="1"/>
+          </p:cNvSpPr>
+          <p:nvPr>
+            <p:ph type="ftr" sz="quarter" idx="11"/>
+          </p:nvPr>
         </p:nvSpPr>
         <p:spPr>
           <a:xfrm>
-            <a:off x="685800" y="6608433"/>
-            <a:ext cx="1691297" cy="276999"/>
+            <a:off x="228600" y="6629400"/>
+            <a:ext cx="7315200" cy="228601"/>
           </a:xfrm>
-          <a:prstGeom prst="rect">
-            <a:avLst/>
-          </a:prstGeom>
         </p:spPr>
         <p:txBody>
-          <a:bodyPr wrap="none">
-            <a:spAutoFit/>
-          </a:bodyPr>
+          <a:bodyPr/>
           <a:lstStyle/>
           <a:p>
             <a:r>
-              <a:rPr lang="en-US" sz="1200" b="1" dirty="0">
-                <a:solidFill>
-                  <a:schemeClr val="bg1"/>
-                </a:solidFill>
-              </a:rPr>
-              <a:t>ML-course.   </a:t>
-            </a:r>
-            <a:r>
-              <a:rPr lang="en-US" sz="1200" b="1" dirty="0" smtClean="0">
-                <a:solidFill>
-                  <a:schemeClr val="bg1"/>
-                </a:solidFill>
-              </a:rPr>
+              <a:rPr lang="en-US" sz="1400" b="1" dirty="0" smtClean="0"/>
+              <a:t>TENSOR.BY				</a:t>
+            </a:r>
+            <a:r>
+              <a:rPr lang="en-US" b="1" dirty="0" smtClean="0"/>
+              <a:t>ML-course</a:t>
+            </a:r>
+            <a:r>
+              <a:rPr lang="en-US" b="1" dirty="0"/>
+              <a:t>.   </a:t>
+            </a:r>
+            <a:r>
+              <a:rPr lang="en-US" b="1" dirty="0" smtClean="0"/>
               <a:t>Regression</a:t>
             </a:r>
-            <a:endParaRPr lang="ru-RU" sz="1200" dirty="0">
-              <a:solidFill>
-                <a:schemeClr val="bg1"/>
-              </a:solidFill>
-            </a:endParaRPr>
+            <a:endParaRPr lang="ru-RU" dirty="0"/>
           </a:p>
         </p:txBody>
       </p:sp>
@@ -5877,46 +6045,41 @@
       </p:sp>
       <p:sp>
         <p:nvSpPr>
-          <p:cNvPr id="10" name="Прямоугольник 9"/>
-          <p:cNvSpPr/>
-          <p:nvPr/>
+          <p:cNvPr id="6" name="Нижний колонтитул 4"/>
+          <p:cNvSpPr>
+            <a:spLocks noGrp="1"/>
+          </p:cNvSpPr>
+          <p:nvPr>
+            <p:ph type="ftr" sz="quarter" idx="11"/>
+          </p:nvPr>
         </p:nvSpPr>
         <p:spPr>
           <a:xfrm>
-            <a:off x="685800" y="6608433"/>
-            <a:ext cx="1691297" cy="276999"/>
+            <a:off x="228600" y="6629400"/>
+            <a:ext cx="7315200" cy="228601"/>
           </a:xfrm>
-          <a:prstGeom prst="rect">
-            <a:avLst/>
-          </a:prstGeom>
         </p:spPr>
         <p:txBody>
-          <a:bodyPr wrap="none">
-            <a:spAutoFit/>
-          </a:bodyPr>
+          <a:bodyPr/>
           <a:lstStyle/>
           <a:p>
             <a:r>
-              <a:rPr lang="en-US" sz="1200" b="1" dirty="0">
-                <a:solidFill>
-                  <a:schemeClr val="bg1"/>
-                </a:solidFill>
-              </a:rPr>
-              <a:t>ML-course.   </a:t>
-            </a:r>
-            <a:r>
-              <a:rPr lang="en-US" sz="1200" b="1" dirty="0" smtClean="0">
-                <a:solidFill>
-                  <a:schemeClr val="bg1"/>
-                </a:solidFill>
-              </a:rPr>
+              <a:rPr lang="en-US" sz="1400" b="1" dirty="0" smtClean="0"/>
+              <a:t>TENSOR.BY				</a:t>
+            </a:r>
+            <a:r>
+              <a:rPr lang="en-US" b="1" dirty="0" smtClean="0"/>
+              <a:t>ML-course</a:t>
+            </a:r>
+            <a:r>
+              <a:rPr lang="en-US" b="1" dirty="0"/>
+              <a:t>.   </a:t>
+            </a:r>
+            <a:r>
+              <a:rPr lang="en-US" b="1" dirty="0" smtClean="0"/>
               <a:t>Regression</a:t>
             </a:r>
-            <a:endParaRPr lang="ru-RU" sz="1200" dirty="0">
-              <a:solidFill>
-                <a:schemeClr val="bg1"/>
-              </a:solidFill>
-            </a:endParaRPr>
+            <a:endParaRPr lang="ru-RU" dirty="0"/>
           </a:p>
         </p:txBody>
       </p:sp>
@@ -6033,51 +6196,6 @@
           </a:p>
         </p:txBody>
       </p:sp>
-      <p:sp>
-        <p:nvSpPr>
-          <p:cNvPr id="10" name="Прямоугольник 9"/>
-          <p:cNvSpPr/>
-          <p:nvPr/>
-        </p:nvSpPr>
-        <p:spPr>
-          <a:xfrm>
-            <a:off x="685800" y="6608433"/>
-            <a:ext cx="1726563" cy="276999"/>
-          </a:xfrm>
-          <a:prstGeom prst="rect">
-            <a:avLst/>
-          </a:prstGeom>
-        </p:spPr>
-        <p:txBody>
-          <a:bodyPr wrap="none">
-            <a:spAutoFit/>
-          </a:bodyPr>
-          <a:lstStyle/>
-          <a:p>
-            <a:r>
-              <a:rPr lang="en-US" sz="1200" b="1" dirty="0">
-                <a:solidFill>
-                  <a:schemeClr val="bg1"/>
-                </a:solidFill>
-              </a:rPr>
-              <a:t>ML-course.   </a:t>
-            </a:r>
-            <a:r>
-              <a:rPr lang="en-US" sz="1200" b="1" dirty="0" smtClean="0">
-                <a:solidFill>
-                  <a:schemeClr val="bg1"/>
-                </a:solidFill>
-              </a:rPr>
-              <a:t>Regression</a:t>
-            </a:r>
-            <a:endParaRPr lang="ru-RU" sz="1200" dirty="0">
-              <a:solidFill>
-                <a:schemeClr val="bg1"/>
-              </a:solidFill>
-            </a:endParaRPr>
-          </a:p>
-        </p:txBody>
-      </p:sp>
       <p:pic>
         <p:nvPicPr>
           <p:cNvPr id="2" name="Рисунок 1"/>
@@ -6102,6 +6220,46 @@
           </a:prstGeom>
         </p:spPr>
       </p:pic>
+      <p:sp>
+        <p:nvSpPr>
+          <p:cNvPr id="6" name="Нижний колонтитул 4"/>
+          <p:cNvSpPr>
+            <a:spLocks noGrp="1"/>
+          </p:cNvSpPr>
+          <p:nvPr>
+            <p:ph type="ftr" sz="quarter" idx="11"/>
+          </p:nvPr>
+        </p:nvSpPr>
+        <p:spPr>
+          <a:xfrm>
+            <a:off x="228600" y="6629400"/>
+            <a:ext cx="7315200" cy="228601"/>
+          </a:xfrm>
+        </p:spPr>
+        <p:txBody>
+          <a:bodyPr/>
+          <a:lstStyle/>
+          <a:p>
+            <a:r>
+              <a:rPr lang="en-US" sz="1400" b="1" dirty="0" smtClean="0"/>
+              <a:t>TENSOR.BY				</a:t>
+            </a:r>
+            <a:r>
+              <a:rPr lang="en-US" b="1" dirty="0" smtClean="0"/>
+              <a:t>ML-course</a:t>
+            </a:r>
+            <a:r>
+              <a:rPr lang="en-US" b="1" dirty="0"/>
+              <a:t>.   </a:t>
+            </a:r>
+            <a:r>
+              <a:rPr lang="en-US" b="1" dirty="0" smtClean="0"/>
+              <a:t>Regression</a:t>
+            </a:r>
+            <a:endParaRPr lang="ru-RU" dirty="0"/>
+          </a:p>
+        </p:txBody>
+      </p:sp>
     </p:spTree>
     <p:extLst>
       <p:ext uri="{BB962C8B-B14F-4D97-AF65-F5344CB8AC3E}">
@@ -6434,7 +6592,6 @@
               <a:rPr lang="en-US" dirty="0" smtClean="0"/>
               <a:t>Regression</a:t>
             </a:r>
-            <a:endParaRPr lang="en-US" dirty="0" smtClean="0"/>
           </a:p>
           <a:p>
             <a:pPr marL="0" lvl="1" indent="0">
@@ -6502,46 +6659,41 @@
       </p:sp>
       <p:sp>
         <p:nvSpPr>
-          <p:cNvPr id="6" name="Прямоугольник 5"/>
-          <p:cNvSpPr/>
-          <p:nvPr/>
+          <p:cNvPr id="10" name="Нижний колонтитул 4"/>
+          <p:cNvSpPr>
+            <a:spLocks noGrp="1"/>
+          </p:cNvSpPr>
+          <p:nvPr>
+            <p:ph type="ftr" sz="quarter" idx="11"/>
+          </p:nvPr>
         </p:nvSpPr>
         <p:spPr>
           <a:xfrm>
-            <a:off x="685800" y="6608433"/>
-            <a:ext cx="1726563" cy="276999"/>
+            <a:off x="228600" y="6629400"/>
+            <a:ext cx="7315200" cy="228601"/>
           </a:xfrm>
-          <a:prstGeom prst="rect">
-            <a:avLst/>
-          </a:prstGeom>
         </p:spPr>
         <p:txBody>
-          <a:bodyPr wrap="none">
-            <a:spAutoFit/>
-          </a:bodyPr>
+          <a:bodyPr/>
           <a:lstStyle/>
           <a:p>
             <a:r>
-              <a:rPr lang="en-US" sz="1200" b="1" dirty="0">
-                <a:solidFill>
-                  <a:schemeClr val="bg1"/>
-                </a:solidFill>
-              </a:rPr>
-              <a:t>ML-course.   </a:t>
-            </a:r>
-            <a:r>
-              <a:rPr lang="en-US" sz="1200" b="1" dirty="0" smtClean="0">
-                <a:solidFill>
-                  <a:schemeClr val="bg1"/>
-                </a:solidFill>
-              </a:rPr>
+              <a:rPr lang="en-US" sz="1400" b="1" dirty="0" smtClean="0"/>
+              <a:t>TENSOR.BY				</a:t>
+            </a:r>
+            <a:r>
+              <a:rPr lang="en-US" b="1" dirty="0" smtClean="0"/>
+              <a:t>ML-course</a:t>
+            </a:r>
+            <a:r>
+              <a:rPr lang="en-US" b="1" dirty="0"/>
+              <a:t>.   </a:t>
+            </a:r>
+            <a:r>
+              <a:rPr lang="en-US" b="1" dirty="0" smtClean="0"/>
               <a:t>Regression</a:t>
             </a:r>
-            <a:endParaRPr lang="ru-RU" sz="1200" dirty="0">
-              <a:solidFill>
-                <a:schemeClr val="bg1"/>
-              </a:solidFill>
-            </a:endParaRPr>
+            <a:endParaRPr lang="ru-RU" dirty="0"/>
           </a:p>
         </p:txBody>
       </p:sp>
@@ -8005,46 +8157,41 @@
       </mc:AlternateContent>
       <p:sp>
         <p:nvSpPr>
-          <p:cNvPr id="12" name="Прямоугольник 11"/>
-          <p:cNvSpPr/>
-          <p:nvPr/>
+          <p:cNvPr id="10" name="Нижний колонтитул 4"/>
+          <p:cNvSpPr>
+            <a:spLocks noGrp="1"/>
+          </p:cNvSpPr>
+          <p:nvPr>
+            <p:ph type="ftr" sz="quarter" idx="11"/>
+          </p:nvPr>
         </p:nvSpPr>
         <p:spPr>
           <a:xfrm>
-            <a:off x="685800" y="6608433"/>
-            <a:ext cx="1726563" cy="276999"/>
+            <a:off x="228600" y="6629400"/>
+            <a:ext cx="7315200" cy="228601"/>
           </a:xfrm>
-          <a:prstGeom prst="rect">
-            <a:avLst/>
-          </a:prstGeom>
         </p:spPr>
         <p:txBody>
-          <a:bodyPr wrap="none">
-            <a:spAutoFit/>
-          </a:bodyPr>
+          <a:bodyPr/>
           <a:lstStyle/>
           <a:p>
             <a:r>
-              <a:rPr lang="en-US" sz="1200" b="1" dirty="0">
-                <a:solidFill>
-                  <a:schemeClr val="bg1"/>
-                </a:solidFill>
-              </a:rPr>
-              <a:t>ML-course.   </a:t>
-            </a:r>
-            <a:r>
-              <a:rPr lang="en-US" sz="1200" b="1" dirty="0" smtClean="0">
-                <a:solidFill>
-                  <a:schemeClr val="bg1"/>
-                </a:solidFill>
-              </a:rPr>
+              <a:rPr lang="en-US" sz="1400" b="1" dirty="0" smtClean="0"/>
+              <a:t>TENSOR.BY				</a:t>
+            </a:r>
+            <a:r>
+              <a:rPr lang="en-US" b="1" dirty="0" smtClean="0"/>
+              <a:t>ML-course</a:t>
+            </a:r>
+            <a:r>
+              <a:rPr lang="en-US" b="1" dirty="0"/>
+              <a:t>.   </a:t>
+            </a:r>
+            <a:r>
+              <a:rPr lang="en-US" b="1" dirty="0" smtClean="0"/>
               <a:t>Regression</a:t>
             </a:r>
-            <a:endParaRPr lang="ru-RU" sz="1200" dirty="0">
-              <a:solidFill>
-                <a:schemeClr val="bg1"/>
-              </a:solidFill>
-            </a:endParaRPr>
+            <a:endParaRPr lang="ru-RU" dirty="0"/>
           </a:p>
         </p:txBody>
       </p:sp>
@@ -9705,46 +9852,41 @@
       </mc:AlternateContent>
       <p:sp>
         <p:nvSpPr>
-          <p:cNvPr id="13" name="Прямоугольник 12"/>
-          <p:cNvSpPr/>
-          <p:nvPr/>
+          <p:cNvPr id="10" name="Нижний колонтитул 4"/>
+          <p:cNvSpPr>
+            <a:spLocks noGrp="1"/>
+          </p:cNvSpPr>
+          <p:nvPr>
+            <p:ph type="ftr" sz="quarter" idx="11"/>
+          </p:nvPr>
         </p:nvSpPr>
         <p:spPr>
           <a:xfrm>
-            <a:off x="685800" y="6608433"/>
-            <a:ext cx="1726563" cy="276999"/>
+            <a:off x="228600" y="6629400"/>
+            <a:ext cx="7315200" cy="228601"/>
           </a:xfrm>
-          <a:prstGeom prst="rect">
-            <a:avLst/>
-          </a:prstGeom>
         </p:spPr>
         <p:txBody>
-          <a:bodyPr wrap="none">
-            <a:spAutoFit/>
-          </a:bodyPr>
+          <a:bodyPr/>
           <a:lstStyle/>
           <a:p>
             <a:r>
-              <a:rPr lang="en-US" sz="1200" b="1" dirty="0">
-                <a:solidFill>
-                  <a:schemeClr val="bg1"/>
-                </a:solidFill>
-              </a:rPr>
-              <a:t>ML-course.   </a:t>
-            </a:r>
-            <a:r>
-              <a:rPr lang="en-US" sz="1200" b="1" dirty="0" smtClean="0">
-                <a:solidFill>
-                  <a:schemeClr val="bg1"/>
-                </a:solidFill>
-              </a:rPr>
+              <a:rPr lang="en-US" sz="1400" b="1" dirty="0" smtClean="0"/>
+              <a:t>TENSOR.BY				</a:t>
+            </a:r>
+            <a:r>
+              <a:rPr lang="en-US" b="1" dirty="0" smtClean="0"/>
+              <a:t>ML-course</a:t>
+            </a:r>
+            <a:r>
+              <a:rPr lang="en-US" b="1" dirty="0"/>
+              <a:t>.   </a:t>
+            </a:r>
+            <a:r>
+              <a:rPr lang="en-US" b="1" dirty="0" smtClean="0"/>
               <a:t>Regression</a:t>
             </a:r>
-            <a:endParaRPr lang="ru-RU" sz="1200" dirty="0">
-              <a:solidFill>
-                <a:schemeClr val="bg1"/>
-              </a:solidFill>
-            </a:endParaRPr>
+            <a:endParaRPr lang="ru-RU" dirty="0"/>
           </a:p>
         </p:txBody>
       </p:sp>
@@ -9905,46 +10047,41 @@
       </p:sp>
       <p:sp>
         <p:nvSpPr>
-          <p:cNvPr id="6" name="Прямоугольник 5"/>
-          <p:cNvSpPr/>
-          <p:nvPr/>
+          <p:cNvPr id="7" name="Нижний колонтитул 4"/>
+          <p:cNvSpPr>
+            <a:spLocks noGrp="1"/>
+          </p:cNvSpPr>
+          <p:nvPr>
+            <p:ph type="ftr" sz="quarter" idx="11"/>
+          </p:nvPr>
         </p:nvSpPr>
         <p:spPr>
           <a:xfrm>
-            <a:off x="685800" y="6608433"/>
-            <a:ext cx="1726563" cy="276999"/>
+            <a:off x="228600" y="6629400"/>
+            <a:ext cx="7315200" cy="228601"/>
           </a:xfrm>
-          <a:prstGeom prst="rect">
-            <a:avLst/>
-          </a:prstGeom>
         </p:spPr>
         <p:txBody>
-          <a:bodyPr wrap="none">
-            <a:spAutoFit/>
-          </a:bodyPr>
+          <a:bodyPr/>
           <a:lstStyle/>
           <a:p>
             <a:r>
-              <a:rPr lang="en-US" sz="1200" b="1" dirty="0">
-                <a:solidFill>
-                  <a:schemeClr val="bg1"/>
-                </a:solidFill>
-              </a:rPr>
-              <a:t>ML-course.   </a:t>
-            </a:r>
-            <a:r>
-              <a:rPr lang="en-US" sz="1200" b="1" dirty="0" smtClean="0">
-                <a:solidFill>
-                  <a:schemeClr val="bg1"/>
-                </a:solidFill>
-              </a:rPr>
+              <a:rPr lang="en-US" sz="1400" b="1" dirty="0" smtClean="0"/>
+              <a:t>TENSOR.BY				</a:t>
+            </a:r>
+            <a:r>
+              <a:rPr lang="en-US" b="1" dirty="0" smtClean="0"/>
+              <a:t>ML-course</a:t>
+            </a:r>
+            <a:r>
+              <a:rPr lang="en-US" b="1" dirty="0"/>
+              <a:t>.   </a:t>
+            </a:r>
+            <a:r>
+              <a:rPr lang="en-US" b="1" dirty="0" smtClean="0"/>
               <a:t>Regression</a:t>
             </a:r>
-            <a:endParaRPr lang="ru-RU" sz="1200" dirty="0">
-              <a:solidFill>
-                <a:schemeClr val="bg1"/>
-              </a:solidFill>
-            </a:endParaRPr>
+            <a:endParaRPr lang="ru-RU" dirty="0"/>
           </a:p>
         </p:txBody>
       </p:sp>
@@ -10107,46 +10244,41 @@
       </p:pic>
       <p:sp>
         <p:nvSpPr>
-          <p:cNvPr id="6" name="Прямоугольник 5"/>
-          <p:cNvSpPr/>
-          <p:nvPr/>
+          <p:cNvPr id="8" name="Нижний колонтитул 4"/>
+          <p:cNvSpPr>
+            <a:spLocks noGrp="1"/>
+          </p:cNvSpPr>
+          <p:nvPr>
+            <p:ph type="ftr" sz="quarter" idx="11"/>
+          </p:nvPr>
         </p:nvSpPr>
         <p:spPr>
           <a:xfrm>
-            <a:off x="685800" y="6608433"/>
-            <a:ext cx="1726563" cy="276999"/>
+            <a:off x="228600" y="6629400"/>
+            <a:ext cx="7315200" cy="228601"/>
           </a:xfrm>
-          <a:prstGeom prst="rect">
-            <a:avLst/>
-          </a:prstGeom>
         </p:spPr>
         <p:txBody>
-          <a:bodyPr wrap="none">
-            <a:spAutoFit/>
-          </a:bodyPr>
+          <a:bodyPr/>
           <a:lstStyle/>
           <a:p>
             <a:r>
-              <a:rPr lang="en-US" sz="1200" b="1" dirty="0">
-                <a:solidFill>
-                  <a:schemeClr val="bg1"/>
-                </a:solidFill>
-              </a:rPr>
-              <a:t>ML-course.   </a:t>
-            </a:r>
-            <a:r>
-              <a:rPr lang="en-US" sz="1200" b="1" dirty="0" smtClean="0">
-                <a:solidFill>
-                  <a:schemeClr val="bg1"/>
-                </a:solidFill>
-              </a:rPr>
+              <a:rPr lang="en-US" sz="1400" b="1" dirty="0" smtClean="0"/>
+              <a:t>TENSOR.BY				</a:t>
+            </a:r>
+            <a:r>
+              <a:rPr lang="en-US" b="1" dirty="0" smtClean="0"/>
+              <a:t>ML-course</a:t>
+            </a:r>
+            <a:r>
+              <a:rPr lang="en-US" b="1" dirty="0"/>
+              <a:t>.   </a:t>
+            </a:r>
+            <a:r>
+              <a:rPr lang="en-US" b="1" dirty="0" smtClean="0"/>
               <a:t>Regression</a:t>
             </a:r>
-            <a:endParaRPr lang="ru-RU" sz="1200" dirty="0">
-              <a:solidFill>
-                <a:schemeClr val="bg1"/>
-              </a:solidFill>
-            </a:endParaRPr>
+            <a:endParaRPr lang="ru-RU" dirty="0"/>
           </a:p>
         </p:txBody>
       </p:sp>
@@ -10269,67 +10401,6 @@
               <a:t>18</a:t>
             </a:r>
             <a:endParaRPr lang="ru-RU" dirty="0"/>
-          </a:p>
-        </p:txBody>
-      </p:sp>
-      <p:sp>
-        <p:nvSpPr>
-          <p:cNvPr id="10" name="Прямоугольник 9"/>
-          <p:cNvSpPr/>
-          <p:nvPr/>
-        </p:nvSpPr>
-        <p:spPr>
-          <a:xfrm>
-            <a:off x="685800" y="6608433"/>
-            <a:ext cx="3344505" cy="276999"/>
-          </a:xfrm>
-          <a:prstGeom prst="rect">
-            <a:avLst/>
-          </a:prstGeom>
-        </p:spPr>
-        <p:txBody>
-          <a:bodyPr wrap="none">
-            <a:spAutoFit/>
-          </a:bodyPr>
-          <a:lstStyle/>
-          <a:p>
-            <a:r>
-              <a:rPr lang="en-US" sz="1200" b="1" dirty="0">
-                <a:solidFill>
-                  <a:schemeClr val="bg1"/>
-                </a:solidFill>
-              </a:rPr>
-              <a:t>ML-course.   Regression and </a:t>
-            </a:r>
-            <a:r>
-              <a:rPr lang="en-US" sz="1200" dirty="0">
-                <a:solidFill>
-                  <a:schemeClr val="bg1"/>
-                </a:solidFill>
-              </a:rPr>
-              <a:t>Classification     </a:t>
-            </a:r>
-            <a:r>
-              <a:rPr lang="en-US" sz="1200" b="1" dirty="0">
-                <a:solidFill>
-                  <a:schemeClr val="bg1"/>
-                </a:solidFill>
-              </a:rPr>
-              <a:t> </a:t>
-            </a:r>
-            <a:r>
-              <a:rPr lang="en-US" sz="1200" dirty="0">
-                <a:solidFill>
-                  <a:schemeClr val="bg1"/>
-                </a:solidFill>
-              </a:rPr>
-              <a:t>2018</a:t>
-            </a:r>
-            <a:endParaRPr lang="ru-RU" sz="1200" dirty="0">
-              <a:solidFill>
-                <a:schemeClr val="bg1"/>
-              </a:solidFill>
-            </a:endParaRPr>
           </a:p>
         </p:txBody>
       </p:sp>
@@ -12019,6 +12090,46 @@
           </p:sp>
         </mc:Fallback>
       </mc:AlternateContent>
+      <p:sp>
+        <p:nvSpPr>
+          <p:cNvPr id="6" name="Нижний колонтитул 4"/>
+          <p:cNvSpPr>
+            <a:spLocks noGrp="1"/>
+          </p:cNvSpPr>
+          <p:nvPr>
+            <p:ph type="ftr" sz="quarter" idx="11"/>
+          </p:nvPr>
+        </p:nvSpPr>
+        <p:spPr>
+          <a:xfrm>
+            <a:off x="228600" y="6629400"/>
+            <a:ext cx="7315200" cy="228601"/>
+          </a:xfrm>
+        </p:spPr>
+        <p:txBody>
+          <a:bodyPr/>
+          <a:lstStyle/>
+          <a:p>
+            <a:r>
+              <a:rPr lang="en-US" sz="1400" b="1" dirty="0" smtClean="0"/>
+              <a:t>TENSOR.BY				</a:t>
+            </a:r>
+            <a:r>
+              <a:rPr lang="en-US" b="1" dirty="0" smtClean="0"/>
+              <a:t>ML-course</a:t>
+            </a:r>
+            <a:r>
+              <a:rPr lang="en-US" b="1" dirty="0"/>
+              <a:t>.   </a:t>
+            </a:r>
+            <a:r>
+              <a:rPr lang="en-US" b="1" dirty="0" smtClean="0"/>
+              <a:t>Regression</a:t>
+            </a:r>
+            <a:endParaRPr lang="ru-RU" dirty="0"/>
+          </a:p>
+        </p:txBody>
+      </p:sp>
     </p:spTree>
     <p:extLst>
       <p:ext uri="{BB962C8B-B14F-4D97-AF65-F5344CB8AC3E}">
@@ -12153,8 +12264,8 @@
           </a:p>
         </p:txBody>
       </p:sp>
-      <mc:AlternateContent xmlns:mc="http://schemas.openxmlformats.org/markup-compatibility/2006">
-        <mc:Choice xmlns:a14="http://schemas.microsoft.com/office/drawing/2010/main" Requires="a14">
+      <mc:AlternateContent xmlns:mc="http://schemas.openxmlformats.org/markup-compatibility/2006" xmlns:a14="http://schemas.microsoft.com/office/drawing/2010/main">
+        <mc:Choice Requires="a14">
           <p:sp>
             <p:nvSpPr>
               <p:cNvPr id="2" name="TextBox 1"/>
@@ -12794,11 +12905,7 @@
               <a:p>
                 <a:r>
                   <a:rPr lang="en-US" sz="2000" b="1" dirty="0" smtClean="0"/>
-                  <a:t>Linear Regression</a:t>
-                </a:r>
-                <a:r>
-                  <a:rPr lang="en-US" sz="2000" b="1" dirty="0" smtClean="0"/>
-                  <a:t>		</a:t>
+                  <a:t>Linear Regression		</a:t>
                 </a:r>
                 <a14:m>
                   <m:oMath xmlns:m="http://schemas.openxmlformats.org/officeDocument/2006/math">
@@ -13641,7 +13748,7 @@
             </p:txBody>
           </p:sp>
         </mc:Choice>
-        <mc:Fallback>
+        <mc:Fallback xmlns="">
           <p:sp>
             <p:nvSpPr>
               <p:cNvPr id="2" name="TextBox 1"/>
@@ -13682,46 +13789,41 @@
       </mc:AlternateContent>
       <p:sp>
         <p:nvSpPr>
-          <p:cNvPr id="6" name="Прямоугольник 5"/>
-          <p:cNvSpPr/>
-          <p:nvPr/>
+          <p:cNvPr id="7" name="Нижний колонтитул 4"/>
+          <p:cNvSpPr>
+            <a:spLocks noGrp="1"/>
+          </p:cNvSpPr>
+          <p:nvPr>
+            <p:ph type="ftr" sz="quarter" idx="11"/>
+          </p:nvPr>
         </p:nvSpPr>
         <p:spPr>
           <a:xfrm>
-            <a:off x="685800" y="6608433"/>
-            <a:ext cx="1726563" cy="276999"/>
+            <a:off x="228600" y="6629400"/>
+            <a:ext cx="7315200" cy="228601"/>
           </a:xfrm>
-          <a:prstGeom prst="rect">
-            <a:avLst/>
-          </a:prstGeom>
         </p:spPr>
         <p:txBody>
-          <a:bodyPr wrap="none">
-            <a:spAutoFit/>
-          </a:bodyPr>
+          <a:bodyPr/>
           <a:lstStyle/>
           <a:p>
             <a:r>
-              <a:rPr lang="en-US" sz="1200" b="1" dirty="0">
-                <a:solidFill>
-                  <a:schemeClr val="bg1"/>
-                </a:solidFill>
-              </a:rPr>
-              <a:t>ML-course.   </a:t>
-            </a:r>
-            <a:r>
-              <a:rPr lang="en-US" sz="1200" b="1" dirty="0" smtClean="0">
-                <a:solidFill>
-                  <a:schemeClr val="bg1"/>
-                </a:solidFill>
-              </a:rPr>
+              <a:rPr lang="en-US" sz="1400" b="1" dirty="0" smtClean="0"/>
+              <a:t>TENSOR.BY				</a:t>
+            </a:r>
+            <a:r>
+              <a:rPr lang="en-US" b="1" dirty="0" smtClean="0"/>
+              <a:t>ML-course</a:t>
+            </a:r>
+            <a:r>
+              <a:rPr lang="en-US" b="1" dirty="0"/>
+              <a:t>.   </a:t>
+            </a:r>
+            <a:r>
+              <a:rPr lang="en-US" b="1" dirty="0" smtClean="0"/>
               <a:t>Regression</a:t>
             </a:r>
-            <a:endParaRPr lang="ru-RU" sz="1200" dirty="0">
-              <a:solidFill>
-                <a:schemeClr val="bg1"/>
-              </a:solidFill>
-            </a:endParaRPr>
+            <a:endParaRPr lang="ru-RU" dirty="0"/>
           </a:p>
         </p:txBody>
       </p:sp>
@@ -13826,7 +13928,7 @@
             </a:r>
             <a:r>
               <a:rPr lang="en-US" dirty="0">
-                <a:hlinkClick r:id="rId2"/>
+                <a:hlinkClick r:id="rId3"/>
               </a:rPr>
               <a:t>http://www-bcf.usc.edu/~gareth/ISL/</a:t>
             </a:r>
@@ -13885,14 +13987,27 @@
             <p:ph type="ftr" sz="quarter" idx="11"/>
           </p:nvPr>
         </p:nvSpPr>
-        <p:spPr/>
+        <p:spPr>
+          <a:xfrm>
+            <a:off x="228600" y="6629400"/>
+            <a:ext cx="7315200" cy="228601"/>
+          </a:xfrm>
+        </p:spPr>
         <p:txBody>
           <a:bodyPr/>
           <a:lstStyle/>
           <a:p>
             <a:r>
+              <a:rPr lang="en-US" sz="1400" b="1" dirty="0" smtClean="0"/>
+              <a:t>TENSOR.BY				</a:t>
+            </a:r>
+            <a:r>
+              <a:rPr lang="en-US" b="1" dirty="0" smtClean="0"/>
+              <a:t>ML-course</a:t>
+            </a:r>
+            <a:r>
               <a:rPr lang="en-US" b="1" dirty="0"/>
-              <a:t>ML-course.   </a:t>
+              <a:t>.   </a:t>
             </a:r>
             <a:r>
               <a:rPr lang="en-US" b="1" dirty="0" smtClean="0"/>
@@ -13911,7 +14026,7 @@
           <p:nvPr/>
         </p:nvPicPr>
         <p:blipFill>
-          <a:blip r:embed="rId3" cstate="print">
+          <a:blip r:embed="rId4" cstate="print">
             <a:extLst>
               <a:ext uri="{28A0092B-C50C-407E-A947-70E740481C1C}">
                 <a14:useLocalDpi xmlns:a14="http://schemas.microsoft.com/office/drawing/2010/main" val="0"/>
@@ -15197,46 +15312,41 @@
       </mc:AlternateContent>
       <p:sp>
         <p:nvSpPr>
-          <p:cNvPr id="6" name="Прямоугольник 5"/>
-          <p:cNvSpPr/>
-          <p:nvPr/>
+          <p:cNvPr id="7" name="Нижний колонтитул 4"/>
+          <p:cNvSpPr>
+            <a:spLocks noGrp="1"/>
+          </p:cNvSpPr>
+          <p:nvPr>
+            <p:ph type="ftr" sz="quarter" idx="11"/>
+          </p:nvPr>
         </p:nvSpPr>
         <p:spPr>
           <a:xfrm>
-            <a:off x="685800" y="6608433"/>
-            <a:ext cx="1726563" cy="276999"/>
+            <a:off x="228600" y="6629400"/>
+            <a:ext cx="7315200" cy="228601"/>
           </a:xfrm>
-          <a:prstGeom prst="rect">
-            <a:avLst/>
-          </a:prstGeom>
         </p:spPr>
         <p:txBody>
-          <a:bodyPr wrap="none">
-            <a:spAutoFit/>
-          </a:bodyPr>
+          <a:bodyPr/>
           <a:lstStyle/>
           <a:p>
             <a:r>
-              <a:rPr lang="en-US" sz="1200" b="1" dirty="0">
-                <a:solidFill>
-                  <a:schemeClr val="bg1"/>
-                </a:solidFill>
-              </a:rPr>
-              <a:t>ML-course.   </a:t>
-            </a:r>
-            <a:r>
-              <a:rPr lang="en-US" sz="1200" b="1" dirty="0" smtClean="0">
-                <a:solidFill>
-                  <a:schemeClr val="bg1"/>
-                </a:solidFill>
-              </a:rPr>
+              <a:rPr lang="en-US" sz="1400" b="1" dirty="0" smtClean="0"/>
+              <a:t>TENSOR.BY				</a:t>
+            </a:r>
+            <a:r>
+              <a:rPr lang="en-US" b="1" dirty="0" smtClean="0"/>
+              <a:t>ML-course</a:t>
+            </a:r>
+            <a:r>
+              <a:rPr lang="en-US" b="1" dirty="0"/>
+              <a:t>.   </a:t>
+            </a:r>
+            <a:r>
+              <a:rPr lang="en-US" b="1" dirty="0" smtClean="0"/>
               <a:t>Regression</a:t>
             </a:r>
-            <a:endParaRPr lang="ru-RU" sz="1200" dirty="0">
-              <a:solidFill>
-                <a:schemeClr val="bg1"/>
-              </a:solidFill>
-            </a:endParaRPr>
+            <a:endParaRPr lang="ru-RU" dirty="0"/>
           </a:p>
         </p:txBody>
       </p:sp>
@@ -15539,46 +15649,41 @@
       </p:sp>
       <p:sp>
         <p:nvSpPr>
-          <p:cNvPr id="8" name="Прямоугольник 7"/>
-          <p:cNvSpPr/>
-          <p:nvPr/>
+          <p:cNvPr id="9" name="Нижний колонтитул 4"/>
+          <p:cNvSpPr>
+            <a:spLocks noGrp="1"/>
+          </p:cNvSpPr>
+          <p:nvPr>
+            <p:ph type="ftr" sz="quarter" idx="11"/>
+          </p:nvPr>
         </p:nvSpPr>
         <p:spPr>
           <a:xfrm>
-            <a:off x="685800" y="6608433"/>
-            <a:ext cx="1726563" cy="276999"/>
+            <a:off x="228600" y="6629400"/>
+            <a:ext cx="7315200" cy="228601"/>
           </a:xfrm>
-          <a:prstGeom prst="rect">
-            <a:avLst/>
-          </a:prstGeom>
         </p:spPr>
         <p:txBody>
-          <a:bodyPr wrap="none">
-            <a:spAutoFit/>
-          </a:bodyPr>
+          <a:bodyPr/>
           <a:lstStyle/>
           <a:p>
             <a:r>
-              <a:rPr lang="en-US" sz="1200" b="1" dirty="0">
-                <a:solidFill>
-                  <a:schemeClr val="bg1"/>
-                </a:solidFill>
-              </a:rPr>
-              <a:t>ML-course.   </a:t>
-            </a:r>
-            <a:r>
-              <a:rPr lang="en-US" sz="1200" b="1" dirty="0" smtClean="0">
-                <a:solidFill>
-                  <a:schemeClr val="bg1"/>
-                </a:solidFill>
-              </a:rPr>
+              <a:rPr lang="en-US" sz="1400" b="1" dirty="0" smtClean="0"/>
+              <a:t>TENSOR.BY				</a:t>
+            </a:r>
+            <a:r>
+              <a:rPr lang="en-US" b="1" dirty="0" smtClean="0"/>
+              <a:t>ML-course</a:t>
+            </a:r>
+            <a:r>
+              <a:rPr lang="en-US" b="1" dirty="0"/>
+              <a:t>.   </a:t>
+            </a:r>
+            <a:r>
+              <a:rPr lang="en-US" b="1" dirty="0" smtClean="0"/>
               <a:t>Regression</a:t>
             </a:r>
-            <a:endParaRPr lang="ru-RU" sz="1200" dirty="0">
-              <a:solidFill>
-                <a:schemeClr val="bg1"/>
-              </a:solidFill>
-            </a:endParaRPr>
+            <a:endParaRPr lang="ru-RU" dirty="0"/>
           </a:p>
         </p:txBody>
       </p:sp>
@@ -15766,46 +15871,41 @@
       </p:sp>
       <p:sp>
         <p:nvSpPr>
-          <p:cNvPr id="6" name="Прямоугольник 5"/>
-          <p:cNvSpPr/>
-          <p:nvPr/>
+          <p:cNvPr id="7" name="Нижний колонтитул 4"/>
+          <p:cNvSpPr>
+            <a:spLocks noGrp="1"/>
+          </p:cNvSpPr>
+          <p:nvPr>
+            <p:ph type="ftr" sz="quarter" idx="11"/>
+          </p:nvPr>
         </p:nvSpPr>
         <p:spPr>
           <a:xfrm>
-            <a:off x="685800" y="6608433"/>
-            <a:ext cx="1726563" cy="276999"/>
+            <a:off x="228600" y="6629400"/>
+            <a:ext cx="7315200" cy="228601"/>
           </a:xfrm>
-          <a:prstGeom prst="rect">
-            <a:avLst/>
-          </a:prstGeom>
         </p:spPr>
         <p:txBody>
-          <a:bodyPr wrap="none">
-            <a:spAutoFit/>
-          </a:bodyPr>
+          <a:bodyPr/>
           <a:lstStyle/>
           <a:p>
             <a:r>
-              <a:rPr lang="en-US" sz="1200" b="1" dirty="0">
-                <a:solidFill>
-                  <a:schemeClr val="bg1"/>
-                </a:solidFill>
-              </a:rPr>
-              <a:t>ML-course.   </a:t>
-            </a:r>
-            <a:r>
-              <a:rPr lang="en-US" sz="1200" b="1" dirty="0" smtClean="0">
-                <a:solidFill>
-                  <a:schemeClr val="bg1"/>
-                </a:solidFill>
-              </a:rPr>
+              <a:rPr lang="en-US" sz="1400" b="1" dirty="0" smtClean="0"/>
+              <a:t>TENSOR.BY				</a:t>
+            </a:r>
+            <a:r>
+              <a:rPr lang="en-US" b="1" dirty="0" smtClean="0"/>
+              <a:t>ML-course</a:t>
+            </a:r>
+            <a:r>
+              <a:rPr lang="en-US" b="1" dirty="0"/>
+              <a:t>.   </a:t>
+            </a:r>
+            <a:r>
+              <a:rPr lang="en-US" b="1" dirty="0" smtClean="0"/>
               <a:t>Regression</a:t>
             </a:r>
-            <a:endParaRPr lang="ru-RU" sz="1200" dirty="0">
-              <a:solidFill>
-                <a:schemeClr val="bg1"/>
-              </a:solidFill>
-            </a:endParaRPr>
+            <a:endParaRPr lang="ru-RU" dirty="0"/>
           </a:p>
         </p:txBody>
       </p:sp>
@@ -16153,46 +16253,41 @@
       </p:graphicFrame>
       <p:sp>
         <p:nvSpPr>
-          <p:cNvPr id="7" name="Прямоугольник 6"/>
-          <p:cNvSpPr/>
-          <p:nvPr/>
+          <p:cNvPr id="8" name="Нижний колонтитул 4"/>
+          <p:cNvSpPr>
+            <a:spLocks noGrp="1"/>
+          </p:cNvSpPr>
+          <p:nvPr>
+            <p:ph type="ftr" sz="quarter" idx="11"/>
+          </p:nvPr>
         </p:nvSpPr>
         <p:spPr>
           <a:xfrm>
-            <a:off x="685800" y="6608433"/>
-            <a:ext cx="1726563" cy="276999"/>
+            <a:off x="228600" y="6629400"/>
+            <a:ext cx="7315200" cy="228601"/>
           </a:xfrm>
-          <a:prstGeom prst="rect">
-            <a:avLst/>
-          </a:prstGeom>
         </p:spPr>
         <p:txBody>
-          <a:bodyPr wrap="none">
-            <a:spAutoFit/>
-          </a:bodyPr>
+          <a:bodyPr/>
           <a:lstStyle/>
           <a:p>
             <a:r>
-              <a:rPr lang="en-US" sz="1200" b="1" dirty="0">
-                <a:solidFill>
-                  <a:schemeClr val="bg1"/>
-                </a:solidFill>
-              </a:rPr>
-              <a:t>ML-course.   </a:t>
-            </a:r>
-            <a:r>
-              <a:rPr lang="en-US" sz="1200" b="1" dirty="0" smtClean="0">
-                <a:solidFill>
-                  <a:schemeClr val="bg1"/>
-                </a:solidFill>
-              </a:rPr>
+              <a:rPr lang="en-US" sz="1400" b="1" dirty="0" smtClean="0"/>
+              <a:t>TENSOR.BY				</a:t>
+            </a:r>
+            <a:r>
+              <a:rPr lang="en-US" b="1" dirty="0" smtClean="0"/>
+              <a:t>ML-course</a:t>
+            </a:r>
+            <a:r>
+              <a:rPr lang="en-US" b="1" dirty="0"/>
+              <a:t>.   </a:t>
+            </a:r>
+            <a:r>
+              <a:rPr lang="en-US" b="1" dirty="0" smtClean="0"/>
               <a:t>Regression</a:t>
             </a:r>
-            <a:endParaRPr lang="ru-RU" sz="1200" dirty="0">
-              <a:solidFill>
-                <a:schemeClr val="bg1"/>
-              </a:solidFill>
-            </a:endParaRPr>
+            <a:endParaRPr lang="ru-RU" dirty="0"/>
           </a:p>
         </p:txBody>
       </p:sp>
@@ -18179,46 +18274,41 @@
       </p:graphicFrame>
       <p:sp>
         <p:nvSpPr>
-          <p:cNvPr id="6" name="Прямоугольник 5"/>
-          <p:cNvSpPr/>
-          <p:nvPr/>
+          <p:cNvPr id="7" name="Нижний колонтитул 4"/>
+          <p:cNvSpPr>
+            <a:spLocks noGrp="1"/>
+          </p:cNvSpPr>
+          <p:nvPr>
+            <p:ph type="ftr" sz="quarter" idx="11"/>
+          </p:nvPr>
         </p:nvSpPr>
         <p:spPr>
           <a:xfrm>
-            <a:off x="685800" y="6608433"/>
-            <a:ext cx="1726563" cy="276999"/>
+            <a:off x="228600" y="6629400"/>
+            <a:ext cx="7315200" cy="228601"/>
           </a:xfrm>
-          <a:prstGeom prst="rect">
-            <a:avLst/>
-          </a:prstGeom>
         </p:spPr>
         <p:txBody>
-          <a:bodyPr wrap="none">
-            <a:spAutoFit/>
-          </a:bodyPr>
+          <a:bodyPr/>
           <a:lstStyle/>
           <a:p>
             <a:r>
-              <a:rPr lang="en-US" sz="1200" b="1" dirty="0">
-                <a:solidFill>
-                  <a:prstClr val="white"/>
-                </a:solidFill>
-              </a:rPr>
-              <a:t>ML-course.   </a:t>
-            </a:r>
-            <a:r>
-              <a:rPr lang="en-US" sz="1200" b="1" dirty="0" smtClean="0">
-                <a:solidFill>
-                  <a:prstClr val="white"/>
-                </a:solidFill>
-              </a:rPr>
+              <a:rPr lang="en-US" sz="1400" b="1" dirty="0" smtClean="0"/>
+              <a:t>TENSOR.BY				</a:t>
+            </a:r>
+            <a:r>
+              <a:rPr lang="en-US" b="1" dirty="0" smtClean="0"/>
+              <a:t>ML-course</a:t>
+            </a:r>
+            <a:r>
+              <a:rPr lang="en-US" b="1" dirty="0"/>
+              <a:t>.   </a:t>
+            </a:r>
+            <a:r>
+              <a:rPr lang="en-US" b="1" dirty="0" smtClean="0"/>
               <a:t>Regression</a:t>
             </a:r>
-            <a:endParaRPr lang="ru-RU" sz="1200" dirty="0">
-              <a:solidFill>
-                <a:prstClr val="white"/>
-              </a:solidFill>
-            </a:endParaRPr>
+            <a:endParaRPr lang="ru-RU" dirty="0"/>
           </a:p>
         </p:txBody>
       </p:sp>
@@ -18316,33 +18406,6 @@
       </p:sp>
       <p:sp>
         <p:nvSpPr>
-          <p:cNvPr id="5" name="Нижний колонтитул 4"/>
-          <p:cNvSpPr>
-            <a:spLocks noGrp="1"/>
-          </p:cNvSpPr>
-          <p:nvPr>
-            <p:ph type="ftr" sz="quarter" idx="11"/>
-          </p:nvPr>
-        </p:nvSpPr>
-        <p:spPr/>
-        <p:txBody>
-          <a:bodyPr/>
-          <a:lstStyle/>
-          <a:p>
-            <a:r>
-              <a:rPr lang="en-US" b="1" dirty="0"/>
-              <a:t>ML-course.   </a:t>
-            </a:r>
-            <a:r>
-              <a:rPr lang="en-US" b="1"/>
-              <a:t>Regression</a:t>
-            </a:r>
-            <a:endParaRPr lang="ru-RU" dirty="0"/>
-          </a:p>
-        </p:txBody>
-      </p:sp>
-      <p:sp>
-        <p:nvSpPr>
           <p:cNvPr id="4" name="Номер слайда 3"/>
           <p:cNvSpPr>
             <a:spLocks noGrp="1"/>
@@ -18366,6 +18429,46 @@
               <a:pPr/>
               <a:t>25</a:t>
             </a:fld>
+            <a:endParaRPr lang="ru-RU" dirty="0"/>
+          </a:p>
+        </p:txBody>
+      </p:sp>
+      <p:sp>
+        <p:nvSpPr>
+          <p:cNvPr id="6" name="Нижний колонтитул 4"/>
+          <p:cNvSpPr>
+            <a:spLocks noGrp="1"/>
+          </p:cNvSpPr>
+          <p:nvPr>
+            <p:ph type="ftr" sz="quarter" idx="11"/>
+          </p:nvPr>
+        </p:nvSpPr>
+        <p:spPr>
+          <a:xfrm>
+            <a:off x="228600" y="6629400"/>
+            <a:ext cx="7315200" cy="228601"/>
+          </a:xfrm>
+        </p:spPr>
+        <p:txBody>
+          <a:bodyPr/>
+          <a:lstStyle/>
+          <a:p>
+            <a:r>
+              <a:rPr lang="en-US" sz="1400" b="1" dirty="0" smtClean="0"/>
+              <a:t>TENSOR.BY				</a:t>
+            </a:r>
+            <a:r>
+              <a:rPr lang="en-US" b="1" dirty="0" smtClean="0"/>
+              <a:t>ML-course</a:t>
+            </a:r>
+            <a:r>
+              <a:rPr lang="en-US" b="1" dirty="0"/>
+              <a:t>.   </a:t>
+            </a:r>
+            <a:r>
+              <a:rPr lang="en-US" b="1" dirty="0" smtClean="0"/>
+              <a:t>Regression</a:t>
+            </a:r>
             <a:endParaRPr lang="ru-RU" dirty="0"/>
           </a:p>
         </p:txBody>
@@ -18582,37 +18685,6 @@
           </a:p>
         </p:txBody>
       </p:sp>
-      <p:sp>
-        <p:nvSpPr>
-          <p:cNvPr id="5" name="Нижний колонтитул 4"/>
-          <p:cNvSpPr>
-            <a:spLocks noGrp="1"/>
-          </p:cNvSpPr>
-          <p:nvPr>
-            <p:ph type="ftr" sz="quarter" idx="11"/>
-          </p:nvPr>
-        </p:nvSpPr>
-        <p:spPr/>
-        <p:txBody>
-          <a:bodyPr/>
-          <a:lstStyle/>
-          <a:p>
-            <a:r>
-              <a:rPr lang="en-US" b="1" dirty="0" smtClean="0"/>
-              <a:t>ML-course</a:t>
-            </a:r>
-            <a:r>
-              <a:rPr lang="en-US" b="1" dirty="0"/>
-              <a:t>.   </a:t>
-            </a:r>
-            <a:r>
-              <a:rPr lang="en-US" b="1" dirty="0" smtClean="0"/>
-              <a:t>Regression</a:t>
-            </a:r>
-            <a:endParaRPr lang="ru-RU" dirty="0"/>
-          </a:p>
-        </p:txBody>
-      </p:sp>
       <p:pic>
         <p:nvPicPr>
           <p:cNvPr id="6" name="Picture 2" descr="Book Cover"/>
@@ -18659,6 +18731,46 @@
           </a:extLst>
         </p:spPr>
       </p:pic>
+      <p:sp>
+        <p:nvSpPr>
+          <p:cNvPr id="8" name="Нижний колонтитул 4"/>
+          <p:cNvSpPr>
+            <a:spLocks noGrp="1"/>
+          </p:cNvSpPr>
+          <p:nvPr>
+            <p:ph type="ftr" sz="quarter" idx="11"/>
+          </p:nvPr>
+        </p:nvSpPr>
+        <p:spPr>
+          <a:xfrm>
+            <a:off x="228600" y="6629400"/>
+            <a:ext cx="7315200" cy="228601"/>
+          </a:xfrm>
+        </p:spPr>
+        <p:txBody>
+          <a:bodyPr/>
+          <a:lstStyle/>
+          <a:p>
+            <a:r>
+              <a:rPr lang="en-US" sz="1400" b="1" dirty="0" smtClean="0"/>
+              <a:t>TENSOR.BY				</a:t>
+            </a:r>
+            <a:r>
+              <a:rPr lang="en-US" b="1" dirty="0" smtClean="0"/>
+              <a:t>ML-course</a:t>
+            </a:r>
+            <a:r>
+              <a:rPr lang="en-US" b="1" dirty="0"/>
+              <a:t>.   </a:t>
+            </a:r>
+            <a:r>
+              <a:rPr lang="en-US" b="1" dirty="0" smtClean="0"/>
+              <a:t>Regression</a:t>
+            </a:r>
+            <a:endParaRPr lang="ru-RU" dirty="0"/>
+          </a:p>
+        </p:txBody>
+      </p:sp>
     </p:spTree>
     <p:extLst>
       <p:ext uri="{BB962C8B-B14F-4D97-AF65-F5344CB8AC3E}">
@@ -18732,33 +18844,6 @@
               <a:pPr/>
               <a:t>4</a:t>
             </a:fld>
-            <a:endParaRPr lang="ru-RU" dirty="0"/>
-          </a:p>
-        </p:txBody>
-      </p:sp>
-      <p:sp>
-        <p:nvSpPr>
-          <p:cNvPr id="5" name="Нижний колонтитул 4"/>
-          <p:cNvSpPr>
-            <a:spLocks noGrp="1"/>
-          </p:cNvSpPr>
-          <p:nvPr>
-            <p:ph type="ftr" sz="quarter" idx="11"/>
-          </p:nvPr>
-        </p:nvSpPr>
-        <p:spPr/>
-        <p:txBody>
-          <a:bodyPr/>
-          <a:lstStyle/>
-          <a:p>
-            <a:r>
-              <a:rPr lang="en-US" b="1" dirty="0"/>
-              <a:t>ML-course.   </a:t>
-            </a:r>
-            <a:r>
-              <a:rPr lang="en-US" b="1" dirty="0" smtClean="0"/>
-              <a:t>Regression</a:t>
-            </a:r>
             <a:endParaRPr lang="ru-RU" dirty="0"/>
           </a:p>
         </p:txBody>
@@ -18832,6 +18917,46 @@
               <a:t> </a:t>
             </a:r>
             <a:endParaRPr lang="ru-RU" sz="3200" b="1" dirty="0"/>
+          </a:p>
+        </p:txBody>
+      </p:sp>
+      <p:sp>
+        <p:nvSpPr>
+          <p:cNvPr id="7" name="Нижний колонтитул 4"/>
+          <p:cNvSpPr>
+            <a:spLocks noGrp="1"/>
+          </p:cNvSpPr>
+          <p:nvPr>
+            <p:ph type="ftr" sz="quarter" idx="11"/>
+          </p:nvPr>
+        </p:nvSpPr>
+        <p:spPr>
+          <a:xfrm>
+            <a:off x="228600" y="6629400"/>
+            <a:ext cx="7315200" cy="228601"/>
+          </a:xfrm>
+        </p:spPr>
+        <p:txBody>
+          <a:bodyPr/>
+          <a:lstStyle/>
+          <a:p>
+            <a:r>
+              <a:rPr lang="en-US" sz="1400" b="1" dirty="0" smtClean="0"/>
+              <a:t>TENSOR.BY				</a:t>
+            </a:r>
+            <a:r>
+              <a:rPr lang="en-US" b="1" dirty="0" smtClean="0"/>
+              <a:t>ML-course</a:t>
+            </a:r>
+            <a:r>
+              <a:rPr lang="en-US" b="1" dirty="0"/>
+              <a:t>.   </a:t>
+            </a:r>
+            <a:r>
+              <a:rPr lang="en-US" b="1" dirty="0" smtClean="0"/>
+              <a:t>Regression</a:t>
+            </a:r>
+            <a:endParaRPr lang="ru-RU" dirty="0"/>
           </a:p>
         </p:txBody>
       </p:sp>
@@ -18916,38 +19041,6 @@
               <a:pPr/>
               <a:t>5</a:t>
             </a:fld>
-            <a:endParaRPr lang="ru-RU" dirty="0"/>
-          </a:p>
-        </p:txBody>
-      </p:sp>
-      <p:sp>
-        <p:nvSpPr>
-          <p:cNvPr id="5" name="Нижний колонтитул 4"/>
-          <p:cNvSpPr>
-            <a:spLocks noGrp="1"/>
-          </p:cNvSpPr>
-          <p:nvPr>
-            <p:ph type="ftr" sz="quarter" idx="11"/>
-          </p:nvPr>
-        </p:nvSpPr>
-        <p:spPr>
-          <a:xfrm>
-            <a:off x="152400" y="6629399"/>
-            <a:ext cx="6172200" cy="228601"/>
-          </a:xfrm>
-        </p:spPr>
-        <p:txBody>
-          <a:bodyPr/>
-          <a:lstStyle/>
-          <a:p>
-            <a:r>
-              <a:rPr lang="en-US" b="1" dirty="0"/>
-              <a:t>ML-course.   </a:t>
-            </a:r>
-            <a:r>
-              <a:rPr lang="en-US" b="1" dirty="0" smtClean="0"/>
-              <a:t>Regression</a:t>
-            </a:r>
             <a:endParaRPr lang="ru-RU" dirty="0"/>
           </a:p>
         </p:txBody>
@@ -19761,6 +19854,46 @@
           </a:fontRef>
         </p:style>
       </p:cxnSp>
+      <p:sp>
+        <p:nvSpPr>
+          <p:cNvPr id="9" name="Нижний колонтитул 4"/>
+          <p:cNvSpPr>
+            <a:spLocks noGrp="1"/>
+          </p:cNvSpPr>
+          <p:nvPr>
+            <p:ph type="ftr" sz="quarter" idx="11"/>
+          </p:nvPr>
+        </p:nvSpPr>
+        <p:spPr>
+          <a:xfrm>
+            <a:off x="228600" y="6629400"/>
+            <a:ext cx="7315200" cy="228601"/>
+          </a:xfrm>
+        </p:spPr>
+        <p:txBody>
+          <a:bodyPr/>
+          <a:lstStyle/>
+          <a:p>
+            <a:r>
+              <a:rPr lang="en-US" sz="1400" b="1" dirty="0" smtClean="0"/>
+              <a:t>TENSOR.BY				</a:t>
+            </a:r>
+            <a:r>
+              <a:rPr lang="en-US" b="1" dirty="0" smtClean="0"/>
+              <a:t>ML-course</a:t>
+            </a:r>
+            <a:r>
+              <a:rPr lang="en-US" b="1" dirty="0"/>
+              <a:t>.   </a:t>
+            </a:r>
+            <a:r>
+              <a:rPr lang="en-US" b="1" dirty="0" smtClean="0"/>
+              <a:t>Regression</a:t>
+            </a:r>
+            <a:endParaRPr lang="ru-RU" dirty="0"/>
+          </a:p>
+        </p:txBody>
+      </p:sp>
     </p:spTree>
     <p:extLst>
       <p:ext uri="{BB962C8B-B14F-4D97-AF65-F5344CB8AC3E}">
@@ -20104,46 +20237,41 @@
       </p:sp>
       <p:sp>
         <p:nvSpPr>
-          <p:cNvPr id="6" name="Прямоугольник 5"/>
-          <p:cNvSpPr/>
-          <p:nvPr/>
+          <p:cNvPr id="10" name="Нижний колонтитул 4"/>
+          <p:cNvSpPr>
+            <a:spLocks noGrp="1"/>
+          </p:cNvSpPr>
+          <p:nvPr>
+            <p:ph type="ftr" sz="quarter" idx="11"/>
+          </p:nvPr>
         </p:nvSpPr>
         <p:spPr>
           <a:xfrm>
-            <a:off x="685800" y="6608433"/>
-            <a:ext cx="1691297" cy="276999"/>
+            <a:off x="228600" y="6629400"/>
+            <a:ext cx="7315200" cy="228601"/>
           </a:xfrm>
-          <a:prstGeom prst="rect">
-            <a:avLst/>
-          </a:prstGeom>
         </p:spPr>
         <p:txBody>
-          <a:bodyPr wrap="none">
-            <a:spAutoFit/>
-          </a:bodyPr>
+          <a:bodyPr/>
           <a:lstStyle/>
           <a:p>
             <a:r>
-              <a:rPr lang="en-US" sz="1200" b="1" dirty="0">
-                <a:solidFill>
-                  <a:schemeClr val="bg1"/>
-                </a:solidFill>
-              </a:rPr>
-              <a:t>ML-course.   </a:t>
-            </a:r>
-            <a:r>
-              <a:rPr lang="en-US" sz="1200" b="1" dirty="0" smtClean="0">
-                <a:solidFill>
-                  <a:schemeClr val="bg1"/>
-                </a:solidFill>
-              </a:rPr>
+              <a:rPr lang="en-US" sz="1400" b="1" dirty="0" smtClean="0"/>
+              <a:t>TENSOR.BY				</a:t>
+            </a:r>
+            <a:r>
+              <a:rPr lang="en-US" b="1" dirty="0" smtClean="0"/>
+              <a:t>ML-course</a:t>
+            </a:r>
+            <a:r>
+              <a:rPr lang="en-US" b="1" dirty="0"/>
+              <a:t>.   </a:t>
+            </a:r>
+            <a:r>
+              <a:rPr lang="en-US" b="1" dirty="0" smtClean="0"/>
               <a:t>Regression</a:t>
             </a:r>
-            <a:endParaRPr lang="ru-RU" sz="1200" dirty="0">
-              <a:solidFill>
-                <a:schemeClr val="bg1"/>
-              </a:solidFill>
-            </a:endParaRPr>
+            <a:endParaRPr lang="ru-RU" dirty="0"/>
           </a:p>
         </p:txBody>
       </p:sp>
@@ -20396,13 +20524,8 @@
             </a:r>
             <a:r>
               <a:rPr lang="en-US" sz="3300" b="1" i="1" dirty="0" smtClean="0"/>
-              <a:t> </a:t>
-            </a:r>
-            <a:r>
-              <a:rPr lang="en-US" sz="3300" b="1" i="1" dirty="0" smtClean="0"/>
-              <a:t>array</a:t>
-            </a:r>
-            <a:endParaRPr lang="en-US" sz="3300" b="1" i="1" dirty="0" smtClean="0"/>
+              <a:t> array</a:t>
+            </a:r>
           </a:p>
           <a:p>
             <a:pPr marL="900113" indent="0">
@@ -20459,13 +20582,8 @@
             </a:r>
             <a:r>
               <a:rPr lang="en-US" sz="3300" b="1" i="1" dirty="0" smtClean="0"/>
-              <a:t> </a:t>
-            </a:r>
-            <a:r>
-              <a:rPr lang="en-US" sz="3300" b="1" i="1" dirty="0" smtClean="0"/>
-              <a:t>array </a:t>
-            </a:r>
-            <a:endParaRPr lang="en-US" sz="3300" b="1" i="1" dirty="0" smtClean="0"/>
+              <a:t> array </a:t>
+            </a:r>
           </a:p>
           <a:p>
             <a:pPr marL="900113" indent="0">
@@ -20490,51 +20608,6 @@
               <a:buNone/>
             </a:pPr>
             <a:endParaRPr lang="en-US" dirty="0"/>
-          </a:p>
-        </p:txBody>
-      </p:sp>
-      <p:sp>
-        <p:nvSpPr>
-          <p:cNvPr id="10" name="Прямоугольник 9"/>
-          <p:cNvSpPr/>
-          <p:nvPr/>
-        </p:nvSpPr>
-        <p:spPr>
-          <a:xfrm>
-            <a:off x="685800" y="6608433"/>
-            <a:ext cx="1691297" cy="276999"/>
-          </a:xfrm>
-          <a:prstGeom prst="rect">
-            <a:avLst/>
-          </a:prstGeom>
-        </p:spPr>
-        <p:txBody>
-          <a:bodyPr wrap="none">
-            <a:spAutoFit/>
-          </a:bodyPr>
-          <a:lstStyle/>
-          <a:p>
-            <a:r>
-              <a:rPr lang="en-US" sz="1200" b="1" dirty="0">
-                <a:solidFill>
-                  <a:schemeClr val="bg1"/>
-                </a:solidFill>
-              </a:rPr>
-              <a:t>ML-course.   </a:t>
-            </a:r>
-            <a:r>
-              <a:rPr lang="en-US" sz="1200" b="1" dirty="0" smtClean="0">
-                <a:solidFill>
-                  <a:schemeClr val="bg1"/>
-                </a:solidFill>
-              </a:rPr>
-              <a:t>Regression</a:t>
-            </a:r>
-            <a:endParaRPr lang="ru-RU" sz="1200" dirty="0">
-              <a:solidFill>
-                <a:schemeClr val="bg1"/>
-              </a:solidFill>
-            </a:endParaRPr>
           </a:p>
         </p:txBody>
       </p:sp>
@@ -20602,6 +20675,46 @@
                 <a:srgbClr val="FF0000"/>
               </a:solidFill>
             </a:endParaRPr>
+          </a:p>
+        </p:txBody>
+      </p:sp>
+      <p:sp>
+        <p:nvSpPr>
+          <p:cNvPr id="6" name="Нижний колонтитул 4"/>
+          <p:cNvSpPr>
+            <a:spLocks noGrp="1"/>
+          </p:cNvSpPr>
+          <p:nvPr>
+            <p:ph type="ftr" sz="quarter" idx="11"/>
+          </p:nvPr>
+        </p:nvSpPr>
+        <p:spPr>
+          <a:xfrm>
+            <a:off x="228600" y="6629400"/>
+            <a:ext cx="7315200" cy="228601"/>
+          </a:xfrm>
+        </p:spPr>
+        <p:txBody>
+          <a:bodyPr/>
+          <a:lstStyle/>
+          <a:p>
+            <a:r>
+              <a:rPr lang="en-US" sz="1400" b="1" dirty="0" smtClean="0"/>
+              <a:t>TENSOR.BY				</a:t>
+            </a:r>
+            <a:r>
+              <a:rPr lang="en-US" b="1" dirty="0" smtClean="0"/>
+              <a:t>ML-course</a:t>
+            </a:r>
+            <a:r>
+              <a:rPr lang="en-US" b="1" dirty="0"/>
+              <a:t>.   </a:t>
+            </a:r>
+            <a:r>
+              <a:rPr lang="en-US" b="1" dirty="0" smtClean="0"/>
+              <a:t>Regression</a:t>
+            </a:r>
+            <a:endParaRPr lang="ru-RU" dirty="0"/>
           </a:p>
         </p:txBody>
       </p:sp>
@@ -20937,46 +21050,41 @@
       </p:sp>
       <p:sp>
         <p:nvSpPr>
-          <p:cNvPr id="6" name="Прямоугольник 5"/>
-          <p:cNvSpPr/>
-          <p:nvPr/>
+          <p:cNvPr id="10" name="Нижний колонтитул 4"/>
+          <p:cNvSpPr>
+            <a:spLocks noGrp="1"/>
+          </p:cNvSpPr>
+          <p:nvPr>
+            <p:ph type="ftr" sz="quarter" idx="11"/>
+          </p:nvPr>
         </p:nvSpPr>
         <p:spPr>
           <a:xfrm>
-            <a:off x="685800" y="6608433"/>
-            <a:ext cx="1691297" cy="276999"/>
+            <a:off x="228600" y="6629400"/>
+            <a:ext cx="7315200" cy="228601"/>
           </a:xfrm>
-          <a:prstGeom prst="rect">
-            <a:avLst/>
-          </a:prstGeom>
         </p:spPr>
         <p:txBody>
-          <a:bodyPr wrap="none">
-            <a:spAutoFit/>
-          </a:bodyPr>
+          <a:bodyPr/>
           <a:lstStyle/>
           <a:p>
             <a:r>
-              <a:rPr lang="en-US" sz="1200" b="1" dirty="0">
-                <a:solidFill>
-                  <a:schemeClr val="bg1"/>
-                </a:solidFill>
-              </a:rPr>
-              <a:t>ML-course.   </a:t>
-            </a:r>
-            <a:r>
-              <a:rPr lang="en-US" sz="1200" b="1" dirty="0" smtClean="0">
-                <a:solidFill>
-                  <a:schemeClr val="bg1"/>
-                </a:solidFill>
-              </a:rPr>
+              <a:rPr lang="en-US" sz="1400" b="1" dirty="0" smtClean="0"/>
+              <a:t>TENSOR.BY				</a:t>
+            </a:r>
+            <a:r>
+              <a:rPr lang="en-US" b="1" dirty="0" smtClean="0"/>
+              <a:t>ML-course</a:t>
+            </a:r>
+            <a:r>
+              <a:rPr lang="en-US" b="1" dirty="0"/>
+              <a:t>.   </a:t>
+            </a:r>
+            <a:r>
+              <a:rPr lang="en-US" b="1" dirty="0" smtClean="0"/>
               <a:t>Regression</a:t>
             </a:r>
-            <a:endParaRPr lang="ru-RU" sz="1200" dirty="0">
-              <a:solidFill>
-                <a:schemeClr val="bg1"/>
-              </a:solidFill>
-            </a:endParaRPr>
+            <a:endParaRPr lang="ru-RU" dirty="0"/>
           </a:p>
         </p:txBody>
       </p:sp>
@@ -21451,46 +21559,41 @@
       </p:pic>
       <p:sp>
         <p:nvSpPr>
-          <p:cNvPr id="12" name="Прямоугольник 11"/>
-          <p:cNvSpPr/>
-          <p:nvPr/>
+          <p:cNvPr id="13" name="Нижний колонтитул 4"/>
+          <p:cNvSpPr>
+            <a:spLocks noGrp="1"/>
+          </p:cNvSpPr>
+          <p:nvPr>
+            <p:ph type="ftr" sz="quarter" idx="11"/>
+          </p:nvPr>
         </p:nvSpPr>
         <p:spPr>
           <a:xfrm>
-            <a:off x="685800" y="6608433"/>
-            <a:ext cx="1691297" cy="276999"/>
+            <a:off x="228600" y="6629400"/>
+            <a:ext cx="7315200" cy="228601"/>
           </a:xfrm>
-          <a:prstGeom prst="rect">
-            <a:avLst/>
-          </a:prstGeom>
         </p:spPr>
         <p:txBody>
-          <a:bodyPr wrap="none">
-            <a:spAutoFit/>
-          </a:bodyPr>
+          <a:bodyPr/>
           <a:lstStyle/>
           <a:p>
             <a:r>
-              <a:rPr lang="en-US" sz="1200" b="1" dirty="0">
-                <a:solidFill>
-                  <a:schemeClr val="bg1"/>
-                </a:solidFill>
-              </a:rPr>
-              <a:t>ML-course.   </a:t>
-            </a:r>
-            <a:r>
-              <a:rPr lang="en-US" sz="1200" b="1" dirty="0" smtClean="0">
-                <a:solidFill>
-                  <a:schemeClr val="bg1"/>
-                </a:solidFill>
-              </a:rPr>
+              <a:rPr lang="en-US" sz="1400" b="1" dirty="0" smtClean="0"/>
+              <a:t>TENSOR.BY				</a:t>
+            </a:r>
+            <a:r>
+              <a:rPr lang="en-US" b="1" dirty="0" smtClean="0"/>
+              <a:t>ML-course</a:t>
+            </a:r>
+            <a:r>
+              <a:rPr lang="en-US" b="1" dirty="0"/>
+              <a:t>.   </a:t>
+            </a:r>
+            <a:r>
+              <a:rPr lang="en-US" b="1" dirty="0" smtClean="0"/>
               <a:t>Regression</a:t>
             </a:r>
-            <a:endParaRPr lang="ru-RU" sz="1200" dirty="0">
-              <a:solidFill>
-                <a:schemeClr val="bg1"/>
-              </a:solidFill>
-            </a:endParaRPr>
+            <a:endParaRPr lang="ru-RU" dirty="0"/>
           </a:p>
         </p:txBody>
       </p:sp>
